--- a/05_03StringSlicesCS152.pptx
+++ b/05_03StringSlicesCS152.pptx
@@ -6,21 +6,22 @@
     <p:sldMasterId id="2147483686" r:id="rId5"/>
   </p:sldMasterIdLst>
   <p:notesMasterIdLst>
-    <p:notesMasterId r:id="rId18"/>
+    <p:notesMasterId r:id="rId19"/>
   </p:notesMasterIdLst>
   <p:sldIdLst>
     <p:sldId id="256" r:id="rId6"/>
     <p:sldId id="268" r:id="rId7"/>
     <p:sldId id="288" r:id="rId8"/>
-    <p:sldId id="291" r:id="rId9"/>
-    <p:sldId id="289" r:id="rId10"/>
-    <p:sldId id="290" r:id="rId11"/>
-    <p:sldId id="292" r:id="rId12"/>
-    <p:sldId id="293" r:id="rId13"/>
-    <p:sldId id="294" r:id="rId14"/>
-    <p:sldId id="296" r:id="rId15"/>
-    <p:sldId id="298" r:id="rId16"/>
-    <p:sldId id="299" r:id="rId17"/>
+    <p:sldId id="300" r:id="rId9"/>
+    <p:sldId id="291" r:id="rId10"/>
+    <p:sldId id="289" r:id="rId11"/>
+    <p:sldId id="290" r:id="rId12"/>
+    <p:sldId id="292" r:id="rId13"/>
+    <p:sldId id="293" r:id="rId14"/>
+    <p:sldId id="294" r:id="rId15"/>
+    <p:sldId id="296" r:id="rId16"/>
+    <p:sldId id="298" r:id="rId17"/>
+    <p:sldId id="299" r:id="rId18"/>
   </p:sldIdLst>
   <p:sldSz cx="9144000" cy="5143500" type="screen16x9"/>
   <p:notesSz cx="6858000" cy="9144000"/>
@@ -272,93 +273,23 @@
 </p:presentation>
 </file>
 
-<file path=ppt/revisionInfo.xml><?xml version="1.0" encoding="utf-8"?>
-<p1510:revInfo xmlns:a="http://schemas.openxmlformats.org/drawingml/2006/main" xmlns:r="http://schemas.openxmlformats.org/officeDocument/2006/relationships" xmlns:p1510="http://schemas.microsoft.com/office/powerpoint/2015/10/main">
-  <p1510:revLst>
-    <p1510:client id="{E3353E87-C11A-4BC4-BE75-F2B75EC04806}" v="126" dt="2022-09-22T17:23:27.596"/>
-  </p1510:revLst>
-</p1510:revInfo>
-</file>
-
 <file path=ppt/changesInfos/changesInfo1.xml><?xml version="1.0" encoding="utf-8"?>
 <pc:chgInfo xmlns:a="http://schemas.openxmlformats.org/drawingml/2006/main" xmlns:r="http://schemas.openxmlformats.org/officeDocument/2006/relationships" xmlns:ac="http://schemas.microsoft.com/office/drawing/2013/main/command" xmlns:pc="http://schemas.microsoft.com/office/powerpoint/2013/main/command">
   <pc:docChgLst>
-    <pc:chgData name="Moraes,Marcia" userId="c9c67e8a-58e2-4733-9a1c-5d44fec4775b" providerId="ADAL" clId="{E3353E87-C11A-4BC4-BE75-F2B75EC04806}"/>
-    <pc:docChg chg="undo custSel addSld delSld modSld">
-      <pc:chgData name="Moraes,Marcia" userId="c9c67e8a-58e2-4733-9a1c-5d44fec4775b" providerId="ADAL" clId="{E3353E87-C11A-4BC4-BE75-F2B75EC04806}" dt="2022-09-22T17:27:36.868" v="1027" actId="20577"/>
+    <pc:chgData name="Marcia Moraes" userId="c9c67e8a-58e2-4733-9a1c-5d44fec4775b" providerId="ADAL" clId="{EFDCE6B1-AD84-4C29-8E32-498BB60A1686}"/>
+    <pc:docChg chg="custSel addSld modSld">
+      <pc:chgData name="Marcia Moraes" userId="c9c67e8a-58e2-4733-9a1c-5d44fec4775b" providerId="ADAL" clId="{EFDCE6B1-AD84-4C29-8E32-498BB60A1686}" dt="2023-02-12T23:44:43.152" v="105"/>
       <pc:docMkLst>
         <pc:docMk/>
       </pc:docMkLst>
-      <pc:sldChg chg="modSp mod">
-        <pc:chgData name="Moraes,Marcia" userId="c9c67e8a-58e2-4733-9a1c-5d44fec4775b" providerId="ADAL" clId="{E3353E87-C11A-4BC4-BE75-F2B75EC04806}" dt="2022-09-22T15:26:28.442" v="12" actId="20577"/>
-        <pc:sldMkLst>
-          <pc:docMk/>
-          <pc:sldMk cId="0" sldId="256"/>
-        </pc:sldMkLst>
-        <pc:spChg chg="mod">
-          <ac:chgData name="Moraes,Marcia" userId="c9c67e8a-58e2-4733-9a1c-5d44fec4775b" providerId="ADAL" clId="{E3353E87-C11A-4BC4-BE75-F2B75EC04806}" dt="2022-09-22T15:26:28.442" v="12" actId="20577"/>
-          <ac:spMkLst>
-            <pc:docMk/>
-            <pc:sldMk cId="0" sldId="256"/>
-            <ac:spMk id="185" creationId="{00000000-0000-0000-0000-000000000000}"/>
-          </ac:spMkLst>
-        </pc:spChg>
-      </pc:sldChg>
-      <pc:sldChg chg="addSp delSp modSp mod">
-        <pc:chgData name="Moraes,Marcia" userId="c9c67e8a-58e2-4733-9a1c-5d44fec4775b" providerId="ADAL" clId="{E3353E87-C11A-4BC4-BE75-F2B75EC04806}" dt="2022-09-22T15:31:58.276" v="30" actId="5793"/>
-        <pc:sldMkLst>
-          <pc:docMk/>
-          <pc:sldMk cId="2954226462" sldId="268"/>
-        </pc:sldMkLst>
-        <pc:spChg chg="mod">
-          <ac:chgData name="Moraes,Marcia" userId="c9c67e8a-58e2-4733-9a1c-5d44fec4775b" providerId="ADAL" clId="{E3353E87-C11A-4BC4-BE75-F2B75EC04806}" dt="2022-09-22T15:31:58.276" v="30" actId="5793"/>
-          <ac:spMkLst>
-            <pc:docMk/>
-            <pc:sldMk cId="2954226462" sldId="268"/>
-            <ac:spMk id="7" creationId="{F1F79DD2-1F3F-234C-A44A-3A87D436D29A}"/>
-          </ac:spMkLst>
-        </pc:spChg>
-        <pc:picChg chg="add del mod">
-          <ac:chgData name="Moraes,Marcia" userId="c9c67e8a-58e2-4733-9a1c-5d44fec4775b" providerId="ADAL" clId="{E3353E87-C11A-4BC4-BE75-F2B75EC04806}" dt="2022-09-22T15:28:32.677" v="17" actId="478"/>
-          <ac:picMkLst>
-            <pc:docMk/>
-            <pc:sldMk cId="2954226462" sldId="268"/>
-            <ac:picMk id="2" creationId="{BE4D80AA-781D-E757-2837-631A22F5614E}"/>
-          </ac:picMkLst>
-        </pc:picChg>
-        <pc:picChg chg="del">
-          <ac:chgData name="Moraes,Marcia" userId="c9c67e8a-58e2-4733-9a1c-5d44fec4775b" providerId="ADAL" clId="{E3353E87-C11A-4BC4-BE75-F2B75EC04806}" dt="2022-09-22T15:28:17.483" v="13" actId="478"/>
-          <ac:picMkLst>
-            <pc:docMk/>
-            <pc:sldMk cId="2954226462" sldId="268"/>
-            <ac:picMk id="1026" creationId="{A67BA562-A35D-8D08-3086-DC22E9F8445E}"/>
-          </ac:picMkLst>
-        </pc:picChg>
-        <pc:picChg chg="add del mod">
-          <ac:chgData name="Moraes,Marcia" userId="c9c67e8a-58e2-4733-9a1c-5d44fec4775b" providerId="ADAL" clId="{E3353E87-C11A-4BC4-BE75-F2B75EC04806}" dt="2022-09-22T15:30:12.293" v="21" actId="478"/>
-          <ac:picMkLst>
-            <pc:docMk/>
-            <pc:sldMk cId="2954226462" sldId="268"/>
-            <ac:picMk id="1028" creationId="{5F6276DD-E22B-9065-3649-943A6955F518}"/>
-          </ac:picMkLst>
-        </pc:picChg>
-        <pc:picChg chg="add mod">
-          <ac:chgData name="Moraes,Marcia" userId="c9c67e8a-58e2-4733-9a1c-5d44fec4775b" providerId="ADAL" clId="{E3353E87-C11A-4BC4-BE75-F2B75EC04806}" dt="2022-09-22T15:31:42.958" v="27" actId="1076"/>
-          <ac:picMkLst>
-            <pc:docMk/>
-            <pc:sldMk cId="2954226462" sldId="268"/>
-            <ac:picMk id="1030" creationId="{83D0F5CD-1EEC-604C-481A-8DF8AE1231FF}"/>
-          </ac:picMkLst>
-        </pc:picChg>
-      </pc:sldChg>
-      <pc:sldChg chg="addSp delSp modSp mod modAnim">
-        <pc:chgData name="Moraes,Marcia" userId="c9c67e8a-58e2-4733-9a1c-5d44fec4775b" providerId="ADAL" clId="{E3353E87-C11A-4BC4-BE75-F2B75EC04806}" dt="2022-09-22T15:39:09.541" v="220" actId="1076"/>
+      <pc:sldChg chg="delSp modSp delAnim">
+        <pc:chgData name="Marcia Moraes" userId="c9c67e8a-58e2-4733-9a1c-5d44fec4775b" providerId="ADAL" clId="{EFDCE6B1-AD84-4C29-8E32-498BB60A1686}" dt="2023-02-12T23:44:43.152" v="105"/>
         <pc:sldMkLst>
           <pc:docMk/>
           <pc:sldMk cId="1172125351" sldId="288"/>
         </pc:sldMkLst>
         <pc:spChg chg="mod">
-          <ac:chgData name="Moraes,Marcia" userId="c9c67e8a-58e2-4733-9a1c-5d44fec4775b" providerId="ADAL" clId="{E3353E87-C11A-4BC4-BE75-F2B75EC04806}" dt="2022-09-22T15:32:38.190" v="44" actId="20577"/>
+          <ac:chgData name="Marcia Moraes" userId="c9c67e8a-58e2-4733-9a1c-5d44fec4775b" providerId="ADAL" clId="{EFDCE6B1-AD84-4C29-8E32-498BB60A1686}" dt="2023-02-12T23:43:38.566" v="15" actId="20577"/>
           <ac:spMkLst>
             <pc:docMk/>
             <pc:sldMk cId="1172125351" sldId="288"/>
@@ -366,47 +297,31 @@
           </ac:spMkLst>
         </pc:spChg>
         <pc:spChg chg="mod">
-          <ac:chgData name="Moraes,Marcia" userId="c9c67e8a-58e2-4733-9a1c-5d44fec4775b" providerId="ADAL" clId="{E3353E87-C11A-4BC4-BE75-F2B75EC04806}" dt="2022-09-22T15:34:55.990" v="94" actId="108"/>
+          <ac:chgData name="Marcia Moraes" userId="c9c67e8a-58e2-4733-9a1c-5d44fec4775b" providerId="ADAL" clId="{EFDCE6B1-AD84-4C29-8E32-498BB60A1686}" dt="2023-02-12T23:44:43.152" v="105"/>
           <ac:spMkLst>
             <pc:docMk/>
             <pc:sldMk cId="1172125351" sldId="288"/>
             <ac:spMk id="3" creationId="{93E01694-2C32-BA4D-B6F8-4BE99716E841}"/>
           </ac:spMkLst>
         </pc:spChg>
-        <pc:spChg chg="add del">
-          <ac:chgData name="Moraes,Marcia" userId="c9c67e8a-58e2-4733-9a1c-5d44fec4775b" providerId="ADAL" clId="{E3353E87-C11A-4BC4-BE75-F2B75EC04806}" dt="2022-09-22T15:33:05.072" v="47"/>
-          <ac:spMkLst>
-            <pc:docMk/>
-            <pc:sldMk cId="1172125351" sldId="288"/>
-            <ac:spMk id="4" creationId="{68A91F6D-8847-F8DD-8738-0916A9BEFEC3}"/>
-          </ac:spMkLst>
-        </pc:spChg>
-        <pc:spChg chg="add del">
-          <ac:chgData name="Moraes,Marcia" userId="c9c67e8a-58e2-4733-9a1c-5d44fec4775b" providerId="ADAL" clId="{E3353E87-C11A-4BC4-BE75-F2B75EC04806}" dt="2022-09-22T15:33:16.998" v="50"/>
-          <ac:spMkLst>
-            <pc:docMk/>
-            <pc:sldMk cId="1172125351" sldId="288"/>
-            <ac:spMk id="5" creationId="{EFA9D3E9-8C8E-220F-D808-F73CE767C1C4}"/>
-          </ac:spMkLst>
-        </pc:spChg>
-        <pc:spChg chg="add mod">
-          <ac:chgData name="Moraes,Marcia" userId="c9c67e8a-58e2-4733-9a1c-5d44fec4775b" providerId="ADAL" clId="{E3353E87-C11A-4BC4-BE75-F2B75EC04806}" dt="2022-09-22T15:37:34.196" v="101" actId="692"/>
+        <pc:spChg chg="del">
+          <ac:chgData name="Marcia Moraes" userId="c9c67e8a-58e2-4733-9a1c-5d44fec4775b" providerId="ADAL" clId="{EFDCE6B1-AD84-4C29-8E32-498BB60A1686}" dt="2023-02-12T23:44:21.178" v="99" actId="478"/>
           <ac:spMkLst>
             <pc:docMk/>
             <pc:sldMk cId="1172125351" sldId="288"/>
             <ac:spMk id="7" creationId="{569BB329-A367-11F4-C3C7-96CEB776D7D7}"/>
           </ac:spMkLst>
         </pc:spChg>
-        <pc:spChg chg="add mod">
-          <ac:chgData name="Moraes,Marcia" userId="c9c67e8a-58e2-4733-9a1c-5d44fec4775b" providerId="ADAL" clId="{E3353E87-C11A-4BC4-BE75-F2B75EC04806}" dt="2022-09-22T15:39:09.541" v="220" actId="1076"/>
+        <pc:spChg chg="del mod">
+          <ac:chgData name="Marcia Moraes" userId="c9c67e8a-58e2-4733-9a1c-5d44fec4775b" providerId="ADAL" clId="{EFDCE6B1-AD84-4C29-8E32-498BB60A1686}" dt="2023-02-12T23:44:22.414" v="101" actId="478"/>
           <ac:spMkLst>
             <pc:docMk/>
             <pc:sldMk cId="1172125351" sldId="288"/>
             <ac:spMk id="8" creationId="{5F11F223-925B-47EE-3816-92E6F40C4460}"/>
           </ac:spMkLst>
         </pc:spChg>
-        <pc:spChg chg="add mod">
-          <ac:chgData name="Moraes,Marcia" userId="c9c67e8a-58e2-4733-9a1c-5d44fec4775b" providerId="ADAL" clId="{E3353E87-C11A-4BC4-BE75-F2B75EC04806}" dt="2022-09-22T15:39:07.580" v="219" actId="1076"/>
+        <pc:spChg chg="del">
+          <ac:chgData name="Marcia Moraes" userId="c9c67e8a-58e2-4733-9a1c-5d44fec4775b" providerId="ADAL" clId="{EFDCE6B1-AD84-4C29-8E32-498BB60A1686}" dt="2023-02-12T23:44:23.407" v="102" actId="478"/>
           <ac:spMkLst>
             <pc:docMk/>
             <pc:sldMk cId="1172125351" sldId="288"/>
@@ -414,465 +329,17 @@
           </ac:spMkLst>
         </pc:spChg>
       </pc:sldChg>
-      <pc:sldChg chg="addSp modSp mod">
-        <pc:chgData name="Moraes,Marcia" userId="c9c67e8a-58e2-4733-9a1c-5d44fec4775b" providerId="ADAL" clId="{E3353E87-C11A-4BC4-BE75-F2B75EC04806}" dt="2022-09-22T15:43:45.878" v="268" actId="1076"/>
+      <pc:sldChg chg="add">
+        <pc:chgData name="Marcia Moraes" userId="c9c67e8a-58e2-4733-9a1c-5d44fec4775b" providerId="ADAL" clId="{EFDCE6B1-AD84-4C29-8E32-498BB60A1686}" dt="2023-02-12T23:43:32.223" v="0"/>
         <pc:sldMkLst>
           <pc:docMk/>
-          <pc:sldMk cId="2447864037" sldId="289"/>
-        </pc:sldMkLst>
-        <pc:spChg chg="mod">
-          <ac:chgData name="Moraes,Marcia" userId="c9c67e8a-58e2-4733-9a1c-5d44fec4775b" providerId="ADAL" clId="{E3353E87-C11A-4BC4-BE75-F2B75EC04806}" dt="2022-09-22T15:42:21.475" v="257" actId="20577"/>
-          <ac:spMkLst>
-            <pc:docMk/>
-            <pc:sldMk cId="2447864037" sldId="289"/>
-            <ac:spMk id="2" creationId="{6302E6FC-80C8-2F4C-A9F0-9B205434775A}"/>
-          </ac:spMkLst>
-        </pc:spChg>
-        <pc:spChg chg="mod">
-          <ac:chgData name="Moraes,Marcia" userId="c9c67e8a-58e2-4733-9a1c-5d44fec4775b" providerId="ADAL" clId="{E3353E87-C11A-4BC4-BE75-F2B75EC04806}" dt="2022-09-22T15:42:43.122" v="264" actId="20577"/>
-          <ac:spMkLst>
-            <pc:docMk/>
-            <pc:sldMk cId="2447864037" sldId="289"/>
-            <ac:spMk id="3" creationId="{93E01694-2C32-BA4D-B6F8-4BE99716E841}"/>
-          </ac:spMkLst>
-        </pc:spChg>
-        <pc:picChg chg="add mod">
-          <ac:chgData name="Moraes,Marcia" userId="c9c67e8a-58e2-4733-9a1c-5d44fec4775b" providerId="ADAL" clId="{E3353E87-C11A-4BC4-BE75-F2B75EC04806}" dt="2022-09-22T15:43:45.878" v="268" actId="1076"/>
-          <ac:picMkLst>
-            <pc:docMk/>
-            <pc:sldMk cId="2447864037" sldId="289"/>
-            <ac:picMk id="5" creationId="{5B017D38-F454-2193-1F17-F41D865F6D91}"/>
-          </ac:picMkLst>
-        </pc:picChg>
-      </pc:sldChg>
-      <pc:sldChg chg="addSp delSp modSp mod">
-        <pc:chgData name="Moraes,Marcia" userId="c9c67e8a-58e2-4733-9a1c-5d44fec4775b" providerId="ADAL" clId="{E3353E87-C11A-4BC4-BE75-F2B75EC04806}" dt="2022-09-22T15:49:15.238" v="322" actId="20577"/>
-        <pc:sldMkLst>
-          <pc:docMk/>
-          <pc:sldMk cId="63851387" sldId="290"/>
-        </pc:sldMkLst>
-        <pc:spChg chg="mod">
-          <ac:chgData name="Moraes,Marcia" userId="c9c67e8a-58e2-4733-9a1c-5d44fec4775b" providerId="ADAL" clId="{E3353E87-C11A-4BC4-BE75-F2B75EC04806}" dt="2022-09-22T15:45:57.025" v="278" actId="20577"/>
-          <ac:spMkLst>
-            <pc:docMk/>
-            <pc:sldMk cId="63851387" sldId="290"/>
-            <ac:spMk id="2" creationId="{6302E6FC-80C8-2F4C-A9F0-9B205434775A}"/>
-          </ac:spMkLst>
-        </pc:spChg>
-        <pc:spChg chg="del">
-          <ac:chgData name="Moraes,Marcia" userId="c9c67e8a-58e2-4733-9a1c-5d44fec4775b" providerId="ADAL" clId="{E3353E87-C11A-4BC4-BE75-F2B75EC04806}" dt="2022-09-22T15:46:01.720" v="280" actId="478"/>
-          <ac:spMkLst>
-            <pc:docMk/>
-            <pc:sldMk cId="63851387" sldId="290"/>
-            <ac:spMk id="3" creationId="{93E01694-2C32-BA4D-B6F8-4BE99716E841}"/>
-          </ac:spMkLst>
-        </pc:spChg>
-        <pc:spChg chg="del">
-          <ac:chgData name="Moraes,Marcia" userId="c9c67e8a-58e2-4733-9a1c-5d44fec4775b" providerId="ADAL" clId="{E3353E87-C11A-4BC4-BE75-F2B75EC04806}" dt="2022-09-22T15:46:00.518" v="279" actId="478"/>
-          <ac:spMkLst>
-            <pc:docMk/>
-            <pc:sldMk cId="63851387" sldId="290"/>
-            <ac:spMk id="4" creationId="{E5A46BD7-2EF2-C242-A955-A5423A373C13}"/>
-          </ac:spMkLst>
-        </pc:spChg>
-        <pc:spChg chg="add del mod">
-          <ac:chgData name="Moraes,Marcia" userId="c9c67e8a-58e2-4733-9a1c-5d44fec4775b" providerId="ADAL" clId="{E3353E87-C11A-4BC4-BE75-F2B75EC04806}" dt="2022-09-22T15:46:12.209" v="282" actId="478"/>
-          <ac:spMkLst>
-            <pc:docMk/>
-            <pc:sldMk cId="63851387" sldId="290"/>
-            <ac:spMk id="6" creationId="{0D8C1430-A03C-40B6-5686-39FE7433AD14}"/>
-          </ac:spMkLst>
-        </pc:spChg>
-        <pc:spChg chg="add mod">
-          <ac:chgData name="Moraes,Marcia" userId="c9c67e8a-58e2-4733-9a1c-5d44fec4775b" providerId="ADAL" clId="{E3353E87-C11A-4BC4-BE75-F2B75EC04806}" dt="2022-09-22T15:49:15.238" v="322" actId="20577"/>
-          <ac:spMkLst>
-            <pc:docMk/>
-            <pc:sldMk cId="63851387" sldId="290"/>
-            <ac:spMk id="7" creationId="{E62DAD61-1EDD-AAE4-CFAB-8C7E3A83E836}"/>
-          </ac:spMkLst>
-        </pc:spChg>
-      </pc:sldChg>
-      <pc:sldChg chg="addSp delSp modSp mod">
-        <pc:chgData name="Moraes,Marcia" userId="c9c67e8a-58e2-4733-9a1c-5d44fec4775b" providerId="ADAL" clId="{E3353E87-C11A-4BC4-BE75-F2B75EC04806}" dt="2022-09-22T15:41:14.151" v="241" actId="22"/>
-        <pc:sldMkLst>
-          <pc:docMk/>
-          <pc:sldMk cId="2583827647" sldId="291"/>
-        </pc:sldMkLst>
-        <pc:spChg chg="mod">
-          <ac:chgData name="Moraes,Marcia" userId="c9c67e8a-58e2-4733-9a1c-5d44fec4775b" providerId="ADAL" clId="{E3353E87-C11A-4BC4-BE75-F2B75EC04806}" dt="2022-09-22T15:41:07.372" v="238" actId="20577"/>
-          <ac:spMkLst>
-            <pc:docMk/>
-            <pc:sldMk cId="2583827647" sldId="291"/>
-            <ac:spMk id="2" creationId="{6302E6FC-80C8-2F4C-A9F0-9B205434775A}"/>
-          </ac:spMkLst>
-        </pc:spChg>
-        <pc:spChg chg="del">
-          <ac:chgData name="Moraes,Marcia" userId="c9c67e8a-58e2-4733-9a1c-5d44fec4775b" providerId="ADAL" clId="{E3353E87-C11A-4BC4-BE75-F2B75EC04806}" dt="2022-09-22T15:41:09.990" v="239" actId="478"/>
-          <ac:spMkLst>
-            <pc:docMk/>
-            <pc:sldMk cId="2583827647" sldId="291"/>
-            <ac:spMk id="3" creationId="{93E01694-2C32-BA4D-B6F8-4BE99716E841}"/>
-          </ac:spMkLst>
-        </pc:spChg>
-        <pc:spChg chg="add del mod">
-          <ac:chgData name="Moraes,Marcia" userId="c9c67e8a-58e2-4733-9a1c-5d44fec4775b" providerId="ADAL" clId="{E3353E87-C11A-4BC4-BE75-F2B75EC04806}" dt="2022-09-22T15:41:13.630" v="240" actId="478"/>
-          <ac:spMkLst>
-            <pc:docMk/>
-            <pc:sldMk cId="2583827647" sldId="291"/>
-            <ac:spMk id="5" creationId="{16885D36-AEFA-CC34-9939-F278AB4D33EC}"/>
-          </ac:spMkLst>
-        </pc:spChg>
-        <pc:picChg chg="add">
-          <ac:chgData name="Moraes,Marcia" userId="c9c67e8a-58e2-4733-9a1c-5d44fec4775b" providerId="ADAL" clId="{E3353E87-C11A-4BC4-BE75-F2B75EC04806}" dt="2022-09-22T15:41:14.151" v="241" actId="22"/>
-          <ac:picMkLst>
-            <pc:docMk/>
-            <pc:sldMk cId="2583827647" sldId="291"/>
-            <ac:picMk id="7" creationId="{FCAB0652-5C28-DC26-A7A7-1C2EB7BED59A}"/>
-          </ac:picMkLst>
-        </pc:picChg>
-      </pc:sldChg>
-      <pc:sldChg chg="addSp delSp modSp mod delAnim">
-        <pc:chgData name="Moraes,Marcia" userId="c9c67e8a-58e2-4733-9a1c-5d44fec4775b" providerId="ADAL" clId="{E3353E87-C11A-4BC4-BE75-F2B75EC04806}" dt="2022-09-22T15:52:31.913" v="351" actId="1076"/>
-        <pc:sldMkLst>
-          <pc:docMk/>
-          <pc:sldMk cId="504985521" sldId="292"/>
-        </pc:sldMkLst>
-        <pc:spChg chg="mod">
-          <ac:chgData name="Moraes,Marcia" userId="c9c67e8a-58e2-4733-9a1c-5d44fec4775b" providerId="ADAL" clId="{E3353E87-C11A-4BC4-BE75-F2B75EC04806}" dt="2022-09-22T15:52:01.776" v="345" actId="20577"/>
-          <ac:spMkLst>
-            <pc:docMk/>
-            <pc:sldMk cId="504985521" sldId="292"/>
-            <ac:spMk id="2" creationId="{6302E6FC-80C8-2F4C-A9F0-9B205434775A}"/>
-          </ac:spMkLst>
-        </pc:spChg>
-        <pc:spChg chg="del">
-          <ac:chgData name="Moraes,Marcia" userId="c9c67e8a-58e2-4733-9a1c-5d44fec4775b" providerId="ADAL" clId="{E3353E87-C11A-4BC4-BE75-F2B75EC04806}" dt="2022-09-22T15:52:07.236" v="347" actId="478"/>
-          <ac:spMkLst>
-            <pc:docMk/>
-            <pc:sldMk cId="504985521" sldId="292"/>
-            <ac:spMk id="3" creationId="{93E01694-2C32-BA4D-B6F8-4BE99716E841}"/>
-          </ac:spMkLst>
-        </pc:spChg>
-        <pc:spChg chg="del">
-          <ac:chgData name="Moraes,Marcia" userId="c9c67e8a-58e2-4733-9a1c-5d44fec4775b" providerId="ADAL" clId="{E3353E87-C11A-4BC4-BE75-F2B75EC04806}" dt="2022-09-22T15:52:05.127" v="346" actId="478"/>
-          <ac:spMkLst>
-            <pc:docMk/>
-            <pc:sldMk cId="504985521" sldId="292"/>
-            <ac:spMk id="4" creationId="{40B23B75-AC5A-4D63-8493-56770FB41B1B}"/>
-          </ac:spMkLst>
-        </pc:spChg>
-        <pc:spChg chg="add del mod">
-          <ac:chgData name="Moraes,Marcia" userId="c9c67e8a-58e2-4733-9a1c-5d44fec4775b" providerId="ADAL" clId="{E3353E87-C11A-4BC4-BE75-F2B75EC04806}" dt="2022-09-22T15:52:08.046" v="348" actId="478"/>
-          <ac:spMkLst>
-            <pc:docMk/>
-            <pc:sldMk cId="504985521" sldId="292"/>
-            <ac:spMk id="6" creationId="{0705EAEB-A082-5802-0E1D-E5807B54F8A7}"/>
-          </ac:spMkLst>
-        </pc:spChg>
-        <pc:picChg chg="add mod">
-          <ac:chgData name="Moraes,Marcia" userId="c9c67e8a-58e2-4733-9a1c-5d44fec4775b" providerId="ADAL" clId="{E3353E87-C11A-4BC4-BE75-F2B75EC04806}" dt="2022-09-22T15:52:31.913" v="351" actId="1076"/>
-          <ac:picMkLst>
-            <pc:docMk/>
-            <pc:sldMk cId="504985521" sldId="292"/>
-            <ac:picMk id="8" creationId="{D38F8637-16C8-70D1-4CE9-DB1585F92ED6}"/>
-          </ac:picMkLst>
-        </pc:picChg>
-      </pc:sldChg>
-      <pc:sldChg chg="addSp delSp modSp mod">
-        <pc:chgData name="Moraes,Marcia" userId="c9c67e8a-58e2-4733-9a1c-5d44fec4775b" providerId="ADAL" clId="{E3353E87-C11A-4BC4-BE75-F2B75EC04806}" dt="2022-09-22T16:50:05.873" v="419" actId="14100"/>
-        <pc:sldMkLst>
-          <pc:docMk/>
-          <pc:sldMk cId="858956034" sldId="293"/>
-        </pc:sldMkLst>
-        <pc:spChg chg="mod">
-          <ac:chgData name="Moraes,Marcia" userId="c9c67e8a-58e2-4733-9a1c-5d44fec4775b" providerId="ADAL" clId="{E3353E87-C11A-4BC4-BE75-F2B75EC04806}" dt="2022-09-22T15:56:38.883" v="365" actId="20577"/>
-          <ac:spMkLst>
-            <pc:docMk/>
-            <pc:sldMk cId="858956034" sldId="293"/>
-            <ac:spMk id="2" creationId="{6302E6FC-80C8-2F4C-A9F0-9B205434775A}"/>
-          </ac:spMkLst>
-        </pc:spChg>
-        <pc:spChg chg="del">
-          <ac:chgData name="Moraes,Marcia" userId="c9c67e8a-58e2-4733-9a1c-5d44fec4775b" providerId="ADAL" clId="{E3353E87-C11A-4BC4-BE75-F2B75EC04806}" dt="2022-09-22T15:56:46.743" v="366" actId="478"/>
-          <ac:spMkLst>
-            <pc:docMk/>
-            <pc:sldMk cId="858956034" sldId="293"/>
-            <ac:spMk id="3" creationId="{93E01694-2C32-BA4D-B6F8-4BE99716E841}"/>
-          </ac:spMkLst>
-        </pc:spChg>
-        <pc:spChg chg="add mod">
-          <ac:chgData name="Moraes,Marcia" userId="c9c67e8a-58e2-4733-9a1c-5d44fec4775b" providerId="ADAL" clId="{E3353E87-C11A-4BC4-BE75-F2B75EC04806}" dt="2022-09-22T16:50:05.873" v="419" actId="14100"/>
-          <ac:spMkLst>
-            <pc:docMk/>
-            <pc:sldMk cId="858956034" sldId="293"/>
-            <ac:spMk id="5" creationId="{06BD483F-6EA5-978D-4744-845987B5A3E2}"/>
-          </ac:spMkLst>
-        </pc:spChg>
-        <pc:spChg chg="del">
-          <ac:chgData name="Moraes,Marcia" userId="c9c67e8a-58e2-4733-9a1c-5d44fec4775b" providerId="ADAL" clId="{E3353E87-C11A-4BC4-BE75-F2B75EC04806}" dt="2022-09-22T15:56:48.209" v="367" actId="478"/>
-          <ac:spMkLst>
-            <pc:docMk/>
-            <pc:sldMk cId="858956034" sldId="293"/>
-            <ac:spMk id="7" creationId="{2BC17EE1-27B9-4C16-4390-6918E10B7BE5}"/>
-          </ac:spMkLst>
-        </pc:spChg>
-        <pc:picChg chg="add mod">
-          <ac:chgData name="Moraes,Marcia" userId="c9c67e8a-58e2-4733-9a1c-5d44fec4775b" providerId="ADAL" clId="{E3353E87-C11A-4BC4-BE75-F2B75EC04806}" dt="2022-09-22T16:50:02.703" v="418" actId="14100"/>
-          <ac:picMkLst>
-            <pc:docMk/>
-            <pc:sldMk cId="858956034" sldId="293"/>
-            <ac:picMk id="8" creationId="{E8B8E1A7-2735-24F7-91E5-6801552FF087}"/>
-          </ac:picMkLst>
-        </pc:picChg>
-      </pc:sldChg>
-      <pc:sldChg chg="addSp delSp modSp mod modAnim">
-        <pc:chgData name="Moraes,Marcia" userId="c9c67e8a-58e2-4733-9a1c-5d44fec4775b" providerId="ADAL" clId="{E3353E87-C11A-4BC4-BE75-F2B75EC04806}" dt="2022-09-22T16:55:16.911" v="530"/>
-        <pc:sldMkLst>
-          <pc:docMk/>
-          <pc:sldMk cId="527131478" sldId="294"/>
-        </pc:sldMkLst>
-        <pc:spChg chg="mod">
-          <ac:chgData name="Moraes,Marcia" userId="c9c67e8a-58e2-4733-9a1c-5d44fec4775b" providerId="ADAL" clId="{E3353E87-C11A-4BC4-BE75-F2B75EC04806}" dt="2022-09-22T16:51:13.693" v="473" actId="20577"/>
-          <ac:spMkLst>
-            <pc:docMk/>
-            <pc:sldMk cId="527131478" sldId="294"/>
-            <ac:spMk id="2" creationId="{6302E6FC-80C8-2F4C-A9F0-9B205434775A}"/>
-          </ac:spMkLst>
-        </pc:spChg>
-        <pc:spChg chg="add mod">
-          <ac:chgData name="Moraes,Marcia" userId="c9c67e8a-58e2-4733-9a1c-5d44fec4775b" providerId="ADAL" clId="{E3353E87-C11A-4BC4-BE75-F2B75EC04806}" dt="2022-09-22T16:52:00.121" v="479" actId="14100"/>
-          <ac:spMkLst>
-            <pc:docMk/>
-            <pc:sldMk cId="527131478" sldId="294"/>
-            <ac:spMk id="4" creationId="{EA233C48-91AF-4D20-6CB0-E109433729E1}"/>
-          </ac:spMkLst>
-        </pc:spChg>
-        <pc:spChg chg="add mod">
-          <ac:chgData name="Moraes,Marcia" userId="c9c67e8a-58e2-4733-9a1c-5d44fec4775b" providerId="ADAL" clId="{E3353E87-C11A-4BC4-BE75-F2B75EC04806}" dt="2022-09-22T16:53:18.585" v="489" actId="14100"/>
-          <ac:spMkLst>
-            <pc:docMk/>
-            <pc:sldMk cId="527131478" sldId="294"/>
-            <ac:spMk id="6" creationId="{67147BC1-9442-0861-9D11-F6B31D0ADA5C}"/>
-          </ac:spMkLst>
-        </pc:spChg>
-        <pc:spChg chg="add mod">
-          <ac:chgData name="Moraes,Marcia" userId="c9c67e8a-58e2-4733-9a1c-5d44fec4775b" providerId="ADAL" clId="{E3353E87-C11A-4BC4-BE75-F2B75EC04806}" dt="2022-09-22T16:52:59.202" v="486" actId="313"/>
-          <ac:spMkLst>
-            <pc:docMk/>
-            <pc:sldMk cId="527131478" sldId="294"/>
-            <ac:spMk id="9" creationId="{F5340799-BE91-ED01-F845-E679E8D18885}"/>
-          </ac:spMkLst>
-        </pc:spChg>
-        <pc:spChg chg="add mod">
-          <ac:chgData name="Moraes,Marcia" userId="c9c67e8a-58e2-4733-9a1c-5d44fec4775b" providerId="ADAL" clId="{E3353E87-C11A-4BC4-BE75-F2B75EC04806}" dt="2022-09-22T16:53:11.787" v="488" actId="1076"/>
-          <ac:spMkLst>
-            <pc:docMk/>
-            <pc:sldMk cId="527131478" sldId="294"/>
-            <ac:spMk id="11" creationId="{CBC5F90D-3B2C-705D-3A5A-2EA133DADED1}"/>
-          </ac:spMkLst>
-        </pc:spChg>
-        <pc:spChg chg="add mod">
-          <ac:chgData name="Moraes,Marcia" userId="c9c67e8a-58e2-4733-9a1c-5d44fec4775b" providerId="ADAL" clId="{E3353E87-C11A-4BC4-BE75-F2B75EC04806}" dt="2022-09-22T16:53:40.597" v="500" actId="6549"/>
-          <ac:spMkLst>
-            <pc:docMk/>
-            <pc:sldMk cId="527131478" sldId="294"/>
-            <ac:spMk id="12" creationId="{6D96A1CB-865D-B552-C2D8-19D669F0F3ED}"/>
-          </ac:spMkLst>
-        </pc:spChg>
-        <pc:spChg chg="add mod">
-          <ac:chgData name="Moraes,Marcia" userId="c9c67e8a-58e2-4733-9a1c-5d44fec4775b" providerId="ADAL" clId="{E3353E87-C11A-4BC4-BE75-F2B75EC04806}" dt="2022-09-22T16:54:09.850" v="516" actId="1076"/>
-          <ac:spMkLst>
-            <pc:docMk/>
-            <pc:sldMk cId="527131478" sldId="294"/>
-            <ac:spMk id="13" creationId="{05CD9F42-49AA-D620-DC0A-3488178F8802}"/>
-          </ac:spMkLst>
-        </pc:spChg>
-        <pc:spChg chg="add mod">
-          <ac:chgData name="Moraes,Marcia" userId="c9c67e8a-58e2-4733-9a1c-5d44fec4775b" providerId="ADAL" clId="{E3353E87-C11A-4BC4-BE75-F2B75EC04806}" dt="2022-09-22T16:54:19.511" v="521" actId="6549"/>
-          <ac:spMkLst>
-            <pc:docMk/>
-            <pc:sldMk cId="527131478" sldId="294"/>
-            <ac:spMk id="14" creationId="{77DE55B5-6526-247F-D8E1-EF92B3FA26EA}"/>
-          </ac:spMkLst>
-        </pc:spChg>
-        <pc:picChg chg="del">
-          <ac:chgData name="Moraes,Marcia" userId="c9c67e8a-58e2-4733-9a1c-5d44fec4775b" providerId="ADAL" clId="{E3353E87-C11A-4BC4-BE75-F2B75EC04806}" dt="2022-09-22T16:51:42.012" v="474" actId="478"/>
-          <ac:picMkLst>
-            <pc:docMk/>
-            <pc:sldMk cId="527131478" sldId="294"/>
-            <ac:picMk id="8" creationId="{618130D7-1566-D1C2-C9FD-CBAA7BECA479}"/>
-          </ac:picMkLst>
-        </pc:picChg>
-        <pc:cxnChg chg="add">
-          <ac:chgData name="Moraes,Marcia" userId="c9c67e8a-58e2-4733-9a1c-5d44fec4775b" providerId="ADAL" clId="{E3353E87-C11A-4BC4-BE75-F2B75EC04806}" dt="2022-09-22T16:54:43.239" v="522" actId="11529"/>
-          <ac:cxnSpMkLst>
-            <pc:docMk/>
-            <pc:sldMk cId="527131478" sldId="294"/>
-            <ac:cxnSpMk id="16" creationId="{4634B09C-C059-1E31-7EC6-02500DDB252C}"/>
-          </ac:cxnSpMkLst>
-        </pc:cxnChg>
-        <pc:cxnChg chg="add mod">
-          <ac:chgData name="Moraes,Marcia" userId="c9c67e8a-58e2-4733-9a1c-5d44fec4775b" providerId="ADAL" clId="{E3353E87-C11A-4BC4-BE75-F2B75EC04806}" dt="2022-09-22T16:54:55.200" v="525" actId="1076"/>
-          <ac:cxnSpMkLst>
-            <pc:docMk/>
-            <pc:sldMk cId="527131478" sldId="294"/>
-            <ac:cxnSpMk id="17" creationId="{0BD0DAE8-CE12-6E3F-7871-DBE729B60F77}"/>
-          </ac:cxnSpMkLst>
-        </pc:cxnChg>
-        <pc:cxnChg chg="add mod">
-          <ac:chgData name="Moraes,Marcia" userId="c9c67e8a-58e2-4733-9a1c-5d44fec4775b" providerId="ADAL" clId="{E3353E87-C11A-4BC4-BE75-F2B75EC04806}" dt="2022-09-22T16:55:09.694" v="528" actId="1076"/>
-          <ac:cxnSpMkLst>
-            <pc:docMk/>
-            <pc:sldMk cId="527131478" sldId="294"/>
-            <ac:cxnSpMk id="18" creationId="{419BAB39-7252-B4A2-8DC9-2C8825848D5F}"/>
-          </ac:cxnSpMkLst>
-        </pc:cxnChg>
-      </pc:sldChg>
-      <pc:sldChg chg="delSp modSp del mod">
-        <pc:chgData name="Moraes,Marcia" userId="c9c67e8a-58e2-4733-9a1c-5d44fec4775b" providerId="ADAL" clId="{E3353E87-C11A-4BC4-BE75-F2B75EC04806}" dt="2022-09-22T16:58:48.975" v="549" actId="47"/>
-        <pc:sldMkLst>
-          <pc:docMk/>
-          <pc:sldMk cId="1472399199" sldId="295"/>
-        </pc:sldMkLst>
-        <pc:spChg chg="mod">
-          <ac:chgData name="Moraes,Marcia" userId="c9c67e8a-58e2-4733-9a1c-5d44fec4775b" providerId="ADAL" clId="{E3353E87-C11A-4BC4-BE75-F2B75EC04806}" dt="2022-09-22T16:58:40.847" v="547" actId="20577"/>
-          <ac:spMkLst>
-            <pc:docMk/>
-            <pc:sldMk cId="1472399199" sldId="295"/>
-            <ac:spMk id="2" creationId="{6302E6FC-80C8-2F4C-A9F0-9B205434775A}"/>
-          </ac:spMkLst>
-        </pc:spChg>
-        <pc:spChg chg="del">
-          <ac:chgData name="Moraes,Marcia" userId="c9c67e8a-58e2-4733-9a1c-5d44fec4775b" providerId="ADAL" clId="{E3353E87-C11A-4BC4-BE75-F2B75EC04806}" dt="2022-09-22T16:58:43.080" v="548" actId="478"/>
-          <ac:spMkLst>
-            <pc:docMk/>
-            <pc:sldMk cId="1472399199" sldId="295"/>
-            <ac:spMk id="4" creationId="{E9E121ED-FA27-534D-AD40-133F69C72CBC}"/>
-          </ac:spMkLst>
-        </pc:spChg>
-      </pc:sldChg>
-      <pc:sldChg chg="addSp delSp modSp mod">
-        <pc:chgData name="Moraes,Marcia" userId="c9c67e8a-58e2-4733-9a1c-5d44fec4775b" providerId="ADAL" clId="{E3353E87-C11A-4BC4-BE75-F2B75EC04806}" dt="2022-09-22T17:05:04.350" v="745" actId="1076"/>
-        <pc:sldMkLst>
-          <pc:docMk/>
-          <pc:sldMk cId="1684470190" sldId="296"/>
-        </pc:sldMkLst>
-        <pc:spChg chg="mod">
-          <ac:chgData name="Moraes,Marcia" userId="c9c67e8a-58e2-4733-9a1c-5d44fec4775b" providerId="ADAL" clId="{E3353E87-C11A-4BC4-BE75-F2B75EC04806}" dt="2022-09-22T16:58:54.363" v="565" actId="20577"/>
-          <ac:spMkLst>
-            <pc:docMk/>
-            <pc:sldMk cId="1684470190" sldId="296"/>
-            <ac:spMk id="2" creationId="{6302E6FC-80C8-2F4C-A9F0-9B205434775A}"/>
-          </ac:spMkLst>
-        </pc:spChg>
-        <pc:spChg chg="mod">
-          <ac:chgData name="Moraes,Marcia" userId="c9c67e8a-58e2-4733-9a1c-5d44fec4775b" providerId="ADAL" clId="{E3353E87-C11A-4BC4-BE75-F2B75EC04806}" dt="2022-09-22T17:03:36.809" v="742" actId="20577"/>
-          <ac:spMkLst>
-            <pc:docMk/>
-            <pc:sldMk cId="1684470190" sldId="296"/>
-            <ac:spMk id="3" creationId="{AA3AC9A6-F14C-028B-44F0-F2F465A1F04E}"/>
-          </ac:spMkLst>
-        </pc:spChg>
-        <pc:spChg chg="del">
-          <ac:chgData name="Moraes,Marcia" userId="c9c67e8a-58e2-4733-9a1c-5d44fec4775b" providerId="ADAL" clId="{E3353E87-C11A-4BC4-BE75-F2B75EC04806}" dt="2022-09-22T16:59:20.962" v="566" actId="478"/>
-          <ac:spMkLst>
-            <pc:docMk/>
-            <pc:sldMk cId="1684470190" sldId="296"/>
-            <ac:spMk id="4" creationId="{E9E121ED-FA27-534D-AD40-133F69C72CBC}"/>
-          </ac:spMkLst>
-        </pc:spChg>
-        <pc:picChg chg="add mod">
-          <ac:chgData name="Moraes,Marcia" userId="c9c67e8a-58e2-4733-9a1c-5d44fec4775b" providerId="ADAL" clId="{E3353E87-C11A-4BC4-BE75-F2B75EC04806}" dt="2022-09-22T17:05:04.350" v="745" actId="1076"/>
-          <ac:picMkLst>
-            <pc:docMk/>
-            <pc:sldMk cId="1684470190" sldId="296"/>
-            <ac:picMk id="6" creationId="{92C9B634-C935-233F-5C83-A504C523E5F6}"/>
-          </ac:picMkLst>
-        </pc:picChg>
-      </pc:sldChg>
-      <pc:sldChg chg="del">
-        <pc:chgData name="Moraes,Marcia" userId="c9c67e8a-58e2-4733-9a1c-5d44fec4775b" providerId="ADAL" clId="{E3353E87-C11A-4BC4-BE75-F2B75EC04806}" dt="2022-09-22T17:05:38.715" v="746" actId="47"/>
-        <pc:sldMkLst>
-          <pc:docMk/>
-          <pc:sldMk cId="1971522944" sldId="297"/>
+          <pc:sldMk cId="395494992" sldId="300"/>
         </pc:sldMkLst>
       </pc:sldChg>
-      <pc:sldChg chg="modSp mod">
-        <pc:chgData name="Moraes,Marcia" userId="c9c67e8a-58e2-4733-9a1c-5d44fec4775b" providerId="ADAL" clId="{E3353E87-C11A-4BC4-BE75-F2B75EC04806}" dt="2022-09-22T17:19:08.776" v="813" actId="20577"/>
-        <pc:sldMkLst>
-          <pc:docMk/>
-          <pc:sldMk cId="2032096474" sldId="298"/>
-        </pc:sldMkLst>
-        <pc:spChg chg="mod">
-          <ac:chgData name="Moraes,Marcia" userId="c9c67e8a-58e2-4733-9a1c-5d44fec4775b" providerId="ADAL" clId="{E3353E87-C11A-4BC4-BE75-F2B75EC04806}" dt="2022-09-22T17:19:08.776" v="813" actId="20577"/>
-          <ac:spMkLst>
-            <pc:docMk/>
-            <pc:sldMk cId="2032096474" sldId="298"/>
-            <ac:spMk id="3" creationId="{AA3AC9A6-F14C-028B-44F0-F2F465A1F04E}"/>
-          </ac:spMkLst>
-        </pc:spChg>
-      </pc:sldChg>
-      <pc:sldChg chg="new del">
-        <pc:chgData name="Moraes,Marcia" userId="c9c67e8a-58e2-4733-9a1c-5d44fec4775b" providerId="ADAL" clId="{E3353E87-C11A-4BC4-BE75-F2B75EC04806}" dt="2022-09-22T17:08:37.920" v="750" actId="47"/>
-        <pc:sldMkLst>
-          <pc:docMk/>
-          <pc:sldMk cId="456889361" sldId="299"/>
-        </pc:sldMkLst>
-      </pc:sldChg>
-      <pc:sldChg chg="modSp add mod">
-        <pc:chgData name="Moraes,Marcia" userId="c9c67e8a-58e2-4733-9a1c-5d44fec4775b" providerId="ADAL" clId="{E3353E87-C11A-4BC4-BE75-F2B75EC04806}" dt="2022-09-22T17:27:36.868" v="1027" actId="20577"/>
-        <pc:sldMkLst>
-          <pc:docMk/>
-          <pc:sldMk cId="1881057471" sldId="299"/>
-        </pc:sldMkLst>
-        <pc:spChg chg="mod">
-          <ac:chgData name="Moraes,Marcia" userId="c9c67e8a-58e2-4733-9a1c-5d44fec4775b" providerId="ADAL" clId="{E3353E87-C11A-4BC4-BE75-F2B75EC04806}" dt="2022-09-22T17:27:36.868" v="1027" actId="20577"/>
-          <ac:spMkLst>
-            <pc:docMk/>
-            <pc:sldMk cId="1881057471" sldId="299"/>
-            <ac:spMk id="3" creationId="{AA3AC9A6-F14C-028B-44F0-F2F465A1F04E}"/>
-          </ac:spMkLst>
-        </pc:spChg>
-        <pc:picChg chg="mod">
-          <ac:chgData name="Moraes,Marcia" userId="c9c67e8a-58e2-4733-9a1c-5d44fec4775b" providerId="ADAL" clId="{E3353E87-C11A-4BC4-BE75-F2B75EC04806}" dt="2022-09-22T17:27:25.688" v="1015" actId="1076"/>
-          <ac:picMkLst>
-            <pc:docMk/>
-            <pc:sldMk cId="1881057471" sldId="299"/>
-            <ac:picMk id="5" creationId="{530245BA-7C77-BBAE-E798-647D13B273BC}"/>
-          </ac:picMkLst>
-        </pc:picChg>
-      </pc:sldChg>
-      <pc:sldChg chg="add del">
-        <pc:chgData name="Moraes,Marcia" userId="c9c67e8a-58e2-4733-9a1c-5d44fec4775b" providerId="ADAL" clId="{E3353E87-C11A-4BC4-BE75-F2B75EC04806}" dt="2022-09-22T17:08:28.705" v="748" actId="47"/>
-        <pc:sldMkLst>
-          <pc:docMk/>
-          <pc:sldMk cId="4031956158" sldId="299"/>
-        </pc:sldMkLst>
-      </pc:sldChg>
-      <pc:sldMasterChg chg="delSldLayout">
-        <pc:chgData name="Moraes,Marcia" userId="c9c67e8a-58e2-4733-9a1c-5d44fec4775b" providerId="ADAL" clId="{E3353E87-C11A-4BC4-BE75-F2B75EC04806}" dt="2022-09-22T17:08:37.920" v="750" actId="47"/>
-        <pc:sldMasterMkLst>
-          <pc:docMk/>
-          <pc:sldMasterMk cId="0" sldId="2147483685"/>
-        </pc:sldMasterMkLst>
-        <pc:sldLayoutChg chg="del">
-          <pc:chgData name="Moraes,Marcia" userId="c9c67e8a-58e2-4733-9a1c-5d44fec4775b" providerId="ADAL" clId="{E3353E87-C11A-4BC4-BE75-F2B75EC04806}" dt="2022-09-22T17:08:37.920" v="750" actId="47"/>
-          <pc:sldLayoutMkLst>
-            <pc:docMk/>
-            <pc:sldMasterMk cId="0" sldId="2147483685"/>
-            <pc:sldLayoutMk cId="0" sldId="2147483660"/>
-          </pc:sldLayoutMkLst>
-        </pc:sldLayoutChg>
-        <pc:sldLayoutChg chg="del">
-          <pc:chgData name="Moraes,Marcia" userId="c9c67e8a-58e2-4733-9a1c-5d44fec4775b" providerId="ADAL" clId="{E3353E87-C11A-4BC4-BE75-F2B75EC04806}" dt="2022-09-22T17:08:28.705" v="748" actId="47"/>
-          <pc:sldLayoutMkLst>
-            <pc:docMk/>
-            <pc:sldMasterMk cId="0" sldId="2147483685"/>
-            <pc:sldLayoutMk cId="253235528" sldId="2147483711"/>
-          </pc:sldLayoutMkLst>
-        </pc:sldLayoutChg>
-      </pc:sldMasterChg>
     </pc:docChg>
+  </pc:docChgLst>
+  <pc:docChgLst>
+    <pc:chgData name="Moraes,Marcia" userId="c9c67e8a-58e2-4733-9a1c-5d44fec4775b" providerId="ADAL" clId="{E3353E87-C11A-4BC4-BE75-F2B75EC04806}"/>
   </pc:docChgLst>
 </pc:chgInfo>
 </file>
@@ -19904,2062 +19371,6 @@
           <a:p>
             <a:r>
               <a:rPr lang="en-US" dirty="0"/>
-              <a:t>String functions</a:t>
-            </a:r>
-            <a:endParaRPr lang="en-US" sz="2800" dirty="0"/>
-          </a:p>
-        </p:txBody>
-      </p:sp>
-      <p:sp>
-        <p:nvSpPr>
-          <p:cNvPr id="3" name="Text Placeholder 2">
-            <a:extLst>
-              <a:ext uri="{FF2B5EF4-FFF2-40B4-BE49-F238E27FC236}">
-                <a16:creationId xmlns:a16="http://schemas.microsoft.com/office/drawing/2014/main" id="{AA3AC9A6-F14C-028B-44F0-F2F465A1F04E}"/>
-              </a:ext>
-            </a:extLst>
-          </p:cNvPr>
-          <p:cNvSpPr>
-            <a:spLocks noGrp="1"/>
-          </p:cNvSpPr>
-          <p:nvPr>
-            <p:ph type="body" sz="quarter" idx="10"/>
-          </p:nvPr>
-        </p:nvSpPr>
-        <p:spPr>
-          <a:xfrm>
-            <a:off x="415637" y="963289"/>
-            <a:ext cx="8008698" cy="2975173"/>
-          </a:xfrm>
-        </p:spPr>
-        <p:txBody>
-          <a:bodyPr/>
-          <a:lstStyle/>
-          <a:p>
-            <a:pPr>
-              <a:buClrTx/>
-            </a:pPr>
-            <a:r>
-              <a:rPr lang="en-US" sz="1800" dirty="0"/>
-              <a:t>replace(old, new)</a:t>
-            </a:r>
-          </a:p>
-          <a:p>
-            <a:pPr>
-              <a:buClrTx/>
-            </a:pPr>
-            <a:r>
-              <a:rPr lang="en-US" sz="1800" dirty="0"/>
-              <a:t>find(x)</a:t>
-            </a:r>
-          </a:p>
-          <a:p>
-            <a:pPr>
-              <a:buClrTx/>
-            </a:pPr>
-            <a:r>
-              <a:rPr lang="en-US" sz="1800" dirty="0"/>
-              <a:t>count(x)</a:t>
-            </a:r>
-          </a:p>
-          <a:p>
-            <a:pPr>
-              <a:buClrTx/>
-            </a:pPr>
-            <a:r>
-              <a:rPr lang="en-US" sz="1800" dirty="0"/>
-              <a:t>split(delimiter) – if no delimiter is passed, whitespace is considered the delimiter</a:t>
-            </a:r>
-          </a:p>
-          <a:p>
-            <a:pPr>
-              <a:buClrTx/>
-            </a:pPr>
-            <a:r>
-              <a:rPr lang="en-US" sz="1800" dirty="0"/>
-              <a:t>join()</a:t>
-            </a:r>
-          </a:p>
-          <a:p>
-            <a:pPr marL="0" indent="0">
-              <a:buNone/>
-            </a:pPr>
-            <a:endParaRPr lang="en-US" sz="1600" dirty="0">
-              <a:latin typeface="Courier New" panose="02070309020205020404" pitchFamily="49" charset="0"/>
-              <a:cs typeface="Courier New" panose="02070309020205020404" pitchFamily="49" charset="0"/>
-            </a:endParaRPr>
-          </a:p>
-        </p:txBody>
-      </p:sp>
-      <p:pic>
-        <p:nvPicPr>
-          <p:cNvPr id="6" name="Picture 5">
-            <a:extLst>
-              <a:ext uri="{FF2B5EF4-FFF2-40B4-BE49-F238E27FC236}">
-                <a16:creationId xmlns:a16="http://schemas.microsoft.com/office/drawing/2014/main" id="{92C9B634-C935-233F-5C83-A504C523E5F6}"/>
-              </a:ext>
-            </a:extLst>
-          </p:cNvPr>
-          <p:cNvPicPr>
-            <a:picLocks noChangeAspect="1"/>
-          </p:cNvPicPr>
-          <p:nvPr/>
-        </p:nvPicPr>
-        <p:blipFill>
-          <a:blip r:embed="rId2"/>
-          <a:stretch>
-            <a:fillRect/>
-          </a:stretch>
-        </p:blipFill>
-        <p:spPr>
-          <a:xfrm>
-            <a:off x="2173816" y="2732411"/>
-            <a:ext cx="6436884" cy="2090612"/>
-          </a:xfrm>
-          <a:prstGeom prst="rect">
-            <a:avLst/>
-          </a:prstGeom>
-        </p:spPr>
-      </p:pic>
-    </p:spTree>
-    <p:extLst>
-      <p:ext uri="{BB962C8B-B14F-4D97-AF65-F5344CB8AC3E}">
-        <p14:creationId xmlns:p14="http://schemas.microsoft.com/office/powerpoint/2010/main" val="1684470190"/>
-      </p:ext>
-    </p:extLst>
-  </p:cSld>
-  <p:clrMapOvr>
-    <a:masterClrMapping/>
-  </p:clrMapOvr>
-  <mc:AlternateContent xmlns:mc="http://schemas.openxmlformats.org/markup-compatibility/2006" xmlns:p14="http://schemas.microsoft.com/office/powerpoint/2010/main">
-    <mc:Choice Requires="p14">
-      <p:transition p14:dur="300">
-        <p:fade/>
-      </p:transition>
-    </mc:Choice>
-    <mc:Fallback xmlns="">
-      <p:transition>
-        <p:fade/>
-      </p:transition>
-    </mc:Fallback>
-  </mc:AlternateContent>
-</p:sld>
-</file>
-
-<file path=ppt/slides/slide11.xml><?xml version="1.0" encoding="utf-8"?>
-<p:sld xmlns:a="http://schemas.openxmlformats.org/drawingml/2006/main" xmlns:r="http://schemas.openxmlformats.org/officeDocument/2006/relationships" xmlns:p="http://schemas.openxmlformats.org/presentationml/2006/main">
-  <p:cSld>
-    <p:spTree>
-      <p:nvGrpSpPr>
-        <p:cNvPr id="1" name=""/>
-        <p:cNvGrpSpPr/>
-        <p:nvPr/>
-      </p:nvGrpSpPr>
-      <p:grpSpPr>
-        <a:xfrm>
-          <a:off x="0" y="0"/>
-          <a:ext cx="0" cy="0"/>
-          <a:chOff x="0" y="0"/>
-          <a:chExt cx="0" cy="0"/>
-        </a:xfrm>
-      </p:grpSpPr>
-      <p:sp>
-        <p:nvSpPr>
-          <p:cNvPr id="2" name="Title 1">
-            <a:extLst>
-              <a:ext uri="{FF2B5EF4-FFF2-40B4-BE49-F238E27FC236}">
-                <a16:creationId xmlns:a16="http://schemas.microsoft.com/office/drawing/2014/main" id="{6302E6FC-80C8-2F4C-A9F0-9B205434775A}"/>
-              </a:ext>
-            </a:extLst>
-          </p:cNvPr>
-          <p:cNvSpPr>
-            <a:spLocks noGrp="1"/>
-          </p:cNvSpPr>
-          <p:nvPr>
-            <p:ph type="title"/>
-          </p:nvPr>
-        </p:nvSpPr>
-        <p:spPr>
-          <a:xfrm>
-            <a:off x="415637" y="228600"/>
-            <a:ext cx="8312726" cy="734688"/>
-          </a:xfrm>
-        </p:spPr>
-        <p:txBody>
-          <a:bodyPr/>
-          <a:lstStyle/>
-          <a:p>
-            <a:r>
-              <a:rPr lang="en-US" dirty="0"/>
-              <a:t>Coding Activity</a:t>
-            </a:r>
-            <a:endParaRPr lang="en-US" sz="2800" dirty="0"/>
-          </a:p>
-        </p:txBody>
-      </p:sp>
-      <p:sp>
-        <p:nvSpPr>
-          <p:cNvPr id="3" name="Text Placeholder 2">
-            <a:extLst>
-              <a:ext uri="{FF2B5EF4-FFF2-40B4-BE49-F238E27FC236}">
-                <a16:creationId xmlns:a16="http://schemas.microsoft.com/office/drawing/2014/main" id="{AA3AC9A6-F14C-028B-44F0-F2F465A1F04E}"/>
-              </a:ext>
-            </a:extLst>
-          </p:cNvPr>
-          <p:cNvSpPr>
-            <a:spLocks noGrp="1"/>
-          </p:cNvSpPr>
-          <p:nvPr>
-            <p:ph type="body" sz="quarter" idx="10"/>
-          </p:nvPr>
-        </p:nvSpPr>
-        <p:spPr>
-          <a:xfrm>
-            <a:off x="415637" y="963289"/>
-            <a:ext cx="8008698" cy="2251129"/>
-          </a:xfrm>
-        </p:spPr>
-        <p:txBody>
-          <a:bodyPr/>
-          <a:lstStyle/>
-          <a:p>
-            <a:pPr>
-              <a:buClrTx/>
-            </a:pPr>
-            <a:r>
-              <a:rPr lang="en-US" sz="1800" dirty="0"/>
-              <a:t>With a Peer:</a:t>
-            </a:r>
-          </a:p>
-          <a:p>
-            <a:pPr lvl="1"/>
-            <a:r>
-              <a:rPr lang="en-US" sz="1668" dirty="0"/>
-              <a:t>Write a Python function that receives the name of a csv file, reads the content of the file and calculate the sum and average of the years old data. The average should be printed with 2 decimals after the point.</a:t>
-            </a:r>
-          </a:p>
-          <a:p>
-            <a:pPr lvl="1"/>
-            <a:r>
-              <a:rPr lang="en-US" sz="1668" dirty="0"/>
-              <a:t>Consider that the csv file has the following format.</a:t>
-            </a:r>
-          </a:p>
-          <a:p>
-            <a:pPr>
-              <a:buClrTx/>
-            </a:pPr>
-            <a:r>
-              <a:rPr lang="en-US" sz="1800" dirty="0"/>
-              <a:t>Tip: rewrite the </a:t>
-            </a:r>
-            <a:r>
-              <a:rPr lang="en-US" sz="1800" dirty="0" err="1"/>
-              <a:t>readCSVFile</a:t>
-            </a:r>
-            <a:r>
-              <a:rPr lang="en-US" sz="1800" dirty="0"/>
-              <a:t> function provided in Canvas.</a:t>
-            </a:r>
-          </a:p>
-        </p:txBody>
-      </p:sp>
-      <p:pic>
-        <p:nvPicPr>
-          <p:cNvPr id="5" name="Picture 4">
-            <a:extLst>
-              <a:ext uri="{FF2B5EF4-FFF2-40B4-BE49-F238E27FC236}">
-                <a16:creationId xmlns:a16="http://schemas.microsoft.com/office/drawing/2014/main" id="{530245BA-7C77-BBAE-E798-647D13B273BC}"/>
-              </a:ext>
-            </a:extLst>
-          </p:cNvPr>
-          <p:cNvPicPr>
-            <a:picLocks noChangeAspect="1"/>
-          </p:cNvPicPr>
-          <p:nvPr/>
-        </p:nvPicPr>
-        <p:blipFill>
-          <a:blip r:embed="rId2"/>
-          <a:stretch>
-            <a:fillRect/>
-          </a:stretch>
-        </p:blipFill>
-        <p:spPr>
-          <a:xfrm>
-            <a:off x="3938587" y="3274483"/>
-            <a:ext cx="1266825" cy="1371600"/>
-          </a:xfrm>
-          <a:prstGeom prst="rect">
-            <a:avLst/>
-          </a:prstGeom>
-        </p:spPr>
-      </p:pic>
-    </p:spTree>
-    <p:extLst>
-      <p:ext uri="{BB962C8B-B14F-4D97-AF65-F5344CB8AC3E}">
-        <p14:creationId xmlns:p14="http://schemas.microsoft.com/office/powerpoint/2010/main" val="2032096474"/>
-      </p:ext>
-    </p:extLst>
-  </p:cSld>
-  <p:clrMapOvr>
-    <a:masterClrMapping/>
-  </p:clrMapOvr>
-  <mc:AlternateContent xmlns:mc="http://schemas.openxmlformats.org/markup-compatibility/2006" xmlns:p14="http://schemas.microsoft.com/office/powerpoint/2010/main">
-    <mc:Choice Requires="p14">
-      <p:transition p14:dur="300">
-        <p:fade/>
-      </p:transition>
-    </mc:Choice>
-    <mc:Fallback xmlns="">
-      <p:transition>
-        <p:fade/>
-      </p:transition>
-    </mc:Fallback>
-  </mc:AlternateContent>
-</p:sld>
-</file>
-
-<file path=ppt/slides/slide12.xml><?xml version="1.0" encoding="utf-8"?>
-<p:sld xmlns:a="http://schemas.openxmlformats.org/drawingml/2006/main" xmlns:r="http://schemas.openxmlformats.org/officeDocument/2006/relationships" xmlns:p="http://schemas.openxmlformats.org/presentationml/2006/main">
-  <p:cSld>
-    <p:spTree>
-      <p:nvGrpSpPr>
-        <p:cNvPr id="1" name=""/>
-        <p:cNvGrpSpPr/>
-        <p:nvPr/>
-      </p:nvGrpSpPr>
-      <p:grpSpPr>
-        <a:xfrm>
-          <a:off x="0" y="0"/>
-          <a:ext cx="0" cy="0"/>
-          <a:chOff x="0" y="0"/>
-          <a:chExt cx="0" cy="0"/>
-        </a:xfrm>
-      </p:grpSpPr>
-      <p:sp>
-        <p:nvSpPr>
-          <p:cNvPr id="2" name="Title 1">
-            <a:extLst>
-              <a:ext uri="{FF2B5EF4-FFF2-40B4-BE49-F238E27FC236}">
-                <a16:creationId xmlns:a16="http://schemas.microsoft.com/office/drawing/2014/main" id="{6302E6FC-80C8-2F4C-A9F0-9B205434775A}"/>
-              </a:ext>
-            </a:extLst>
-          </p:cNvPr>
-          <p:cNvSpPr>
-            <a:spLocks noGrp="1"/>
-          </p:cNvSpPr>
-          <p:nvPr>
-            <p:ph type="title"/>
-          </p:nvPr>
-        </p:nvSpPr>
-        <p:spPr>
-          <a:xfrm>
-            <a:off x="415637" y="228600"/>
-            <a:ext cx="8312726" cy="734688"/>
-          </a:xfrm>
-        </p:spPr>
-        <p:txBody>
-          <a:bodyPr/>
-          <a:lstStyle/>
-          <a:p>
-            <a:r>
-              <a:rPr lang="en-US" dirty="0"/>
-              <a:t>Coding Activity</a:t>
-            </a:r>
-            <a:endParaRPr lang="en-US" sz="2800" dirty="0"/>
-          </a:p>
-        </p:txBody>
-      </p:sp>
-      <p:sp>
-        <p:nvSpPr>
-          <p:cNvPr id="3" name="Text Placeholder 2">
-            <a:extLst>
-              <a:ext uri="{FF2B5EF4-FFF2-40B4-BE49-F238E27FC236}">
-                <a16:creationId xmlns:a16="http://schemas.microsoft.com/office/drawing/2014/main" id="{AA3AC9A6-F14C-028B-44F0-F2F465A1F04E}"/>
-              </a:ext>
-            </a:extLst>
-          </p:cNvPr>
-          <p:cNvSpPr>
-            <a:spLocks noGrp="1"/>
-          </p:cNvSpPr>
-          <p:nvPr>
-            <p:ph type="body" sz="quarter" idx="10"/>
-          </p:nvPr>
-        </p:nvSpPr>
-        <p:spPr>
-          <a:xfrm>
-            <a:off x="415637" y="963289"/>
-            <a:ext cx="7023741" cy="2967223"/>
-          </a:xfrm>
-        </p:spPr>
-        <p:txBody>
-          <a:bodyPr/>
-          <a:lstStyle/>
-          <a:p>
-            <a:pPr>
-              <a:buClrTx/>
-            </a:pPr>
-            <a:r>
-              <a:rPr lang="en-US" sz="1800" dirty="0"/>
-              <a:t>With a Peer:</a:t>
-            </a:r>
-          </a:p>
-          <a:p>
-            <a:pPr lvl="1"/>
-            <a:r>
-              <a:rPr lang="en-US" sz="1668" dirty="0"/>
-              <a:t>Write a Python function that receives the name of a csv file, reads the content of the file and create a list with the years old that are in that file. Consider that the csv file has the format shown here.</a:t>
-            </a:r>
-          </a:p>
-          <a:p>
-            <a:pPr>
-              <a:buClrTx/>
-            </a:pPr>
-            <a:r>
-              <a:rPr lang="en-US" sz="1800" dirty="0"/>
-              <a:t>Tip: rewrite the </a:t>
-            </a:r>
-            <a:r>
-              <a:rPr lang="en-US" sz="1800" dirty="0" err="1"/>
-              <a:t>readCSVFile</a:t>
-            </a:r>
-            <a:r>
-              <a:rPr lang="en-US" sz="1800" dirty="0"/>
-              <a:t> function provided in Canvas.</a:t>
-            </a:r>
-          </a:p>
-          <a:p>
-            <a:pPr>
-              <a:buClrTx/>
-            </a:pPr>
-            <a:r>
-              <a:rPr lang="en-US" sz="1800" dirty="0"/>
-              <a:t>Write a new version of your function so the list generated do not have repeated numbers.</a:t>
-            </a:r>
-          </a:p>
-        </p:txBody>
-      </p:sp>
-      <p:pic>
-        <p:nvPicPr>
-          <p:cNvPr id="5" name="Picture 4">
-            <a:extLst>
-              <a:ext uri="{FF2B5EF4-FFF2-40B4-BE49-F238E27FC236}">
-                <a16:creationId xmlns:a16="http://schemas.microsoft.com/office/drawing/2014/main" id="{530245BA-7C77-BBAE-E798-647D13B273BC}"/>
-              </a:ext>
-            </a:extLst>
-          </p:cNvPr>
-          <p:cNvPicPr>
-            <a:picLocks noChangeAspect="1"/>
-          </p:cNvPicPr>
-          <p:nvPr/>
-        </p:nvPicPr>
-        <p:blipFill>
-          <a:blip r:embed="rId2"/>
-          <a:stretch>
-            <a:fillRect/>
-          </a:stretch>
-        </p:blipFill>
-        <p:spPr>
-          <a:xfrm>
-            <a:off x="7607476" y="1434394"/>
-            <a:ext cx="1266825" cy="1371600"/>
-          </a:xfrm>
-          <a:prstGeom prst="rect">
-            <a:avLst/>
-          </a:prstGeom>
-        </p:spPr>
-      </p:pic>
-    </p:spTree>
-    <p:extLst>
-      <p:ext uri="{BB962C8B-B14F-4D97-AF65-F5344CB8AC3E}">
-        <p14:creationId xmlns:p14="http://schemas.microsoft.com/office/powerpoint/2010/main" val="1881057471"/>
-      </p:ext>
-    </p:extLst>
-  </p:cSld>
-  <p:clrMapOvr>
-    <a:masterClrMapping/>
-  </p:clrMapOvr>
-  <mc:AlternateContent xmlns:mc="http://schemas.openxmlformats.org/markup-compatibility/2006" xmlns:p14="http://schemas.microsoft.com/office/powerpoint/2010/main">
-    <mc:Choice Requires="p14">
-      <p:transition p14:dur="300">
-        <p:fade/>
-      </p:transition>
-    </mc:Choice>
-    <mc:Fallback xmlns="">
-      <p:transition>
-        <p:fade/>
-      </p:transition>
-    </mc:Fallback>
-  </mc:AlternateContent>
-</p:sld>
-</file>
-
-<file path=ppt/slides/slide2.xml><?xml version="1.0" encoding="utf-8"?>
-<p:sld xmlns:a="http://schemas.openxmlformats.org/drawingml/2006/main" xmlns:r="http://schemas.openxmlformats.org/officeDocument/2006/relationships" xmlns:p="http://schemas.openxmlformats.org/presentationml/2006/main">
-  <p:cSld>
-    <p:spTree>
-      <p:nvGrpSpPr>
-        <p:cNvPr id="1" name=""/>
-        <p:cNvGrpSpPr/>
-        <p:nvPr/>
-      </p:nvGrpSpPr>
-      <p:grpSpPr>
-        <a:xfrm>
-          <a:off x="0" y="0"/>
-          <a:ext cx="0" cy="0"/>
-          <a:chOff x="0" y="0"/>
-          <a:chExt cx="0" cy="0"/>
-        </a:xfrm>
-      </p:grpSpPr>
-      <p:sp>
-        <p:nvSpPr>
-          <p:cNvPr id="5" name="Title 4">
-            <a:extLst>
-              <a:ext uri="{FF2B5EF4-FFF2-40B4-BE49-F238E27FC236}">
-                <a16:creationId xmlns:a16="http://schemas.microsoft.com/office/drawing/2014/main" id="{C41A88B0-CF49-5149-8DBA-17B1BA803727}"/>
-              </a:ext>
-            </a:extLst>
-          </p:cNvPr>
-          <p:cNvSpPr>
-            <a:spLocks noGrp="1"/>
-          </p:cNvSpPr>
-          <p:nvPr>
-            <p:ph type="title"/>
-          </p:nvPr>
-        </p:nvSpPr>
-        <p:spPr>
-          <a:xfrm>
-            <a:off x="179155" y="336084"/>
-            <a:ext cx="8312700" cy="672000"/>
-          </a:xfrm>
-        </p:spPr>
-        <p:txBody>
-          <a:bodyPr/>
-          <a:lstStyle/>
-          <a:p>
-            <a:r>
-              <a:rPr lang="en-US" dirty="0"/>
-              <a:t>Weekly Announcements! </a:t>
-            </a:r>
-          </a:p>
-        </p:txBody>
-      </p:sp>
-      <p:sp>
-        <p:nvSpPr>
-          <p:cNvPr id="7" name="TextBox 6">
-            <a:extLst>
-              <a:ext uri="{FF2B5EF4-FFF2-40B4-BE49-F238E27FC236}">
-                <a16:creationId xmlns:a16="http://schemas.microsoft.com/office/drawing/2014/main" id="{F1F79DD2-1F3F-234C-A44A-3A87D436D29A}"/>
-              </a:ext>
-            </a:extLst>
-          </p:cNvPr>
-          <p:cNvSpPr txBox="1"/>
-          <p:nvPr/>
-        </p:nvSpPr>
-        <p:spPr>
-          <a:xfrm>
-            <a:off x="476335" y="1245870"/>
-            <a:ext cx="5551932" cy="1815882"/>
-          </a:xfrm>
-          <a:prstGeom prst="rect">
-            <a:avLst/>
-          </a:prstGeom>
-          <a:noFill/>
-        </p:spPr>
-        <p:txBody>
-          <a:bodyPr wrap="square" rtlCol="0">
-            <a:spAutoFit/>
-          </a:bodyPr>
-          <a:lstStyle/>
-          <a:p>
-            <a:r>
-              <a:rPr lang="en-US" dirty="0"/>
-              <a:t>TODO Reminders:</a:t>
-            </a:r>
-          </a:p>
-          <a:p>
-            <a:endParaRPr lang="en-US" dirty="0"/>
-          </a:p>
-          <a:p>
-            <a:pPr marL="285750" indent="-285750">
-              <a:buFont typeface="Arial" panose="020B0604020202020204" pitchFamily="34" charset="0"/>
-              <a:buChar char="•"/>
-            </a:pPr>
-            <a:r>
-              <a:rPr lang="en-US" dirty="0"/>
-              <a:t>Reading 9 (zybooks) – you should have already done that </a:t>
-            </a:r>
-            <a:r>
-              <a:rPr lang="en-US" dirty="0">
-                <a:sym typeface="Wingdings" panose="05000000000000000000" pitchFamily="2" charset="2"/>
-              </a:rPr>
-              <a:t></a:t>
-            </a:r>
-            <a:endParaRPr lang="en-US" dirty="0"/>
-          </a:p>
-          <a:p>
-            <a:pPr marL="285750" indent="-285750">
-              <a:buFont typeface="Arial" panose="020B0604020202020204" pitchFamily="34" charset="0"/>
-              <a:buChar char="•"/>
-            </a:pPr>
-            <a:r>
-              <a:rPr lang="en-US" dirty="0"/>
-              <a:t>Lab 06</a:t>
-            </a:r>
-          </a:p>
-          <a:p>
-            <a:pPr marL="285750" indent="-285750">
-              <a:buFont typeface="Arial" panose="020B0604020202020204" pitchFamily="34" charset="0"/>
-              <a:buChar char="•"/>
-            </a:pPr>
-            <a:r>
-              <a:rPr lang="en-US" dirty="0"/>
-              <a:t>Reading 10 (zybooks) – you should have already done that </a:t>
-            </a:r>
-            <a:r>
-              <a:rPr lang="en-US" dirty="0">
-                <a:sym typeface="Wingdings" panose="05000000000000000000" pitchFamily="2" charset="2"/>
-              </a:rPr>
-              <a:t></a:t>
-            </a:r>
-            <a:endParaRPr lang="en-US" dirty="0"/>
-          </a:p>
-          <a:p>
-            <a:pPr marL="285750" indent="-285750">
-              <a:buFont typeface="Arial" panose="020B0604020202020204" pitchFamily="34" charset="0"/>
-              <a:buChar char="•"/>
-            </a:pPr>
-            <a:r>
-              <a:rPr lang="en-US" dirty="0"/>
-              <a:t>Lab 07</a:t>
-            </a:r>
-          </a:p>
-          <a:p>
-            <a:pPr marL="285750" indent="-285750">
-              <a:buFont typeface="Arial" panose="020B0604020202020204" pitchFamily="34" charset="0"/>
-              <a:buChar char="•"/>
-            </a:pPr>
-            <a:r>
-              <a:rPr lang="en-US" dirty="0"/>
-              <a:t>Reading 8 (zybooks) – you should have already done that </a:t>
-            </a:r>
-            <a:r>
-              <a:rPr lang="en-US" dirty="0">
-                <a:sym typeface="Wingdings" panose="05000000000000000000" pitchFamily="2" charset="2"/>
-              </a:rPr>
-              <a:t></a:t>
-            </a:r>
-            <a:endParaRPr lang="en-US" dirty="0"/>
-          </a:p>
-          <a:p>
-            <a:endParaRPr lang="en-US" dirty="0"/>
-          </a:p>
-        </p:txBody>
-      </p:sp>
-      <p:pic>
-        <p:nvPicPr>
-          <p:cNvPr id="1030" name="Picture 6" descr="We Can Do Hard Things Printable – Let's DIY It All – With Kritsyn Merkley">
-            <a:extLst>
-              <a:ext uri="{FF2B5EF4-FFF2-40B4-BE49-F238E27FC236}">
-                <a16:creationId xmlns:a16="http://schemas.microsoft.com/office/drawing/2014/main" id="{83D0F5CD-1EEC-604C-481A-8DF8AE1231FF}"/>
-              </a:ext>
-            </a:extLst>
-          </p:cNvPr>
-          <p:cNvPicPr>
-            <a:picLocks noChangeAspect="1" noChangeArrowheads="1"/>
-          </p:cNvPicPr>
-          <p:nvPr/>
-        </p:nvPicPr>
-        <p:blipFill>
-          <a:blip r:embed="rId2">
-            <a:extLst>
-              <a:ext uri="{28A0092B-C50C-407E-A947-70E740481C1C}">
-                <a14:useLocalDpi xmlns:a14="http://schemas.microsoft.com/office/drawing/2010/main" val="0"/>
-              </a:ext>
-            </a:extLst>
-          </a:blip>
-          <a:srcRect/>
-          <a:stretch>
-            <a:fillRect/>
-          </a:stretch>
-        </p:blipFill>
-        <p:spPr bwMode="auto">
-          <a:xfrm>
-            <a:off x="5811582" y="-169333"/>
-            <a:ext cx="3434018" cy="2652889"/>
-          </a:xfrm>
-          <a:prstGeom prst="rect">
-            <a:avLst/>
-          </a:prstGeom>
-          <a:noFill/>
-          <a:extLst>
-            <a:ext uri="{909E8E84-426E-40DD-AFC4-6F175D3DCCD1}">
-              <a14:hiddenFill xmlns:a14="http://schemas.microsoft.com/office/drawing/2010/main">
-                <a:solidFill>
-                  <a:srgbClr val="FFFFFF"/>
-                </a:solidFill>
-              </a14:hiddenFill>
-            </a:ext>
-          </a:extLst>
-        </p:spPr>
-      </p:pic>
-    </p:spTree>
-    <p:extLst>
-      <p:ext uri="{BB962C8B-B14F-4D97-AF65-F5344CB8AC3E}">
-        <p14:creationId xmlns:p14="http://schemas.microsoft.com/office/powerpoint/2010/main" val="2954226462"/>
-      </p:ext>
-    </p:extLst>
-  </p:cSld>
-  <p:clrMapOvr>
-    <a:masterClrMapping/>
-  </p:clrMapOvr>
-  <p:transition>
-    <p:fade/>
-  </p:transition>
-</p:sld>
-</file>
-
-<file path=ppt/slides/slide3.xml><?xml version="1.0" encoding="utf-8"?>
-<p:sld xmlns:a="http://schemas.openxmlformats.org/drawingml/2006/main" xmlns:r="http://schemas.openxmlformats.org/officeDocument/2006/relationships" xmlns:p="http://schemas.openxmlformats.org/presentationml/2006/main">
-  <p:cSld>
-    <p:spTree>
-      <p:nvGrpSpPr>
-        <p:cNvPr id="1" name=""/>
-        <p:cNvGrpSpPr/>
-        <p:nvPr/>
-      </p:nvGrpSpPr>
-      <p:grpSpPr>
-        <a:xfrm>
-          <a:off x="0" y="0"/>
-          <a:ext cx="0" cy="0"/>
-          <a:chOff x="0" y="0"/>
-          <a:chExt cx="0" cy="0"/>
-        </a:xfrm>
-      </p:grpSpPr>
-      <p:sp>
-        <p:nvSpPr>
-          <p:cNvPr id="2" name="Title 1">
-            <a:extLst>
-              <a:ext uri="{FF2B5EF4-FFF2-40B4-BE49-F238E27FC236}">
-                <a16:creationId xmlns:a16="http://schemas.microsoft.com/office/drawing/2014/main" id="{6302E6FC-80C8-2F4C-A9F0-9B205434775A}"/>
-              </a:ext>
-            </a:extLst>
-          </p:cNvPr>
-          <p:cNvSpPr>
-            <a:spLocks noGrp="1"/>
-          </p:cNvSpPr>
-          <p:nvPr>
-            <p:ph type="title"/>
-          </p:nvPr>
-        </p:nvSpPr>
-        <p:spPr>
-          <a:xfrm>
-            <a:off x="415637" y="228600"/>
-            <a:ext cx="8312726" cy="734688"/>
-          </a:xfrm>
-        </p:spPr>
-        <p:txBody>
-          <a:bodyPr/>
-          <a:lstStyle/>
-          <a:p>
-            <a:r>
-              <a:rPr lang="en-US" dirty="0"/>
-              <a:t>String Slicing</a:t>
-            </a:r>
-            <a:endParaRPr lang="en-US" sz="2800" dirty="0"/>
-          </a:p>
-        </p:txBody>
-      </p:sp>
-      <p:sp>
-        <p:nvSpPr>
-          <p:cNvPr id="3" name="Text Placeholder 2">
-            <a:extLst>
-              <a:ext uri="{FF2B5EF4-FFF2-40B4-BE49-F238E27FC236}">
-                <a16:creationId xmlns:a16="http://schemas.microsoft.com/office/drawing/2014/main" id="{93E01694-2C32-BA4D-B6F8-4BE99716E841}"/>
-              </a:ext>
-            </a:extLst>
-          </p:cNvPr>
-          <p:cNvSpPr>
-            <a:spLocks noGrp="1"/>
-          </p:cNvSpPr>
-          <p:nvPr>
-            <p:ph type="body" sz="quarter" idx="10"/>
-          </p:nvPr>
-        </p:nvSpPr>
-        <p:spPr>
-          <a:xfrm>
-            <a:off x="415637" y="1106733"/>
-            <a:ext cx="8312726" cy="1608133"/>
-          </a:xfrm>
-        </p:spPr>
-        <p:txBody>
-          <a:bodyPr/>
-          <a:lstStyle/>
-          <a:p>
-            <a:pPr>
-              <a:buClrTx/>
-            </a:pPr>
-            <a:r>
-              <a:rPr lang="en-US" sz="1800" dirty="0"/>
-              <a:t>Slice notation has the form:</a:t>
-            </a:r>
-          </a:p>
-          <a:p>
-            <a:pPr lvl="1"/>
-            <a:r>
-              <a:rPr lang="en-US" sz="1668" dirty="0" err="1"/>
-              <a:t>my_str</a:t>
-            </a:r>
-            <a:r>
-              <a:rPr lang="en-US" sz="1668" dirty="0"/>
-              <a:t>[</a:t>
-            </a:r>
-            <a:r>
-              <a:rPr lang="en-US" sz="1668" dirty="0" err="1"/>
-              <a:t>start:end</a:t>
-            </a:r>
-            <a:r>
-              <a:rPr lang="en-US" sz="1668" dirty="0"/>
-              <a:t>]</a:t>
-            </a:r>
-          </a:p>
-          <a:p>
-            <a:r>
-              <a:rPr lang="en-US" sz="1800" dirty="0"/>
-              <a:t>creates a new string whose value contains the characters of </a:t>
-            </a:r>
-            <a:r>
-              <a:rPr lang="en-US" sz="1800" dirty="0" err="1"/>
-              <a:t>my_str</a:t>
-            </a:r>
-            <a:r>
-              <a:rPr lang="en-US" sz="1800" dirty="0"/>
-              <a:t> from indices start to end - 1</a:t>
-            </a:r>
-          </a:p>
-        </p:txBody>
-      </p:sp>
-      <p:sp>
-        <p:nvSpPr>
-          <p:cNvPr id="7" name="TextBox 6">
-            <a:extLst>
-              <a:ext uri="{FF2B5EF4-FFF2-40B4-BE49-F238E27FC236}">
-                <a16:creationId xmlns:a16="http://schemas.microsoft.com/office/drawing/2014/main" id="{569BB329-A367-11F4-C3C7-96CEB776D7D7}"/>
-              </a:ext>
-            </a:extLst>
-          </p:cNvPr>
-          <p:cNvSpPr txBox="1"/>
-          <p:nvPr/>
-        </p:nvSpPr>
-        <p:spPr>
-          <a:xfrm>
-            <a:off x="716844" y="2858311"/>
-            <a:ext cx="4058356" cy="1077218"/>
-          </a:xfrm>
-          <a:prstGeom prst="rect">
-            <a:avLst/>
-          </a:prstGeom>
-          <a:noFill/>
-          <a:ln>
-            <a:solidFill>
-              <a:schemeClr val="accent1"/>
-            </a:solidFill>
-          </a:ln>
-        </p:spPr>
-        <p:txBody>
-          <a:bodyPr wrap="square">
-            <a:spAutoFit/>
-          </a:bodyPr>
-          <a:lstStyle/>
-          <a:p>
-            <a:r>
-              <a:rPr lang="en-US" sz="1600" dirty="0">
-                <a:latin typeface="Courier New" panose="02070309020205020404" pitchFamily="49" charset="0"/>
-                <a:cs typeface="Courier New" panose="02070309020205020404" pitchFamily="49" charset="0"/>
-              </a:rPr>
-              <a:t>str = "CS152 - Python for STEM"</a:t>
-            </a:r>
-          </a:p>
-          <a:p>
-            <a:r>
-              <a:rPr lang="en-US" sz="1600" dirty="0">
-                <a:latin typeface="Courier New" panose="02070309020205020404" pitchFamily="49" charset="0"/>
-                <a:cs typeface="Courier New" panose="02070309020205020404" pitchFamily="49" charset="0"/>
-              </a:rPr>
-              <a:t>str_Cs152 = str[0:5]</a:t>
-            </a:r>
-          </a:p>
-          <a:p>
-            <a:r>
-              <a:rPr lang="en-US" sz="1600" dirty="0">
-                <a:latin typeface="Courier New" panose="02070309020205020404" pitchFamily="49" charset="0"/>
-                <a:cs typeface="Courier New" panose="02070309020205020404" pitchFamily="49" charset="0"/>
-              </a:rPr>
-              <a:t>print(str)</a:t>
-            </a:r>
-          </a:p>
-          <a:p>
-            <a:r>
-              <a:rPr lang="en-US" sz="1600" dirty="0">
-                <a:latin typeface="Courier New" panose="02070309020205020404" pitchFamily="49" charset="0"/>
-                <a:cs typeface="Courier New" panose="02070309020205020404" pitchFamily="49" charset="0"/>
-              </a:rPr>
-              <a:t>print(str_Cs152)</a:t>
-            </a:r>
-          </a:p>
-        </p:txBody>
-      </p:sp>
-      <p:sp>
-        <p:nvSpPr>
-          <p:cNvPr id="8" name="TextBox 7">
-            <a:extLst>
-              <a:ext uri="{FF2B5EF4-FFF2-40B4-BE49-F238E27FC236}">
-                <a16:creationId xmlns:a16="http://schemas.microsoft.com/office/drawing/2014/main" id="{5F11F223-925B-47EE-3816-92E6F40C4460}"/>
-              </a:ext>
-            </a:extLst>
-          </p:cNvPr>
-          <p:cNvSpPr txBox="1"/>
-          <p:nvPr/>
-        </p:nvSpPr>
-        <p:spPr>
-          <a:xfrm>
-            <a:off x="5384799" y="2871227"/>
-            <a:ext cx="1848583" cy="369332"/>
-          </a:xfrm>
-          <a:prstGeom prst="rect">
-            <a:avLst/>
-          </a:prstGeom>
-          <a:solidFill>
-            <a:schemeClr val="accent6">
-              <a:lumMod val="40000"/>
-              <a:lumOff val="60000"/>
-            </a:schemeClr>
-          </a:solidFill>
-        </p:spPr>
-        <p:txBody>
-          <a:bodyPr wrap="none" rtlCol="0">
-            <a:spAutoFit/>
-          </a:bodyPr>
-          <a:lstStyle/>
-          <a:p>
-            <a:r>
-              <a:rPr lang="en-US" sz="1800" dirty="0">
-                <a:latin typeface="Proxima Nova"/>
-              </a:rPr>
-              <a:t>What is printed?</a:t>
-            </a:r>
-          </a:p>
-        </p:txBody>
-      </p:sp>
-      <p:sp>
-        <p:nvSpPr>
-          <p:cNvPr id="9" name="TextBox 8">
-            <a:extLst>
-              <a:ext uri="{FF2B5EF4-FFF2-40B4-BE49-F238E27FC236}">
-                <a16:creationId xmlns:a16="http://schemas.microsoft.com/office/drawing/2014/main" id="{19568FDC-A5D1-04D0-825E-F9347122D6CF}"/>
-              </a:ext>
-            </a:extLst>
-          </p:cNvPr>
-          <p:cNvSpPr txBox="1"/>
-          <p:nvPr/>
-        </p:nvSpPr>
-        <p:spPr>
-          <a:xfrm>
-            <a:off x="5384799" y="3396920"/>
-            <a:ext cx="3483646" cy="646331"/>
-          </a:xfrm>
-          <a:prstGeom prst="rect">
-            <a:avLst/>
-          </a:prstGeom>
-          <a:solidFill>
-            <a:schemeClr val="accent6">
-              <a:lumMod val="40000"/>
-              <a:lumOff val="60000"/>
-            </a:schemeClr>
-          </a:solidFill>
-        </p:spPr>
-        <p:txBody>
-          <a:bodyPr wrap="none" rtlCol="0">
-            <a:spAutoFit/>
-          </a:bodyPr>
-          <a:lstStyle/>
-          <a:p>
-            <a:r>
-              <a:rPr lang="en-US" sz="1800" dirty="0">
-                <a:latin typeface="Proxima Nova"/>
-              </a:rPr>
-              <a:t>What instructions should we use</a:t>
-            </a:r>
-          </a:p>
-          <a:p>
-            <a:r>
-              <a:rPr lang="en-US" sz="1800" dirty="0">
-                <a:latin typeface="Proxima Nova"/>
-              </a:rPr>
-              <a:t>to parse “Python” from str?</a:t>
-            </a:r>
-          </a:p>
-        </p:txBody>
-      </p:sp>
-    </p:spTree>
-    <p:extLst>
-      <p:ext uri="{BB962C8B-B14F-4D97-AF65-F5344CB8AC3E}">
-        <p14:creationId xmlns:p14="http://schemas.microsoft.com/office/powerpoint/2010/main" val="1172125351"/>
-      </p:ext>
-    </p:extLst>
-  </p:cSld>
-  <p:clrMapOvr>
-    <a:masterClrMapping/>
-  </p:clrMapOvr>
-  <mc:AlternateContent xmlns:mc="http://schemas.openxmlformats.org/markup-compatibility/2006" xmlns:p14="http://schemas.microsoft.com/office/powerpoint/2010/main">
-    <mc:Choice Requires="p14">
-      <p:transition p14:dur="300">
-        <p:fade/>
-      </p:transition>
-    </mc:Choice>
-    <mc:Fallback xmlns="">
-      <p:transition>
-        <p:fade/>
-      </p:transition>
-    </mc:Fallback>
-  </mc:AlternateContent>
-  <p:timing>
-    <p:tnLst>
-      <p:par>
-        <p:cTn id="1" dur="indefinite" restart="never" nodeType="tmRoot">
-          <p:childTnLst>
-            <p:seq concurrent="1" nextAc="seek">
-              <p:cTn id="2" dur="indefinite" nodeType="mainSeq">
-                <p:childTnLst>
-                  <p:par>
-                    <p:cTn id="3" fill="hold">
-                      <p:stCondLst>
-                        <p:cond delay="indefinite"/>
-                      </p:stCondLst>
-                      <p:childTnLst>
-                        <p:par>
-                          <p:cTn id="4" fill="hold">
-                            <p:stCondLst>
-                              <p:cond delay="0"/>
-                            </p:stCondLst>
-                            <p:childTnLst>
-                              <p:par>
-                                <p:cTn id="5" presetID="1" presetClass="entr" presetSubtype="0" fill="hold" grpId="0" nodeType="clickEffect">
-                                  <p:stCondLst>
-                                    <p:cond delay="0"/>
-                                  </p:stCondLst>
-                                  <p:childTnLst>
-                                    <p:set>
-                                      <p:cBhvr>
-                                        <p:cTn id="6" dur="1" fill="hold">
-                                          <p:stCondLst>
-                                            <p:cond delay="0"/>
-                                          </p:stCondLst>
-                                        </p:cTn>
-                                        <p:tgtEl>
-                                          <p:spTgt spid="7"/>
-                                        </p:tgtEl>
-                                        <p:attrNameLst>
-                                          <p:attrName>style.visibility</p:attrName>
-                                        </p:attrNameLst>
-                                      </p:cBhvr>
-                                      <p:to>
-                                        <p:strVal val="visible"/>
-                                      </p:to>
-                                    </p:set>
-                                  </p:childTnLst>
-                                </p:cTn>
-                              </p:par>
-                            </p:childTnLst>
-                          </p:cTn>
-                        </p:par>
-                      </p:childTnLst>
-                    </p:cTn>
-                  </p:par>
-                  <p:par>
-                    <p:cTn id="7" fill="hold">
-                      <p:stCondLst>
-                        <p:cond delay="indefinite"/>
-                      </p:stCondLst>
-                      <p:childTnLst>
-                        <p:par>
-                          <p:cTn id="8" fill="hold">
-                            <p:stCondLst>
-                              <p:cond delay="0"/>
-                            </p:stCondLst>
-                            <p:childTnLst>
-                              <p:par>
-                                <p:cTn id="9" presetID="1" presetClass="entr" presetSubtype="0" fill="hold" grpId="0" nodeType="clickEffect">
-                                  <p:stCondLst>
-                                    <p:cond delay="0"/>
-                                  </p:stCondLst>
-                                  <p:childTnLst>
-                                    <p:set>
-                                      <p:cBhvr>
-                                        <p:cTn id="10" dur="1" fill="hold">
-                                          <p:stCondLst>
-                                            <p:cond delay="0"/>
-                                          </p:stCondLst>
-                                        </p:cTn>
-                                        <p:tgtEl>
-                                          <p:spTgt spid="8"/>
-                                        </p:tgtEl>
-                                        <p:attrNameLst>
-                                          <p:attrName>style.visibility</p:attrName>
-                                        </p:attrNameLst>
-                                      </p:cBhvr>
-                                      <p:to>
-                                        <p:strVal val="visible"/>
-                                      </p:to>
-                                    </p:set>
-                                  </p:childTnLst>
-                                </p:cTn>
-                              </p:par>
-                            </p:childTnLst>
-                          </p:cTn>
-                        </p:par>
-                      </p:childTnLst>
-                    </p:cTn>
-                  </p:par>
-                  <p:par>
-                    <p:cTn id="11" fill="hold">
-                      <p:stCondLst>
-                        <p:cond delay="indefinite"/>
-                      </p:stCondLst>
-                      <p:childTnLst>
-                        <p:par>
-                          <p:cTn id="12" fill="hold">
-                            <p:stCondLst>
-                              <p:cond delay="0"/>
-                            </p:stCondLst>
-                            <p:childTnLst>
-                              <p:par>
-                                <p:cTn id="13" presetID="1" presetClass="entr" presetSubtype="0" fill="hold" grpId="0" nodeType="clickEffect">
-                                  <p:stCondLst>
-                                    <p:cond delay="0"/>
-                                  </p:stCondLst>
-                                  <p:childTnLst>
-                                    <p:set>
-                                      <p:cBhvr>
-                                        <p:cTn id="14" dur="1" fill="hold">
-                                          <p:stCondLst>
-                                            <p:cond delay="0"/>
-                                          </p:stCondLst>
-                                        </p:cTn>
-                                        <p:tgtEl>
-                                          <p:spTgt spid="9"/>
-                                        </p:tgtEl>
-                                        <p:attrNameLst>
-                                          <p:attrName>style.visibility</p:attrName>
-                                        </p:attrNameLst>
-                                      </p:cBhvr>
-                                      <p:to>
-                                        <p:strVal val="visible"/>
-                                      </p:to>
-                                    </p:set>
-                                  </p:childTnLst>
-                                </p:cTn>
-                              </p:par>
-                            </p:childTnLst>
-                          </p:cTn>
-                        </p:par>
-                      </p:childTnLst>
-                    </p:cTn>
-                  </p:par>
-                </p:childTnLst>
-              </p:cTn>
-              <p:prevCondLst>
-                <p:cond evt="onPrev" delay="0">
-                  <p:tgtEl>
-                    <p:sldTgt/>
-                  </p:tgtEl>
-                </p:cond>
-              </p:prevCondLst>
-              <p:nextCondLst>
-                <p:cond evt="onNext" delay="0">
-                  <p:tgtEl>
-                    <p:sldTgt/>
-                  </p:tgtEl>
-                </p:cond>
-              </p:nextCondLst>
-            </p:seq>
-          </p:childTnLst>
-        </p:cTn>
-      </p:par>
-    </p:tnLst>
-    <p:bldLst>
-      <p:bldP spid="7" grpId="0" animBg="1"/>
-      <p:bldP spid="8" grpId="0" animBg="1"/>
-      <p:bldP spid="9" grpId="0" animBg="1"/>
-    </p:bldLst>
-  </p:timing>
-</p:sld>
-</file>
-
-<file path=ppt/slides/slide4.xml><?xml version="1.0" encoding="utf-8"?>
-<p:sld xmlns:a="http://schemas.openxmlformats.org/drawingml/2006/main" xmlns:r="http://schemas.openxmlformats.org/officeDocument/2006/relationships" xmlns:p="http://schemas.openxmlformats.org/presentationml/2006/main">
-  <p:cSld>
-    <p:spTree>
-      <p:nvGrpSpPr>
-        <p:cNvPr id="1" name=""/>
-        <p:cNvGrpSpPr/>
-        <p:nvPr/>
-      </p:nvGrpSpPr>
-      <p:grpSpPr>
-        <a:xfrm>
-          <a:off x="0" y="0"/>
-          <a:ext cx="0" cy="0"/>
-          <a:chOff x="0" y="0"/>
-          <a:chExt cx="0" cy="0"/>
-        </a:xfrm>
-      </p:grpSpPr>
-      <p:sp>
-        <p:nvSpPr>
-          <p:cNvPr id="2" name="Title 1">
-            <a:extLst>
-              <a:ext uri="{FF2B5EF4-FFF2-40B4-BE49-F238E27FC236}">
-                <a16:creationId xmlns:a16="http://schemas.microsoft.com/office/drawing/2014/main" id="{6302E6FC-80C8-2F4C-A9F0-9B205434775A}"/>
-              </a:ext>
-            </a:extLst>
-          </p:cNvPr>
-          <p:cNvSpPr>
-            <a:spLocks noGrp="1"/>
-          </p:cNvSpPr>
-          <p:nvPr>
-            <p:ph type="title"/>
-          </p:nvPr>
-        </p:nvSpPr>
-        <p:spPr>
-          <a:xfrm>
-            <a:off x="415637" y="228600"/>
-            <a:ext cx="8312726" cy="734688"/>
-          </a:xfrm>
-        </p:spPr>
-        <p:txBody>
-          <a:bodyPr/>
-          <a:lstStyle/>
-          <a:p>
-            <a:r>
-              <a:rPr lang="en-US" dirty="0"/>
-              <a:t>Slicing operations</a:t>
-            </a:r>
-            <a:endParaRPr lang="en-US" sz="2800" dirty="0"/>
-          </a:p>
-        </p:txBody>
-      </p:sp>
-      <p:pic>
-        <p:nvPicPr>
-          <p:cNvPr id="7" name="Picture 6">
-            <a:extLst>
-              <a:ext uri="{FF2B5EF4-FFF2-40B4-BE49-F238E27FC236}">
-                <a16:creationId xmlns:a16="http://schemas.microsoft.com/office/drawing/2014/main" id="{FCAB0652-5C28-DC26-A7A7-1C2EB7BED59A}"/>
-              </a:ext>
-            </a:extLst>
-          </p:cNvPr>
-          <p:cNvPicPr>
-            <a:picLocks noChangeAspect="1"/>
-          </p:cNvPicPr>
-          <p:nvPr/>
-        </p:nvPicPr>
-        <p:blipFill>
-          <a:blip r:embed="rId2"/>
-          <a:stretch>
-            <a:fillRect/>
-          </a:stretch>
-        </p:blipFill>
-        <p:spPr>
-          <a:xfrm>
-            <a:off x="600075" y="1152525"/>
-            <a:ext cx="7943850" cy="2838450"/>
-          </a:xfrm>
-          <a:prstGeom prst="rect">
-            <a:avLst/>
-          </a:prstGeom>
-        </p:spPr>
-      </p:pic>
-    </p:spTree>
-    <p:extLst>
-      <p:ext uri="{BB962C8B-B14F-4D97-AF65-F5344CB8AC3E}">
-        <p14:creationId xmlns:p14="http://schemas.microsoft.com/office/powerpoint/2010/main" val="2583827647"/>
-      </p:ext>
-    </p:extLst>
-  </p:cSld>
-  <p:clrMapOvr>
-    <a:masterClrMapping/>
-  </p:clrMapOvr>
-  <mc:AlternateContent xmlns:mc="http://schemas.openxmlformats.org/markup-compatibility/2006" xmlns:p14="http://schemas.microsoft.com/office/powerpoint/2010/main">
-    <mc:Choice Requires="p14">
-      <p:transition p14:dur="300">
-        <p:fade/>
-      </p:transition>
-    </mc:Choice>
-    <mc:Fallback xmlns="">
-      <p:transition>
-        <p:fade/>
-      </p:transition>
-    </mc:Fallback>
-  </mc:AlternateContent>
-</p:sld>
-</file>
-
-<file path=ppt/slides/slide5.xml><?xml version="1.0" encoding="utf-8"?>
-<p:sld xmlns:a="http://schemas.openxmlformats.org/drawingml/2006/main" xmlns:r="http://schemas.openxmlformats.org/officeDocument/2006/relationships" xmlns:p="http://schemas.openxmlformats.org/presentationml/2006/main">
-  <p:cSld>
-    <p:spTree>
-      <p:nvGrpSpPr>
-        <p:cNvPr id="1" name=""/>
-        <p:cNvGrpSpPr/>
-        <p:nvPr/>
-      </p:nvGrpSpPr>
-      <p:grpSpPr>
-        <a:xfrm>
-          <a:off x="0" y="0"/>
-          <a:ext cx="0" cy="0"/>
-          <a:chOff x="0" y="0"/>
-          <a:chExt cx="0" cy="0"/>
-        </a:xfrm>
-      </p:grpSpPr>
-      <p:sp>
-        <p:nvSpPr>
-          <p:cNvPr id="2" name="Title 1">
-            <a:extLst>
-              <a:ext uri="{FF2B5EF4-FFF2-40B4-BE49-F238E27FC236}">
-                <a16:creationId xmlns:a16="http://schemas.microsoft.com/office/drawing/2014/main" id="{6302E6FC-80C8-2F4C-A9F0-9B205434775A}"/>
-              </a:ext>
-            </a:extLst>
-          </p:cNvPr>
-          <p:cNvSpPr>
-            <a:spLocks noGrp="1"/>
-          </p:cNvSpPr>
-          <p:nvPr>
-            <p:ph type="title"/>
-          </p:nvPr>
-        </p:nvSpPr>
-        <p:spPr>
-          <a:xfrm>
-            <a:off x="415637" y="347735"/>
-            <a:ext cx="8312726" cy="615553"/>
-          </a:xfrm>
-        </p:spPr>
-        <p:txBody>
-          <a:bodyPr/>
-          <a:lstStyle/>
-          <a:p>
-            <a:r>
-              <a:rPr lang="en-US" sz="2800" dirty="0"/>
-              <a:t>Slice stride</a:t>
-            </a:r>
-          </a:p>
-        </p:txBody>
-      </p:sp>
-      <p:sp>
-        <p:nvSpPr>
-          <p:cNvPr id="3" name="Text Placeholder 2">
-            <a:extLst>
-              <a:ext uri="{FF2B5EF4-FFF2-40B4-BE49-F238E27FC236}">
-                <a16:creationId xmlns:a16="http://schemas.microsoft.com/office/drawing/2014/main" id="{93E01694-2C32-BA4D-B6F8-4BE99716E841}"/>
-              </a:ext>
-            </a:extLst>
-          </p:cNvPr>
-          <p:cNvSpPr>
-            <a:spLocks noGrp="1"/>
-          </p:cNvSpPr>
-          <p:nvPr>
-            <p:ph type="body" sz="quarter" idx="10"/>
-          </p:nvPr>
-        </p:nvSpPr>
-        <p:spPr>
-          <a:xfrm>
-            <a:off x="415637" y="1106733"/>
-            <a:ext cx="8312726" cy="1146211"/>
-          </a:xfrm>
-        </p:spPr>
-        <p:txBody>
-          <a:bodyPr/>
-          <a:lstStyle/>
-          <a:p>
-            <a:pPr>
-              <a:buClrTx/>
-            </a:pPr>
-            <a:r>
-              <a:rPr lang="en-US" sz="1800" dirty="0"/>
-              <a:t>Slice notation also provides for a third argument, known as the stride. The stride determines how much to increment the index after reading each element. </a:t>
-            </a:r>
-          </a:p>
-        </p:txBody>
-      </p:sp>
-      <p:pic>
-        <p:nvPicPr>
-          <p:cNvPr id="5" name="Picture 4">
-            <a:extLst>
-              <a:ext uri="{FF2B5EF4-FFF2-40B4-BE49-F238E27FC236}">
-                <a16:creationId xmlns:a16="http://schemas.microsoft.com/office/drawing/2014/main" id="{5B017D38-F454-2193-1F17-F41D865F6D91}"/>
-              </a:ext>
-            </a:extLst>
-          </p:cNvPr>
-          <p:cNvPicPr>
-            <a:picLocks noChangeAspect="1"/>
-          </p:cNvPicPr>
-          <p:nvPr/>
-        </p:nvPicPr>
-        <p:blipFill>
-          <a:blip r:embed="rId2"/>
-          <a:stretch>
-            <a:fillRect/>
-          </a:stretch>
-        </p:blipFill>
-        <p:spPr>
-          <a:xfrm>
-            <a:off x="0" y="2396389"/>
-            <a:ext cx="8965956" cy="1494326"/>
-          </a:xfrm>
-          <a:prstGeom prst="rect">
-            <a:avLst/>
-          </a:prstGeom>
-        </p:spPr>
-      </p:pic>
-    </p:spTree>
-    <p:extLst>
-      <p:ext uri="{BB962C8B-B14F-4D97-AF65-F5344CB8AC3E}">
-        <p14:creationId xmlns:p14="http://schemas.microsoft.com/office/powerpoint/2010/main" val="2447864037"/>
-      </p:ext>
-    </p:extLst>
-  </p:cSld>
-  <p:clrMapOvr>
-    <a:masterClrMapping/>
-  </p:clrMapOvr>
-  <mc:AlternateContent xmlns:mc="http://schemas.openxmlformats.org/markup-compatibility/2006" xmlns:p14="http://schemas.microsoft.com/office/powerpoint/2010/main">
-    <mc:Choice Requires="p14">
-      <p:transition p14:dur="300">
-        <p:fade/>
-      </p:transition>
-    </mc:Choice>
-    <mc:Fallback xmlns="">
-      <p:transition>
-        <p:fade/>
-      </p:transition>
-    </mc:Fallback>
-  </mc:AlternateContent>
-</p:sld>
-</file>
-
-<file path=ppt/slides/slide6.xml><?xml version="1.0" encoding="utf-8"?>
-<p:sld xmlns:a="http://schemas.openxmlformats.org/drawingml/2006/main" xmlns:r="http://schemas.openxmlformats.org/officeDocument/2006/relationships" xmlns:p="http://schemas.openxmlformats.org/presentationml/2006/main">
-  <p:cSld>
-    <p:spTree>
-      <p:nvGrpSpPr>
-        <p:cNvPr id="1" name=""/>
-        <p:cNvGrpSpPr/>
-        <p:nvPr/>
-      </p:nvGrpSpPr>
-      <p:grpSpPr>
-        <a:xfrm>
-          <a:off x="0" y="0"/>
-          <a:ext cx="0" cy="0"/>
-          <a:chOff x="0" y="0"/>
-          <a:chExt cx="0" cy="0"/>
-        </a:xfrm>
-      </p:grpSpPr>
-      <p:sp>
-        <p:nvSpPr>
-          <p:cNvPr id="2" name="Title 1">
-            <a:extLst>
-              <a:ext uri="{FF2B5EF4-FFF2-40B4-BE49-F238E27FC236}">
-                <a16:creationId xmlns:a16="http://schemas.microsoft.com/office/drawing/2014/main" id="{6302E6FC-80C8-2F4C-A9F0-9B205434775A}"/>
-              </a:ext>
-            </a:extLst>
-          </p:cNvPr>
-          <p:cNvSpPr>
-            <a:spLocks noGrp="1"/>
-          </p:cNvSpPr>
-          <p:nvPr>
-            <p:ph type="title"/>
-          </p:nvPr>
-        </p:nvSpPr>
-        <p:spPr>
-          <a:xfrm>
-            <a:off x="415637" y="228600"/>
-            <a:ext cx="8312726" cy="734688"/>
-          </a:xfrm>
-        </p:spPr>
-        <p:txBody>
-          <a:bodyPr/>
-          <a:lstStyle/>
-          <a:p>
-            <a:r>
-              <a:rPr lang="en-US" dirty="0"/>
-              <a:t>Field with</a:t>
-            </a:r>
-            <a:endParaRPr lang="en-US" sz="2800" dirty="0"/>
-          </a:p>
-        </p:txBody>
-      </p:sp>
-      <p:sp>
-        <p:nvSpPr>
-          <p:cNvPr id="7" name="Text Placeholder 2">
-            <a:extLst>
-              <a:ext uri="{FF2B5EF4-FFF2-40B4-BE49-F238E27FC236}">
-                <a16:creationId xmlns:a16="http://schemas.microsoft.com/office/drawing/2014/main" id="{E62DAD61-1EDD-AAE4-CFAB-8C7E3A83E836}"/>
-              </a:ext>
-            </a:extLst>
-          </p:cNvPr>
-          <p:cNvSpPr txBox="1">
-            <a:spLocks/>
-          </p:cNvSpPr>
-          <p:nvPr/>
-        </p:nvSpPr>
-        <p:spPr>
-          <a:xfrm>
-            <a:off x="415636" y="1106733"/>
-            <a:ext cx="8446141" cy="3096745"/>
-          </a:xfrm>
-          <a:prstGeom prst="rect">
-            <a:avLst/>
-          </a:prstGeom>
-        </p:spPr>
-        <p:txBody>
-          <a:bodyPr vert="horz" wrap="square" lIns="91440" tIns="91440" rIns="91440" bIns="91440" rtlCol="0">
-            <a:spAutoFit/>
-          </a:bodyPr>
-          <a:lstStyle>
-            <a:lvl1pPr marL="347254" indent="-347254" algn="l" defTabSz="463005" rtl="0" eaLnBrk="1" latinLnBrk="0" hangingPunct="1">
-              <a:lnSpc>
-                <a:spcPct val="120000"/>
-              </a:lnSpc>
-              <a:spcBef>
-                <a:spcPts val="397"/>
-              </a:spcBef>
-              <a:spcAft>
-                <a:spcPts val="397"/>
-              </a:spcAft>
-              <a:buFont typeface="Arial"/>
-              <a:buChar char="•"/>
-              <a:defRPr sz="1191" b="0" i="0" kern="1200">
-                <a:solidFill>
-                  <a:srgbClr val="092529"/>
-                </a:solidFill>
-                <a:latin typeface="Proxima Nova" charset="0"/>
-                <a:ea typeface="Proxima Nova" charset="0"/>
-                <a:cs typeface="Proxima Nova" charset="0"/>
-              </a:defRPr>
-            </a:lvl1pPr>
-            <a:lvl2pPr marL="752384" indent="-289379" algn="l" defTabSz="463005" rtl="0" eaLnBrk="1" latinLnBrk="0" hangingPunct="1">
-              <a:lnSpc>
-                <a:spcPct val="120000"/>
-              </a:lnSpc>
-              <a:spcBef>
-                <a:spcPts val="0"/>
-              </a:spcBef>
-              <a:spcAft>
-                <a:spcPts val="397"/>
-              </a:spcAft>
-              <a:buFont typeface="Arial"/>
-              <a:buChar char="–"/>
-              <a:defRPr sz="1059" b="0" i="0" kern="1200">
-                <a:solidFill>
-                  <a:srgbClr val="092529"/>
-                </a:solidFill>
-                <a:latin typeface="Proxima Nova" charset="0"/>
-                <a:ea typeface="Proxima Nova" charset="0"/>
-                <a:cs typeface="Proxima Nova" charset="0"/>
-              </a:defRPr>
-            </a:lvl2pPr>
-            <a:lvl3pPr marL="1157515" indent="-231502" algn="l" defTabSz="463005" rtl="0" eaLnBrk="1" latinLnBrk="0" hangingPunct="1">
-              <a:lnSpc>
-                <a:spcPct val="120000"/>
-              </a:lnSpc>
-              <a:spcBef>
-                <a:spcPts val="0"/>
-              </a:spcBef>
-              <a:spcAft>
-                <a:spcPts val="397"/>
-              </a:spcAft>
-              <a:buFont typeface="Arial"/>
-              <a:buChar char="•"/>
-              <a:defRPr sz="1059" b="0" i="0" kern="1200">
-                <a:solidFill>
-                  <a:srgbClr val="092529"/>
-                </a:solidFill>
-                <a:latin typeface="Proxima Nova" charset="0"/>
-                <a:ea typeface="Proxima Nova" charset="0"/>
-                <a:cs typeface="Proxima Nova" charset="0"/>
-              </a:defRPr>
-            </a:lvl3pPr>
-            <a:lvl4pPr marL="1620520" indent="-231502" algn="l" defTabSz="463005" rtl="0" eaLnBrk="1" latinLnBrk="0" hangingPunct="1">
-              <a:lnSpc>
-                <a:spcPct val="120000"/>
-              </a:lnSpc>
-              <a:spcBef>
-                <a:spcPts val="0"/>
-              </a:spcBef>
-              <a:spcAft>
-                <a:spcPts val="397"/>
-              </a:spcAft>
-              <a:buFont typeface="Arial"/>
-              <a:buChar char="–"/>
-              <a:defRPr sz="1059" b="0" i="0" kern="1200">
-                <a:solidFill>
-                  <a:srgbClr val="092529"/>
-                </a:solidFill>
-                <a:latin typeface="Proxima Nova" charset="0"/>
-                <a:ea typeface="Proxima Nova" charset="0"/>
-                <a:cs typeface="Proxima Nova" charset="0"/>
-              </a:defRPr>
-            </a:lvl4pPr>
-            <a:lvl5pPr marL="2083526" indent="-231502" algn="l" defTabSz="463005" rtl="0" eaLnBrk="1" latinLnBrk="0" hangingPunct="1">
-              <a:spcBef>
-                <a:spcPct val="20000"/>
-              </a:spcBef>
-              <a:buFont typeface="Arial"/>
-              <a:buChar char="»"/>
-              <a:defRPr sz="1091" b="0" kern="1200">
-                <a:solidFill>
-                  <a:srgbClr val="092529"/>
-                </a:solidFill>
-                <a:latin typeface="Franklin Gothic Book" charset="0"/>
-                <a:ea typeface="Franklin Gothic Book" charset="0"/>
-                <a:cs typeface="Franklin Gothic Book" charset="0"/>
-              </a:defRPr>
-            </a:lvl5pPr>
-            <a:lvl6pPr marL="2546532" indent="-231502" algn="l" defTabSz="463005" rtl="0" eaLnBrk="1" latinLnBrk="0" hangingPunct="1">
-              <a:spcBef>
-                <a:spcPct val="20000"/>
-              </a:spcBef>
-              <a:buFont typeface="Arial"/>
-              <a:buChar char="•"/>
-              <a:defRPr sz="2000" kern="1200">
-                <a:solidFill>
-                  <a:schemeClr val="tx1"/>
-                </a:solidFill>
-                <a:latin typeface="+mn-lt"/>
-                <a:ea typeface="+mn-ea"/>
-                <a:cs typeface="+mn-cs"/>
-              </a:defRPr>
-            </a:lvl6pPr>
-            <a:lvl7pPr marL="3009539" indent="-231502" algn="l" defTabSz="463005" rtl="0" eaLnBrk="1" latinLnBrk="0" hangingPunct="1">
-              <a:spcBef>
-                <a:spcPct val="20000"/>
-              </a:spcBef>
-              <a:buFont typeface="Arial"/>
-              <a:buChar char="•"/>
-              <a:defRPr sz="2000" kern="1200">
-                <a:solidFill>
-                  <a:schemeClr val="tx1"/>
-                </a:solidFill>
-                <a:latin typeface="+mn-lt"/>
-                <a:ea typeface="+mn-ea"/>
-                <a:cs typeface="+mn-cs"/>
-              </a:defRPr>
-            </a:lvl7pPr>
-            <a:lvl8pPr marL="3472543" indent="-231502" algn="l" defTabSz="463005" rtl="0" eaLnBrk="1" latinLnBrk="0" hangingPunct="1">
-              <a:spcBef>
-                <a:spcPct val="20000"/>
-              </a:spcBef>
-              <a:buFont typeface="Arial"/>
-              <a:buChar char="•"/>
-              <a:defRPr sz="2000" kern="1200">
-                <a:solidFill>
-                  <a:schemeClr val="tx1"/>
-                </a:solidFill>
-                <a:latin typeface="+mn-lt"/>
-                <a:ea typeface="+mn-ea"/>
-                <a:cs typeface="+mn-cs"/>
-              </a:defRPr>
-            </a:lvl8pPr>
-            <a:lvl9pPr marL="3935550" indent="-231502" algn="l" defTabSz="463005" rtl="0" eaLnBrk="1" latinLnBrk="0" hangingPunct="1">
-              <a:spcBef>
-                <a:spcPct val="20000"/>
-              </a:spcBef>
-              <a:buFont typeface="Arial"/>
-              <a:buChar char="•"/>
-              <a:defRPr sz="2000" kern="1200">
-                <a:solidFill>
-                  <a:schemeClr val="tx1"/>
-                </a:solidFill>
-                <a:latin typeface="+mn-lt"/>
-                <a:ea typeface="+mn-ea"/>
-                <a:cs typeface="+mn-cs"/>
-              </a:defRPr>
-            </a:lvl9pPr>
-          </a:lstStyle>
-          <a:p>
-            <a:pPr>
-              <a:buClrTx/>
-            </a:pPr>
-            <a:r>
-              <a:rPr lang="en-US" sz="1800" dirty="0"/>
-              <a:t>Defines the minimum number of characters that must be inserted into the string. </a:t>
-            </a:r>
-          </a:p>
-          <a:p>
-            <a:pPr>
-              <a:buClrTx/>
-            </a:pPr>
-            <a:r>
-              <a:rPr lang="en-US" sz="1800" dirty="0"/>
-              <a:t>If the replacement value is smaller in size than the given field width, then the string's left side is padded with space characters.</a:t>
-            </a:r>
-          </a:p>
-          <a:p>
-            <a:pPr>
-              <a:buClrTx/>
-            </a:pPr>
-            <a:r>
-              <a:rPr lang="en-US" sz="1800" dirty="0"/>
-              <a:t>Specify by including an integer after the colon</a:t>
-            </a:r>
-          </a:p>
-          <a:p>
-            <a:pPr lvl="1">
-              <a:buClrTx/>
-            </a:pPr>
-            <a:r>
-              <a:rPr lang="en-US" sz="1668" dirty="0"/>
-              <a:t>{name:16}</a:t>
-            </a:r>
-          </a:p>
-          <a:p>
-            <a:pPr lvl="1">
-              <a:buClrTx/>
-            </a:pPr>
-            <a:r>
-              <a:rPr lang="en-US" sz="1668" dirty="0"/>
-              <a:t>specify a width of 16 characters</a:t>
-            </a:r>
-          </a:p>
-          <a:p>
-            <a:pPr lvl="1">
-              <a:buClrTx/>
-            </a:pPr>
-            <a:endParaRPr lang="en-US" sz="1668" dirty="0"/>
-          </a:p>
-        </p:txBody>
-      </p:sp>
-    </p:spTree>
-    <p:extLst>
-      <p:ext uri="{BB962C8B-B14F-4D97-AF65-F5344CB8AC3E}">
-        <p14:creationId xmlns:p14="http://schemas.microsoft.com/office/powerpoint/2010/main" val="63851387"/>
-      </p:ext>
-    </p:extLst>
-  </p:cSld>
-  <p:clrMapOvr>
-    <a:masterClrMapping/>
-  </p:clrMapOvr>
-  <mc:AlternateContent xmlns:mc="http://schemas.openxmlformats.org/markup-compatibility/2006" xmlns:p14="http://schemas.microsoft.com/office/powerpoint/2010/main">
-    <mc:Choice Requires="p14">
-      <p:transition p14:dur="300">
-        <p:fade/>
-      </p:transition>
-    </mc:Choice>
-    <mc:Fallback xmlns="">
-      <p:transition>
-        <p:fade/>
-      </p:transition>
-    </mc:Fallback>
-  </mc:AlternateContent>
-</p:sld>
-</file>
-
-<file path=ppt/slides/slide7.xml><?xml version="1.0" encoding="utf-8"?>
-<p:sld xmlns:a="http://schemas.openxmlformats.org/drawingml/2006/main" xmlns:r="http://schemas.openxmlformats.org/officeDocument/2006/relationships" xmlns:p="http://schemas.openxmlformats.org/presentationml/2006/main">
-  <p:cSld>
-    <p:spTree>
-      <p:nvGrpSpPr>
-        <p:cNvPr id="1" name=""/>
-        <p:cNvGrpSpPr/>
-        <p:nvPr/>
-      </p:nvGrpSpPr>
-      <p:grpSpPr>
-        <a:xfrm>
-          <a:off x="0" y="0"/>
-          <a:ext cx="0" cy="0"/>
-          <a:chOff x="0" y="0"/>
-          <a:chExt cx="0" cy="0"/>
-        </a:xfrm>
-      </p:grpSpPr>
-      <p:sp>
-        <p:nvSpPr>
-          <p:cNvPr id="2" name="Title 1">
-            <a:extLst>
-              <a:ext uri="{FF2B5EF4-FFF2-40B4-BE49-F238E27FC236}">
-                <a16:creationId xmlns:a16="http://schemas.microsoft.com/office/drawing/2014/main" id="{6302E6FC-80C8-2F4C-A9F0-9B205434775A}"/>
-              </a:ext>
-            </a:extLst>
-          </p:cNvPr>
-          <p:cNvSpPr>
-            <a:spLocks noGrp="1"/>
-          </p:cNvSpPr>
-          <p:nvPr>
-            <p:ph type="title"/>
-          </p:nvPr>
-        </p:nvSpPr>
-        <p:spPr>
-          <a:xfrm>
-            <a:off x="415637" y="228600"/>
-            <a:ext cx="8312726" cy="734688"/>
-          </a:xfrm>
-        </p:spPr>
-        <p:txBody>
-          <a:bodyPr/>
-          <a:lstStyle/>
-          <a:p>
-            <a:r>
-              <a:rPr lang="en-US" dirty="0"/>
-              <a:t>Align Character</a:t>
-            </a:r>
-            <a:endParaRPr lang="en-US" sz="2800" dirty="0"/>
-          </a:p>
-        </p:txBody>
-      </p:sp>
-      <p:pic>
-        <p:nvPicPr>
-          <p:cNvPr id="8" name="Picture 7">
-            <a:extLst>
-              <a:ext uri="{FF2B5EF4-FFF2-40B4-BE49-F238E27FC236}">
-                <a16:creationId xmlns:a16="http://schemas.microsoft.com/office/drawing/2014/main" id="{D38F8637-16C8-70D1-4CE9-DB1585F92ED6}"/>
-              </a:ext>
-            </a:extLst>
-          </p:cNvPr>
-          <p:cNvPicPr>
-            <a:picLocks noChangeAspect="1"/>
-          </p:cNvPicPr>
-          <p:nvPr/>
-        </p:nvPicPr>
-        <p:blipFill>
-          <a:blip r:embed="rId2"/>
-          <a:stretch>
-            <a:fillRect/>
-          </a:stretch>
-        </p:blipFill>
-        <p:spPr>
-          <a:xfrm>
-            <a:off x="1095375" y="963288"/>
-            <a:ext cx="6752167" cy="3513667"/>
-          </a:xfrm>
-          <a:prstGeom prst="rect">
-            <a:avLst/>
-          </a:prstGeom>
-        </p:spPr>
-      </p:pic>
-    </p:spTree>
-    <p:extLst>
-      <p:ext uri="{BB962C8B-B14F-4D97-AF65-F5344CB8AC3E}">
-        <p14:creationId xmlns:p14="http://schemas.microsoft.com/office/powerpoint/2010/main" val="504985521"/>
-      </p:ext>
-    </p:extLst>
-  </p:cSld>
-  <p:clrMapOvr>
-    <a:masterClrMapping/>
-  </p:clrMapOvr>
-  <mc:AlternateContent xmlns:mc="http://schemas.openxmlformats.org/markup-compatibility/2006" xmlns:p14="http://schemas.microsoft.com/office/powerpoint/2010/main">
-    <mc:Choice Requires="p14">
-      <p:transition p14:dur="300">
-        <p:fade/>
-      </p:transition>
-    </mc:Choice>
-    <mc:Fallback xmlns="">
-      <p:transition>
-        <p:fade/>
-      </p:transition>
-    </mc:Fallback>
-  </mc:AlternateContent>
-</p:sld>
-</file>
-
-<file path=ppt/slides/slide8.xml><?xml version="1.0" encoding="utf-8"?>
-<p:sld xmlns:a="http://schemas.openxmlformats.org/drawingml/2006/main" xmlns:r="http://schemas.openxmlformats.org/officeDocument/2006/relationships" xmlns:p="http://schemas.openxmlformats.org/presentationml/2006/main">
-  <p:cSld>
-    <p:spTree>
-      <p:nvGrpSpPr>
-        <p:cNvPr id="1" name=""/>
-        <p:cNvGrpSpPr/>
-        <p:nvPr/>
-      </p:nvGrpSpPr>
-      <p:grpSpPr>
-        <a:xfrm>
-          <a:off x="0" y="0"/>
-          <a:ext cx="0" cy="0"/>
-          <a:chOff x="0" y="0"/>
-          <a:chExt cx="0" cy="0"/>
-        </a:xfrm>
-      </p:grpSpPr>
-      <p:sp>
-        <p:nvSpPr>
-          <p:cNvPr id="2" name="Title 1">
-            <a:extLst>
-              <a:ext uri="{FF2B5EF4-FFF2-40B4-BE49-F238E27FC236}">
-                <a16:creationId xmlns:a16="http://schemas.microsoft.com/office/drawing/2014/main" id="{6302E6FC-80C8-2F4C-A9F0-9B205434775A}"/>
-              </a:ext>
-            </a:extLst>
-          </p:cNvPr>
-          <p:cNvSpPr>
-            <a:spLocks noGrp="1"/>
-          </p:cNvSpPr>
-          <p:nvPr>
-            <p:ph type="title"/>
-          </p:nvPr>
-        </p:nvSpPr>
-        <p:spPr>
-          <a:xfrm>
-            <a:off x="415637" y="228600"/>
-            <a:ext cx="8312726" cy="734688"/>
-          </a:xfrm>
-        </p:spPr>
-        <p:txBody>
-          <a:bodyPr/>
-          <a:lstStyle/>
-          <a:p>
-            <a:r>
-              <a:rPr lang="en-US" dirty="0"/>
-              <a:t>Fill Character</a:t>
-            </a:r>
-            <a:endParaRPr lang="en-US" sz="2800" dirty="0"/>
-          </a:p>
-        </p:txBody>
-      </p:sp>
-      <p:sp>
-        <p:nvSpPr>
-          <p:cNvPr id="5" name="Text Placeholder 4">
-            <a:extLst>
-              <a:ext uri="{FF2B5EF4-FFF2-40B4-BE49-F238E27FC236}">
-                <a16:creationId xmlns:a16="http://schemas.microsoft.com/office/drawing/2014/main" id="{06BD483F-6EA5-978D-4744-845987B5A3E2}"/>
-              </a:ext>
-            </a:extLst>
-          </p:cNvPr>
-          <p:cNvSpPr>
-            <a:spLocks noGrp="1"/>
-          </p:cNvSpPr>
-          <p:nvPr>
-            <p:ph type="body" sz="quarter" idx="10"/>
-          </p:nvPr>
-        </p:nvSpPr>
-        <p:spPr>
-          <a:xfrm>
-            <a:off x="415637" y="1175746"/>
-            <a:ext cx="3862851" cy="2899543"/>
-          </a:xfrm>
-        </p:spPr>
-        <p:txBody>
-          <a:bodyPr/>
-          <a:lstStyle/>
-          <a:p>
-            <a:r>
-              <a:rPr lang="en-US" sz="1800" dirty="0">
-                <a:sym typeface="Arial"/>
-              </a:rPr>
-              <a:t>is used to pad a replacement field when the string being inserted is smaller than the field width</a:t>
-            </a:r>
-          </a:p>
-          <a:p>
-            <a:r>
-              <a:rPr lang="en-US" sz="1800" dirty="0">
-                <a:sym typeface="Arial"/>
-              </a:rPr>
-              <a:t>default fill character is whitespace</a:t>
-            </a:r>
-          </a:p>
-        </p:txBody>
-      </p:sp>
-      <p:pic>
-        <p:nvPicPr>
-          <p:cNvPr id="8" name="Picture 7">
-            <a:extLst>
-              <a:ext uri="{FF2B5EF4-FFF2-40B4-BE49-F238E27FC236}">
-                <a16:creationId xmlns:a16="http://schemas.microsoft.com/office/drawing/2014/main" id="{E8B8E1A7-2735-24F7-91E5-6801552FF087}"/>
-              </a:ext>
-            </a:extLst>
-          </p:cNvPr>
-          <p:cNvPicPr>
-            <a:picLocks noChangeAspect="1"/>
-          </p:cNvPicPr>
-          <p:nvPr/>
-        </p:nvPicPr>
-        <p:blipFill>
-          <a:blip r:embed="rId2"/>
-          <a:stretch>
-            <a:fillRect/>
-          </a:stretch>
-        </p:blipFill>
-        <p:spPr>
-          <a:xfrm>
-            <a:off x="4459111" y="595943"/>
-            <a:ext cx="4684889" cy="3616405"/>
-          </a:xfrm>
-          <a:prstGeom prst="rect">
-            <a:avLst/>
-          </a:prstGeom>
-        </p:spPr>
-      </p:pic>
-    </p:spTree>
-    <p:extLst>
-      <p:ext uri="{BB962C8B-B14F-4D97-AF65-F5344CB8AC3E}">
-        <p14:creationId xmlns:p14="http://schemas.microsoft.com/office/powerpoint/2010/main" val="858956034"/>
-      </p:ext>
-    </p:extLst>
-  </p:cSld>
-  <p:clrMapOvr>
-    <a:masterClrMapping/>
-  </p:clrMapOvr>
-  <mc:AlternateContent xmlns:mc="http://schemas.openxmlformats.org/markup-compatibility/2006" xmlns:p14="http://schemas.microsoft.com/office/powerpoint/2010/main">
-    <mc:Choice Requires="p14">
-      <p:transition p14:dur="300">
-        <p:fade/>
-      </p:transition>
-    </mc:Choice>
-    <mc:Fallback xmlns="">
-      <p:transition>
-        <p:fade/>
-      </p:transition>
-    </mc:Fallback>
-  </mc:AlternateContent>
-</p:sld>
-</file>
-
-<file path=ppt/slides/slide9.xml><?xml version="1.0" encoding="utf-8"?>
-<p:sld xmlns:a="http://schemas.openxmlformats.org/drawingml/2006/main" xmlns:r="http://schemas.openxmlformats.org/officeDocument/2006/relationships" xmlns:p="http://schemas.openxmlformats.org/presentationml/2006/main">
-  <p:cSld>
-    <p:spTree>
-      <p:nvGrpSpPr>
-        <p:cNvPr id="1" name=""/>
-        <p:cNvGrpSpPr/>
-        <p:nvPr/>
-      </p:nvGrpSpPr>
-      <p:grpSpPr>
-        <a:xfrm>
-          <a:off x="0" y="0"/>
-          <a:ext cx="0" cy="0"/>
-          <a:chOff x="0" y="0"/>
-          <a:chExt cx="0" cy="0"/>
-        </a:xfrm>
-      </p:grpSpPr>
-      <p:sp>
-        <p:nvSpPr>
-          <p:cNvPr id="2" name="Title 1">
-            <a:extLst>
-              <a:ext uri="{FF2B5EF4-FFF2-40B4-BE49-F238E27FC236}">
-                <a16:creationId xmlns:a16="http://schemas.microsoft.com/office/drawing/2014/main" id="{6302E6FC-80C8-2F4C-A9F0-9B205434775A}"/>
-              </a:ext>
-            </a:extLst>
-          </p:cNvPr>
-          <p:cNvSpPr>
-            <a:spLocks noGrp="1"/>
-          </p:cNvSpPr>
-          <p:nvPr>
-            <p:ph type="title"/>
-          </p:nvPr>
-        </p:nvSpPr>
-        <p:spPr>
-          <a:xfrm>
-            <a:off x="415637" y="228600"/>
-            <a:ext cx="8312726" cy="734688"/>
-          </a:xfrm>
-        </p:spPr>
-        <p:txBody>
-          <a:bodyPr/>
-          <a:lstStyle/>
-          <a:p>
-            <a:r>
-              <a:rPr lang="en-US" dirty="0"/>
               <a:t>Floating Point Precision</a:t>
             </a:r>
             <a:endParaRPr lang="en-US" sz="2800" dirty="0"/>
@@ -22652,6 +20063,2196 @@
       <p:bldP spid="14" grpId="0"/>
     </p:bldLst>
   </p:timing>
+</p:sld>
+</file>
+
+<file path=ppt/slides/slide11.xml><?xml version="1.0" encoding="utf-8"?>
+<p:sld xmlns:a="http://schemas.openxmlformats.org/drawingml/2006/main" xmlns:r="http://schemas.openxmlformats.org/officeDocument/2006/relationships" xmlns:p="http://schemas.openxmlformats.org/presentationml/2006/main">
+  <p:cSld>
+    <p:spTree>
+      <p:nvGrpSpPr>
+        <p:cNvPr id="1" name=""/>
+        <p:cNvGrpSpPr/>
+        <p:nvPr/>
+      </p:nvGrpSpPr>
+      <p:grpSpPr>
+        <a:xfrm>
+          <a:off x="0" y="0"/>
+          <a:ext cx="0" cy="0"/>
+          <a:chOff x="0" y="0"/>
+          <a:chExt cx="0" cy="0"/>
+        </a:xfrm>
+      </p:grpSpPr>
+      <p:sp>
+        <p:nvSpPr>
+          <p:cNvPr id="2" name="Title 1">
+            <a:extLst>
+              <a:ext uri="{FF2B5EF4-FFF2-40B4-BE49-F238E27FC236}">
+                <a16:creationId xmlns:a16="http://schemas.microsoft.com/office/drawing/2014/main" id="{6302E6FC-80C8-2F4C-A9F0-9B205434775A}"/>
+              </a:ext>
+            </a:extLst>
+          </p:cNvPr>
+          <p:cNvSpPr>
+            <a:spLocks noGrp="1"/>
+          </p:cNvSpPr>
+          <p:nvPr>
+            <p:ph type="title"/>
+          </p:nvPr>
+        </p:nvSpPr>
+        <p:spPr>
+          <a:xfrm>
+            <a:off x="415637" y="228600"/>
+            <a:ext cx="8312726" cy="734688"/>
+          </a:xfrm>
+        </p:spPr>
+        <p:txBody>
+          <a:bodyPr/>
+          <a:lstStyle/>
+          <a:p>
+            <a:r>
+              <a:rPr lang="en-US" dirty="0"/>
+              <a:t>String functions</a:t>
+            </a:r>
+            <a:endParaRPr lang="en-US" sz="2800" dirty="0"/>
+          </a:p>
+        </p:txBody>
+      </p:sp>
+      <p:sp>
+        <p:nvSpPr>
+          <p:cNvPr id="3" name="Text Placeholder 2">
+            <a:extLst>
+              <a:ext uri="{FF2B5EF4-FFF2-40B4-BE49-F238E27FC236}">
+                <a16:creationId xmlns:a16="http://schemas.microsoft.com/office/drawing/2014/main" id="{AA3AC9A6-F14C-028B-44F0-F2F465A1F04E}"/>
+              </a:ext>
+            </a:extLst>
+          </p:cNvPr>
+          <p:cNvSpPr>
+            <a:spLocks noGrp="1"/>
+          </p:cNvSpPr>
+          <p:nvPr>
+            <p:ph type="body" sz="quarter" idx="10"/>
+          </p:nvPr>
+        </p:nvSpPr>
+        <p:spPr>
+          <a:xfrm>
+            <a:off x="415637" y="963289"/>
+            <a:ext cx="8008698" cy="2975173"/>
+          </a:xfrm>
+        </p:spPr>
+        <p:txBody>
+          <a:bodyPr/>
+          <a:lstStyle/>
+          <a:p>
+            <a:pPr>
+              <a:buClrTx/>
+            </a:pPr>
+            <a:r>
+              <a:rPr lang="en-US" sz="1800" dirty="0"/>
+              <a:t>replace(old, new)</a:t>
+            </a:r>
+          </a:p>
+          <a:p>
+            <a:pPr>
+              <a:buClrTx/>
+            </a:pPr>
+            <a:r>
+              <a:rPr lang="en-US" sz="1800" dirty="0"/>
+              <a:t>find(x)</a:t>
+            </a:r>
+          </a:p>
+          <a:p>
+            <a:pPr>
+              <a:buClrTx/>
+            </a:pPr>
+            <a:r>
+              <a:rPr lang="en-US" sz="1800" dirty="0"/>
+              <a:t>count(x)</a:t>
+            </a:r>
+          </a:p>
+          <a:p>
+            <a:pPr>
+              <a:buClrTx/>
+            </a:pPr>
+            <a:r>
+              <a:rPr lang="en-US" sz="1800" dirty="0"/>
+              <a:t>split(delimiter) – if no delimiter is passed, whitespace is considered the delimiter</a:t>
+            </a:r>
+          </a:p>
+          <a:p>
+            <a:pPr>
+              <a:buClrTx/>
+            </a:pPr>
+            <a:r>
+              <a:rPr lang="en-US" sz="1800" dirty="0"/>
+              <a:t>join()</a:t>
+            </a:r>
+          </a:p>
+          <a:p>
+            <a:pPr marL="0" indent="0">
+              <a:buNone/>
+            </a:pPr>
+            <a:endParaRPr lang="en-US" sz="1600" dirty="0">
+              <a:latin typeface="Courier New" panose="02070309020205020404" pitchFamily="49" charset="0"/>
+              <a:cs typeface="Courier New" panose="02070309020205020404" pitchFamily="49" charset="0"/>
+            </a:endParaRPr>
+          </a:p>
+        </p:txBody>
+      </p:sp>
+      <p:pic>
+        <p:nvPicPr>
+          <p:cNvPr id="6" name="Picture 5">
+            <a:extLst>
+              <a:ext uri="{FF2B5EF4-FFF2-40B4-BE49-F238E27FC236}">
+                <a16:creationId xmlns:a16="http://schemas.microsoft.com/office/drawing/2014/main" id="{92C9B634-C935-233F-5C83-A504C523E5F6}"/>
+              </a:ext>
+            </a:extLst>
+          </p:cNvPr>
+          <p:cNvPicPr>
+            <a:picLocks noChangeAspect="1"/>
+          </p:cNvPicPr>
+          <p:nvPr/>
+        </p:nvPicPr>
+        <p:blipFill>
+          <a:blip r:embed="rId2"/>
+          <a:stretch>
+            <a:fillRect/>
+          </a:stretch>
+        </p:blipFill>
+        <p:spPr>
+          <a:xfrm>
+            <a:off x="2173816" y="2732411"/>
+            <a:ext cx="6436884" cy="2090612"/>
+          </a:xfrm>
+          <a:prstGeom prst="rect">
+            <a:avLst/>
+          </a:prstGeom>
+        </p:spPr>
+      </p:pic>
+    </p:spTree>
+    <p:extLst>
+      <p:ext uri="{BB962C8B-B14F-4D97-AF65-F5344CB8AC3E}">
+        <p14:creationId xmlns:p14="http://schemas.microsoft.com/office/powerpoint/2010/main" val="1684470190"/>
+      </p:ext>
+    </p:extLst>
+  </p:cSld>
+  <p:clrMapOvr>
+    <a:masterClrMapping/>
+  </p:clrMapOvr>
+  <mc:AlternateContent xmlns:mc="http://schemas.openxmlformats.org/markup-compatibility/2006" xmlns:p14="http://schemas.microsoft.com/office/powerpoint/2010/main">
+    <mc:Choice Requires="p14">
+      <p:transition p14:dur="300">
+        <p:fade/>
+      </p:transition>
+    </mc:Choice>
+    <mc:Fallback xmlns="">
+      <p:transition>
+        <p:fade/>
+      </p:transition>
+    </mc:Fallback>
+  </mc:AlternateContent>
+</p:sld>
+</file>
+
+<file path=ppt/slides/slide12.xml><?xml version="1.0" encoding="utf-8"?>
+<p:sld xmlns:a="http://schemas.openxmlformats.org/drawingml/2006/main" xmlns:r="http://schemas.openxmlformats.org/officeDocument/2006/relationships" xmlns:p="http://schemas.openxmlformats.org/presentationml/2006/main">
+  <p:cSld>
+    <p:spTree>
+      <p:nvGrpSpPr>
+        <p:cNvPr id="1" name=""/>
+        <p:cNvGrpSpPr/>
+        <p:nvPr/>
+      </p:nvGrpSpPr>
+      <p:grpSpPr>
+        <a:xfrm>
+          <a:off x="0" y="0"/>
+          <a:ext cx="0" cy="0"/>
+          <a:chOff x="0" y="0"/>
+          <a:chExt cx="0" cy="0"/>
+        </a:xfrm>
+      </p:grpSpPr>
+      <p:sp>
+        <p:nvSpPr>
+          <p:cNvPr id="2" name="Title 1">
+            <a:extLst>
+              <a:ext uri="{FF2B5EF4-FFF2-40B4-BE49-F238E27FC236}">
+                <a16:creationId xmlns:a16="http://schemas.microsoft.com/office/drawing/2014/main" id="{6302E6FC-80C8-2F4C-A9F0-9B205434775A}"/>
+              </a:ext>
+            </a:extLst>
+          </p:cNvPr>
+          <p:cNvSpPr>
+            <a:spLocks noGrp="1"/>
+          </p:cNvSpPr>
+          <p:nvPr>
+            <p:ph type="title"/>
+          </p:nvPr>
+        </p:nvSpPr>
+        <p:spPr>
+          <a:xfrm>
+            <a:off x="415637" y="228600"/>
+            <a:ext cx="8312726" cy="734688"/>
+          </a:xfrm>
+        </p:spPr>
+        <p:txBody>
+          <a:bodyPr/>
+          <a:lstStyle/>
+          <a:p>
+            <a:r>
+              <a:rPr lang="en-US" dirty="0"/>
+              <a:t>Coding Activity</a:t>
+            </a:r>
+            <a:endParaRPr lang="en-US" sz="2800" dirty="0"/>
+          </a:p>
+        </p:txBody>
+      </p:sp>
+      <p:sp>
+        <p:nvSpPr>
+          <p:cNvPr id="3" name="Text Placeholder 2">
+            <a:extLst>
+              <a:ext uri="{FF2B5EF4-FFF2-40B4-BE49-F238E27FC236}">
+                <a16:creationId xmlns:a16="http://schemas.microsoft.com/office/drawing/2014/main" id="{AA3AC9A6-F14C-028B-44F0-F2F465A1F04E}"/>
+              </a:ext>
+            </a:extLst>
+          </p:cNvPr>
+          <p:cNvSpPr>
+            <a:spLocks noGrp="1"/>
+          </p:cNvSpPr>
+          <p:nvPr>
+            <p:ph type="body" sz="quarter" idx="10"/>
+          </p:nvPr>
+        </p:nvSpPr>
+        <p:spPr>
+          <a:xfrm>
+            <a:off x="415637" y="963289"/>
+            <a:ext cx="8008698" cy="2251129"/>
+          </a:xfrm>
+        </p:spPr>
+        <p:txBody>
+          <a:bodyPr/>
+          <a:lstStyle/>
+          <a:p>
+            <a:pPr>
+              <a:buClrTx/>
+            </a:pPr>
+            <a:r>
+              <a:rPr lang="en-US" sz="1800" dirty="0"/>
+              <a:t>With a Peer:</a:t>
+            </a:r>
+          </a:p>
+          <a:p>
+            <a:pPr lvl="1"/>
+            <a:r>
+              <a:rPr lang="en-US" sz="1668" dirty="0"/>
+              <a:t>Write a Python function that receives the name of a csv file, reads the content of the file and calculate the sum and average of the years old data. The average should be printed with 2 decimals after the point.</a:t>
+            </a:r>
+          </a:p>
+          <a:p>
+            <a:pPr lvl="1"/>
+            <a:r>
+              <a:rPr lang="en-US" sz="1668" dirty="0"/>
+              <a:t>Consider that the csv file has the following format.</a:t>
+            </a:r>
+          </a:p>
+          <a:p>
+            <a:pPr>
+              <a:buClrTx/>
+            </a:pPr>
+            <a:r>
+              <a:rPr lang="en-US" sz="1800" dirty="0"/>
+              <a:t>Tip: rewrite the </a:t>
+            </a:r>
+            <a:r>
+              <a:rPr lang="en-US" sz="1800" dirty="0" err="1"/>
+              <a:t>readCSVFile</a:t>
+            </a:r>
+            <a:r>
+              <a:rPr lang="en-US" sz="1800" dirty="0"/>
+              <a:t> function provided in Canvas.</a:t>
+            </a:r>
+          </a:p>
+        </p:txBody>
+      </p:sp>
+      <p:pic>
+        <p:nvPicPr>
+          <p:cNvPr id="5" name="Picture 4">
+            <a:extLst>
+              <a:ext uri="{FF2B5EF4-FFF2-40B4-BE49-F238E27FC236}">
+                <a16:creationId xmlns:a16="http://schemas.microsoft.com/office/drawing/2014/main" id="{530245BA-7C77-BBAE-E798-647D13B273BC}"/>
+              </a:ext>
+            </a:extLst>
+          </p:cNvPr>
+          <p:cNvPicPr>
+            <a:picLocks noChangeAspect="1"/>
+          </p:cNvPicPr>
+          <p:nvPr/>
+        </p:nvPicPr>
+        <p:blipFill>
+          <a:blip r:embed="rId2"/>
+          <a:stretch>
+            <a:fillRect/>
+          </a:stretch>
+        </p:blipFill>
+        <p:spPr>
+          <a:xfrm>
+            <a:off x="3938587" y="3274483"/>
+            <a:ext cx="1266825" cy="1371600"/>
+          </a:xfrm>
+          <a:prstGeom prst="rect">
+            <a:avLst/>
+          </a:prstGeom>
+        </p:spPr>
+      </p:pic>
+    </p:spTree>
+    <p:extLst>
+      <p:ext uri="{BB962C8B-B14F-4D97-AF65-F5344CB8AC3E}">
+        <p14:creationId xmlns:p14="http://schemas.microsoft.com/office/powerpoint/2010/main" val="2032096474"/>
+      </p:ext>
+    </p:extLst>
+  </p:cSld>
+  <p:clrMapOvr>
+    <a:masterClrMapping/>
+  </p:clrMapOvr>
+  <mc:AlternateContent xmlns:mc="http://schemas.openxmlformats.org/markup-compatibility/2006" xmlns:p14="http://schemas.microsoft.com/office/powerpoint/2010/main">
+    <mc:Choice Requires="p14">
+      <p:transition p14:dur="300">
+        <p:fade/>
+      </p:transition>
+    </mc:Choice>
+    <mc:Fallback xmlns="">
+      <p:transition>
+        <p:fade/>
+      </p:transition>
+    </mc:Fallback>
+  </mc:AlternateContent>
+</p:sld>
+</file>
+
+<file path=ppt/slides/slide13.xml><?xml version="1.0" encoding="utf-8"?>
+<p:sld xmlns:a="http://schemas.openxmlformats.org/drawingml/2006/main" xmlns:r="http://schemas.openxmlformats.org/officeDocument/2006/relationships" xmlns:p="http://schemas.openxmlformats.org/presentationml/2006/main">
+  <p:cSld>
+    <p:spTree>
+      <p:nvGrpSpPr>
+        <p:cNvPr id="1" name=""/>
+        <p:cNvGrpSpPr/>
+        <p:nvPr/>
+      </p:nvGrpSpPr>
+      <p:grpSpPr>
+        <a:xfrm>
+          <a:off x="0" y="0"/>
+          <a:ext cx="0" cy="0"/>
+          <a:chOff x="0" y="0"/>
+          <a:chExt cx="0" cy="0"/>
+        </a:xfrm>
+      </p:grpSpPr>
+      <p:sp>
+        <p:nvSpPr>
+          <p:cNvPr id="2" name="Title 1">
+            <a:extLst>
+              <a:ext uri="{FF2B5EF4-FFF2-40B4-BE49-F238E27FC236}">
+                <a16:creationId xmlns:a16="http://schemas.microsoft.com/office/drawing/2014/main" id="{6302E6FC-80C8-2F4C-A9F0-9B205434775A}"/>
+              </a:ext>
+            </a:extLst>
+          </p:cNvPr>
+          <p:cNvSpPr>
+            <a:spLocks noGrp="1"/>
+          </p:cNvSpPr>
+          <p:nvPr>
+            <p:ph type="title"/>
+          </p:nvPr>
+        </p:nvSpPr>
+        <p:spPr>
+          <a:xfrm>
+            <a:off x="415637" y="228600"/>
+            <a:ext cx="8312726" cy="734688"/>
+          </a:xfrm>
+        </p:spPr>
+        <p:txBody>
+          <a:bodyPr/>
+          <a:lstStyle/>
+          <a:p>
+            <a:r>
+              <a:rPr lang="en-US" dirty="0"/>
+              <a:t>Coding Activity</a:t>
+            </a:r>
+            <a:endParaRPr lang="en-US" sz="2800" dirty="0"/>
+          </a:p>
+        </p:txBody>
+      </p:sp>
+      <p:sp>
+        <p:nvSpPr>
+          <p:cNvPr id="3" name="Text Placeholder 2">
+            <a:extLst>
+              <a:ext uri="{FF2B5EF4-FFF2-40B4-BE49-F238E27FC236}">
+                <a16:creationId xmlns:a16="http://schemas.microsoft.com/office/drawing/2014/main" id="{AA3AC9A6-F14C-028B-44F0-F2F465A1F04E}"/>
+              </a:ext>
+            </a:extLst>
+          </p:cNvPr>
+          <p:cNvSpPr>
+            <a:spLocks noGrp="1"/>
+          </p:cNvSpPr>
+          <p:nvPr>
+            <p:ph type="body" sz="quarter" idx="10"/>
+          </p:nvPr>
+        </p:nvSpPr>
+        <p:spPr>
+          <a:xfrm>
+            <a:off x="415637" y="963289"/>
+            <a:ext cx="7023741" cy="2967223"/>
+          </a:xfrm>
+        </p:spPr>
+        <p:txBody>
+          <a:bodyPr/>
+          <a:lstStyle/>
+          <a:p>
+            <a:pPr>
+              <a:buClrTx/>
+            </a:pPr>
+            <a:r>
+              <a:rPr lang="en-US" sz="1800" dirty="0"/>
+              <a:t>With a Peer:</a:t>
+            </a:r>
+          </a:p>
+          <a:p>
+            <a:pPr lvl="1"/>
+            <a:r>
+              <a:rPr lang="en-US" sz="1668" dirty="0"/>
+              <a:t>Write a Python function that receives the name of a csv file, reads the content of the file and create a list with the years old that are in that file. Consider that the csv file has the format shown here.</a:t>
+            </a:r>
+          </a:p>
+          <a:p>
+            <a:pPr>
+              <a:buClrTx/>
+            </a:pPr>
+            <a:r>
+              <a:rPr lang="en-US" sz="1800" dirty="0"/>
+              <a:t>Tip: rewrite the </a:t>
+            </a:r>
+            <a:r>
+              <a:rPr lang="en-US" sz="1800" dirty="0" err="1"/>
+              <a:t>readCSVFile</a:t>
+            </a:r>
+            <a:r>
+              <a:rPr lang="en-US" sz="1800" dirty="0"/>
+              <a:t> function provided in Canvas.</a:t>
+            </a:r>
+          </a:p>
+          <a:p>
+            <a:pPr>
+              <a:buClrTx/>
+            </a:pPr>
+            <a:r>
+              <a:rPr lang="en-US" sz="1800" dirty="0"/>
+              <a:t>Write a new version of your function so the list generated do not have repeated numbers.</a:t>
+            </a:r>
+          </a:p>
+        </p:txBody>
+      </p:sp>
+      <p:pic>
+        <p:nvPicPr>
+          <p:cNvPr id="5" name="Picture 4">
+            <a:extLst>
+              <a:ext uri="{FF2B5EF4-FFF2-40B4-BE49-F238E27FC236}">
+                <a16:creationId xmlns:a16="http://schemas.microsoft.com/office/drawing/2014/main" id="{530245BA-7C77-BBAE-E798-647D13B273BC}"/>
+              </a:ext>
+            </a:extLst>
+          </p:cNvPr>
+          <p:cNvPicPr>
+            <a:picLocks noChangeAspect="1"/>
+          </p:cNvPicPr>
+          <p:nvPr/>
+        </p:nvPicPr>
+        <p:blipFill>
+          <a:blip r:embed="rId2"/>
+          <a:stretch>
+            <a:fillRect/>
+          </a:stretch>
+        </p:blipFill>
+        <p:spPr>
+          <a:xfrm>
+            <a:off x="7607476" y="1434394"/>
+            <a:ext cx="1266825" cy="1371600"/>
+          </a:xfrm>
+          <a:prstGeom prst="rect">
+            <a:avLst/>
+          </a:prstGeom>
+        </p:spPr>
+      </p:pic>
+    </p:spTree>
+    <p:extLst>
+      <p:ext uri="{BB962C8B-B14F-4D97-AF65-F5344CB8AC3E}">
+        <p14:creationId xmlns:p14="http://schemas.microsoft.com/office/powerpoint/2010/main" val="1881057471"/>
+      </p:ext>
+    </p:extLst>
+  </p:cSld>
+  <p:clrMapOvr>
+    <a:masterClrMapping/>
+  </p:clrMapOvr>
+  <mc:AlternateContent xmlns:mc="http://schemas.openxmlformats.org/markup-compatibility/2006" xmlns:p14="http://schemas.microsoft.com/office/powerpoint/2010/main">
+    <mc:Choice Requires="p14">
+      <p:transition p14:dur="300">
+        <p:fade/>
+      </p:transition>
+    </mc:Choice>
+    <mc:Fallback xmlns="">
+      <p:transition>
+        <p:fade/>
+      </p:transition>
+    </mc:Fallback>
+  </mc:AlternateContent>
+</p:sld>
+</file>
+
+<file path=ppt/slides/slide2.xml><?xml version="1.0" encoding="utf-8"?>
+<p:sld xmlns:a="http://schemas.openxmlformats.org/drawingml/2006/main" xmlns:r="http://schemas.openxmlformats.org/officeDocument/2006/relationships" xmlns:p="http://schemas.openxmlformats.org/presentationml/2006/main">
+  <p:cSld>
+    <p:spTree>
+      <p:nvGrpSpPr>
+        <p:cNvPr id="1" name=""/>
+        <p:cNvGrpSpPr/>
+        <p:nvPr/>
+      </p:nvGrpSpPr>
+      <p:grpSpPr>
+        <a:xfrm>
+          <a:off x="0" y="0"/>
+          <a:ext cx="0" cy="0"/>
+          <a:chOff x="0" y="0"/>
+          <a:chExt cx="0" cy="0"/>
+        </a:xfrm>
+      </p:grpSpPr>
+      <p:sp>
+        <p:nvSpPr>
+          <p:cNvPr id="5" name="Title 4">
+            <a:extLst>
+              <a:ext uri="{FF2B5EF4-FFF2-40B4-BE49-F238E27FC236}">
+                <a16:creationId xmlns:a16="http://schemas.microsoft.com/office/drawing/2014/main" id="{C41A88B0-CF49-5149-8DBA-17B1BA803727}"/>
+              </a:ext>
+            </a:extLst>
+          </p:cNvPr>
+          <p:cNvSpPr>
+            <a:spLocks noGrp="1"/>
+          </p:cNvSpPr>
+          <p:nvPr>
+            <p:ph type="title"/>
+          </p:nvPr>
+        </p:nvSpPr>
+        <p:spPr>
+          <a:xfrm>
+            <a:off x="179155" y="336084"/>
+            <a:ext cx="8312700" cy="672000"/>
+          </a:xfrm>
+        </p:spPr>
+        <p:txBody>
+          <a:bodyPr/>
+          <a:lstStyle/>
+          <a:p>
+            <a:r>
+              <a:rPr lang="en-US" dirty="0"/>
+              <a:t>Weekly Announcements! </a:t>
+            </a:r>
+          </a:p>
+        </p:txBody>
+      </p:sp>
+      <p:sp>
+        <p:nvSpPr>
+          <p:cNvPr id="7" name="TextBox 6">
+            <a:extLst>
+              <a:ext uri="{FF2B5EF4-FFF2-40B4-BE49-F238E27FC236}">
+                <a16:creationId xmlns:a16="http://schemas.microsoft.com/office/drawing/2014/main" id="{F1F79DD2-1F3F-234C-A44A-3A87D436D29A}"/>
+              </a:ext>
+            </a:extLst>
+          </p:cNvPr>
+          <p:cNvSpPr txBox="1"/>
+          <p:nvPr/>
+        </p:nvSpPr>
+        <p:spPr>
+          <a:xfrm>
+            <a:off x="476335" y="1245870"/>
+            <a:ext cx="5551932" cy="1815882"/>
+          </a:xfrm>
+          <a:prstGeom prst="rect">
+            <a:avLst/>
+          </a:prstGeom>
+          <a:noFill/>
+        </p:spPr>
+        <p:txBody>
+          <a:bodyPr wrap="square" rtlCol="0">
+            <a:spAutoFit/>
+          </a:bodyPr>
+          <a:lstStyle/>
+          <a:p>
+            <a:r>
+              <a:rPr lang="en-US" dirty="0"/>
+              <a:t>TODO Reminders:</a:t>
+            </a:r>
+          </a:p>
+          <a:p>
+            <a:endParaRPr lang="en-US" dirty="0"/>
+          </a:p>
+          <a:p>
+            <a:pPr marL="285750" indent="-285750">
+              <a:buFont typeface="Arial" panose="020B0604020202020204" pitchFamily="34" charset="0"/>
+              <a:buChar char="•"/>
+            </a:pPr>
+            <a:r>
+              <a:rPr lang="en-US" dirty="0"/>
+              <a:t>Reading 9 (zybooks) – you should have already done that </a:t>
+            </a:r>
+            <a:r>
+              <a:rPr lang="en-US" dirty="0">
+                <a:sym typeface="Wingdings" panose="05000000000000000000" pitchFamily="2" charset="2"/>
+              </a:rPr>
+              <a:t></a:t>
+            </a:r>
+            <a:endParaRPr lang="en-US" dirty="0"/>
+          </a:p>
+          <a:p>
+            <a:pPr marL="285750" indent="-285750">
+              <a:buFont typeface="Arial" panose="020B0604020202020204" pitchFamily="34" charset="0"/>
+              <a:buChar char="•"/>
+            </a:pPr>
+            <a:r>
+              <a:rPr lang="en-US" dirty="0"/>
+              <a:t>Lab 06</a:t>
+            </a:r>
+          </a:p>
+          <a:p>
+            <a:pPr marL="285750" indent="-285750">
+              <a:buFont typeface="Arial" panose="020B0604020202020204" pitchFamily="34" charset="0"/>
+              <a:buChar char="•"/>
+            </a:pPr>
+            <a:r>
+              <a:rPr lang="en-US" dirty="0"/>
+              <a:t>Reading 10 (zybooks) – you should have already done that </a:t>
+            </a:r>
+            <a:r>
+              <a:rPr lang="en-US" dirty="0">
+                <a:sym typeface="Wingdings" panose="05000000000000000000" pitchFamily="2" charset="2"/>
+              </a:rPr>
+              <a:t></a:t>
+            </a:r>
+            <a:endParaRPr lang="en-US" dirty="0"/>
+          </a:p>
+          <a:p>
+            <a:pPr marL="285750" indent="-285750">
+              <a:buFont typeface="Arial" panose="020B0604020202020204" pitchFamily="34" charset="0"/>
+              <a:buChar char="•"/>
+            </a:pPr>
+            <a:r>
+              <a:rPr lang="en-US" dirty="0"/>
+              <a:t>Lab 07</a:t>
+            </a:r>
+          </a:p>
+          <a:p>
+            <a:pPr marL="285750" indent="-285750">
+              <a:buFont typeface="Arial" panose="020B0604020202020204" pitchFamily="34" charset="0"/>
+              <a:buChar char="•"/>
+            </a:pPr>
+            <a:r>
+              <a:rPr lang="en-US"/>
+              <a:t>Reading 11 </a:t>
+            </a:r>
+            <a:r>
+              <a:rPr lang="en-US" dirty="0"/>
+              <a:t>(zybooks) – you should have already done that </a:t>
+            </a:r>
+            <a:r>
+              <a:rPr lang="en-US" dirty="0">
+                <a:sym typeface="Wingdings" panose="05000000000000000000" pitchFamily="2" charset="2"/>
+              </a:rPr>
+              <a:t></a:t>
+            </a:r>
+            <a:endParaRPr lang="en-US" dirty="0"/>
+          </a:p>
+          <a:p>
+            <a:endParaRPr lang="en-US" dirty="0"/>
+          </a:p>
+        </p:txBody>
+      </p:sp>
+      <p:pic>
+        <p:nvPicPr>
+          <p:cNvPr id="1030" name="Picture 6" descr="We Can Do Hard Things Printable – Let's DIY It All – With Kritsyn Merkley">
+            <a:extLst>
+              <a:ext uri="{FF2B5EF4-FFF2-40B4-BE49-F238E27FC236}">
+                <a16:creationId xmlns:a16="http://schemas.microsoft.com/office/drawing/2014/main" id="{83D0F5CD-1EEC-604C-481A-8DF8AE1231FF}"/>
+              </a:ext>
+            </a:extLst>
+          </p:cNvPr>
+          <p:cNvPicPr>
+            <a:picLocks noChangeAspect="1" noChangeArrowheads="1"/>
+          </p:cNvPicPr>
+          <p:nvPr/>
+        </p:nvPicPr>
+        <p:blipFill>
+          <a:blip r:embed="rId2">
+            <a:extLst>
+              <a:ext uri="{28A0092B-C50C-407E-A947-70E740481C1C}">
+                <a14:useLocalDpi xmlns:a14="http://schemas.microsoft.com/office/drawing/2010/main" val="0"/>
+              </a:ext>
+            </a:extLst>
+          </a:blip>
+          <a:srcRect/>
+          <a:stretch>
+            <a:fillRect/>
+          </a:stretch>
+        </p:blipFill>
+        <p:spPr bwMode="auto">
+          <a:xfrm>
+            <a:off x="5811582" y="-169333"/>
+            <a:ext cx="3434018" cy="2652889"/>
+          </a:xfrm>
+          <a:prstGeom prst="rect">
+            <a:avLst/>
+          </a:prstGeom>
+          <a:noFill/>
+          <a:extLst>
+            <a:ext uri="{909E8E84-426E-40DD-AFC4-6F175D3DCCD1}">
+              <a14:hiddenFill xmlns:a14="http://schemas.microsoft.com/office/drawing/2010/main">
+                <a:solidFill>
+                  <a:srgbClr val="FFFFFF"/>
+                </a:solidFill>
+              </a14:hiddenFill>
+            </a:ext>
+          </a:extLst>
+        </p:spPr>
+      </p:pic>
+    </p:spTree>
+    <p:extLst>
+      <p:ext uri="{BB962C8B-B14F-4D97-AF65-F5344CB8AC3E}">
+        <p14:creationId xmlns:p14="http://schemas.microsoft.com/office/powerpoint/2010/main" val="2954226462"/>
+      </p:ext>
+    </p:extLst>
+  </p:cSld>
+  <p:clrMapOvr>
+    <a:masterClrMapping/>
+  </p:clrMapOvr>
+  <p:transition>
+    <p:fade/>
+  </p:transition>
+</p:sld>
+</file>
+
+<file path=ppt/slides/slide3.xml><?xml version="1.0" encoding="utf-8"?>
+<p:sld xmlns:a="http://schemas.openxmlformats.org/drawingml/2006/main" xmlns:r="http://schemas.openxmlformats.org/officeDocument/2006/relationships" xmlns:p="http://schemas.openxmlformats.org/presentationml/2006/main">
+  <p:cSld>
+    <p:spTree>
+      <p:nvGrpSpPr>
+        <p:cNvPr id="1" name=""/>
+        <p:cNvGrpSpPr/>
+        <p:nvPr/>
+      </p:nvGrpSpPr>
+      <p:grpSpPr>
+        <a:xfrm>
+          <a:off x="0" y="0"/>
+          <a:ext cx="0" cy="0"/>
+          <a:chOff x="0" y="0"/>
+          <a:chExt cx="0" cy="0"/>
+        </a:xfrm>
+      </p:grpSpPr>
+      <p:sp>
+        <p:nvSpPr>
+          <p:cNvPr id="2" name="Title 1">
+            <a:extLst>
+              <a:ext uri="{FF2B5EF4-FFF2-40B4-BE49-F238E27FC236}">
+                <a16:creationId xmlns:a16="http://schemas.microsoft.com/office/drawing/2014/main" id="{6302E6FC-80C8-2F4C-A9F0-9B205434775A}"/>
+              </a:ext>
+            </a:extLst>
+          </p:cNvPr>
+          <p:cNvSpPr>
+            <a:spLocks noGrp="1"/>
+          </p:cNvSpPr>
+          <p:nvPr>
+            <p:ph type="title"/>
+          </p:nvPr>
+        </p:nvSpPr>
+        <p:spPr>
+          <a:xfrm>
+            <a:off x="415637" y="228600"/>
+            <a:ext cx="8312726" cy="734688"/>
+          </a:xfrm>
+        </p:spPr>
+        <p:txBody>
+          <a:bodyPr/>
+          <a:lstStyle/>
+          <a:p>
+            <a:r>
+              <a:rPr lang="en-US" dirty="0"/>
+              <a:t>Recall Activity</a:t>
+            </a:r>
+            <a:endParaRPr lang="en-US" sz="2800" dirty="0"/>
+          </a:p>
+        </p:txBody>
+      </p:sp>
+      <p:sp>
+        <p:nvSpPr>
+          <p:cNvPr id="3" name="Text Placeholder 2">
+            <a:extLst>
+              <a:ext uri="{FF2B5EF4-FFF2-40B4-BE49-F238E27FC236}">
+                <a16:creationId xmlns:a16="http://schemas.microsoft.com/office/drawing/2014/main" id="{93E01694-2C32-BA4D-B6F8-4BE99716E841}"/>
+              </a:ext>
+            </a:extLst>
+          </p:cNvPr>
+          <p:cNvSpPr>
+            <a:spLocks noGrp="1"/>
+          </p:cNvSpPr>
+          <p:nvPr>
+            <p:ph type="body" sz="quarter" idx="10"/>
+          </p:nvPr>
+        </p:nvSpPr>
+        <p:spPr>
+          <a:xfrm>
+            <a:off x="415637" y="1106733"/>
+            <a:ext cx="8312726" cy="1786386"/>
+          </a:xfrm>
+        </p:spPr>
+        <p:txBody>
+          <a:bodyPr/>
+          <a:lstStyle/>
+          <a:p>
+            <a:pPr>
+              <a:buClrTx/>
+            </a:pPr>
+            <a:r>
+              <a:rPr lang="en-US" sz="1800" dirty="0"/>
+              <a:t>What is string slicing? Explain with your own words.</a:t>
+            </a:r>
+          </a:p>
+          <a:p>
+            <a:pPr>
+              <a:buClrTx/>
+            </a:pPr>
+            <a:endParaRPr lang="en-US" sz="1800" dirty="0"/>
+          </a:p>
+          <a:p>
+            <a:r>
+              <a:rPr lang="en-US" sz="1800"/>
+              <a:t>Have this written in a paper, you will turn in at the end of the class.</a:t>
+            </a:r>
+          </a:p>
+          <a:p>
+            <a:pPr>
+              <a:buClrTx/>
+            </a:pPr>
+            <a:endParaRPr lang="en-US" sz="1800" dirty="0"/>
+          </a:p>
+        </p:txBody>
+      </p:sp>
+    </p:spTree>
+    <p:extLst>
+      <p:ext uri="{BB962C8B-B14F-4D97-AF65-F5344CB8AC3E}">
+        <p14:creationId xmlns:p14="http://schemas.microsoft.com/office/powerpoint/2010/main" val="1172125351"/>
+      </p:ext>
+    </p:extLst>
+  </p:cSld>
+  <p:clrMapOvr>
+    <a:masterClrMapping/>
+  </p:clrMapOvr>
+  <mc:AlternateContent xmlns:mc="http://schemas.openxmlformats.org/markup-compatibility/2006" xmlns:p14="http://schemas.microsoft.com/office/powerpoint/2010/main">
+    <mc:Choice Requires="p14">
+      <p:transition p14:dur="300">
+        <p:fade/>
+      </p:transition>
+    </mc:Choice>
+    <mc:Fallback xmlns="">
+      <p:transition>
+        <p:fade/>
+      </p:transition>
+    </mc:Fallback>
+  </mc:AlternateContent>
+</p:sld>
+</file>
+
+<file path=ppt/slides/slide4.xml><?xml version="1.0" encoding="utf-8"?>
+<p:sld xmlns:a="http://schemas.openxmlformats.org/drawingml/2006/main" xmlns:r="http://schemas.openxmlformats.org/officeDocument/2006/relationships" xmlns:p="http://schemas.openxmlformats.org/presentationml/2006/main">
+  <p:cSld>
+    <p:spTree>
+      <p:nvGrpSpPr>
+        <p:cNvPr id="1" name=""/>
+        <p:cNvGrpSpPr/>
+        <p:nvPr/>
+      </p:nvGrpSpPr>
+      <p:grpSpPr>
+        <a:xfrm>
+          <a:off x="0" y="0"/>
+          <a:ext cx="0" cy="0"/>
+          <a:chOff x="0" y="0"/>
+          <a:chExt cx="0" cy="0"/>
+        </a:xfrm>
+      </p:grpSpPr>
+      <p:sp>
+        <p:nvSpPr>
+          <p:cNvPr id="2" name="Title 1">
+            <a:extLst>
+              <a:ext uri="{FF2B5EF4-FFF2-40B4-BE49-F238E27FC236}">
+                <a16:creationId xmlns:a16="http://schemas.microsoft.com/office/drawing/2014/main" id="{6302E6FC-80C8-2F4C-A9F0-9B205434775A}"/>
+              </a:ext>
+            </a:extLst>
+          </p:cNvPr>
+          <p:cNvSpPr>
+            <a:spLocks noGrp="1"/>
+          </p:cNvSpPr>
+          <p:nvPr>
+            <p:ph type="title"/>
+          </p:nvPr>
+        </p:nvSpPr>
+        <p:spPr>
+          <a:xfrm>
+            <a:off x="415637" y="228600"/>
+            <a:ext cx="8312726" cy="734688"/>
+          </a:xfrm>
+        </p:spPr>
+        <p:txBody>
+          <a:bodyPr/>
+          <a:lstStyle/>
+          <a:p>
+            <a:r>
+              <a:rPr lang="en-US" dirty="0"/>
+              <a:t>String Slicing</a:t>
+            </a:r>
+            <a:endParaRPr lang="en-US" sz="2800" dirty="0"/>
+          </a:p>
+        </p:txBody>
+      </p:sp>
+      <p:sp>
+        <p:nvSpPr>
+          <p:cNvPr id="3" name="Text Placeholder 2">
+            <a:extLst>
+              <a:ext uri="{FF2B5EF4-FFF2-40B4-BE49-F238E27FC236}">
+                <a16:creationId xmlns:a16="http://schemas.microsoft.com/office/drawing/2014/main" id="{93E01694-2C32-BA4D-B6F8-4BE99716E841}"/>
+              </a:ext>
+            </a:extLst>
+          </p:cNvPr>
+          <p:cNvSpPr>
+            <a:spLocks noGrp="1"/>
+          </p:cNvSpPr>
+          <p:nvPr>
+            <p:ph type="body" sz="quarter" idx="10"/>
+          </p:nvPr>
+        </p:nvSpPr>
+        <p:spPr>
+          <a:xfrm>
+            <a:off x="415637" y="1106733"/>
+            <a:ext cx="8312726" cy="1608133"/>
+          </a:xfrm>
+        </p:spPr>
+        <p:txBody>
+          <a:bodyPr/>
+          <a:lstStyle/>
+          <a:p>
+            <a:pPr>
+              <a:buClrTx/>
+            </a:pPr>
+            <a:r>
+              <a:rPr lang="en-US" sz="1800" dirty="0"/>
+              <a:t>Slice notation has the form:</a:t>
+            </a:r>
+          </a:p>
+          <a:p>
+            <a:pPr lvl="1"/>
+            <a:r>
+              <a:rPr lang="en-US" sz="1668" dirty="0" err="1"/>
+              <a:t>my_str</a:t>
+            </a:r>
+            <a:r>
+              <a:rPr lang="en-US" sz="1668" dirty="0"/>
+              <a:t>[</a:t>
+            </a:r>
+            <a:r>
+              <a:rPr lang="en-US" sz="1668" dirty="0" err="1"/>
+              <a:t>start:end</a:t>
+            </a:r>
+            <a:r>
+              <a:rPr lang="en-US" sz="1668" dirty="0"/>
+              <a:t>]</a:t>
+            </a:r>
+          </a:p>
+          <a:p>
+            <a:r>
+              <a:rPr lang="en-US" sz="1800" dirty="0"/>
+              <a:t>creates a new string whose value contains the characters of </a:t>
+            </a:r>
+            <a:r>
+              <a:rPr lang="en-US" sz="1800" dirty="0" err="1"/>
+              <a:t>my_str</a:t>
+            </a:r>
+            <a:r>
+              <a:rPr lang="en-US" sz="1800" dirty="0"/>
+              <a:t> from indices start to end - 1</a:t>
+            </a:r>
+          </a:p>
+        </p:txBody>
+      </p:sp>
+      <p:sp>
+        <p:nvSpPr>
+          <p:cNvPr id="7" name="TextBox 6">
+            <a:extLst>
+              <a:ext uri="{FF2B5EF4-FFF2-40B4-BE49-F238E27FC236}">
+                <a16:creationId xmlns:a16="http://schemas.microsoft.com/office/drawing/2014/main" id="{569BB329-A367-11F4-C3C7-96CEB776D7D7}"/>
+              </a:ext>
+            </a:extLst>
+          </p:cNvPr>
+          <p:cNvSpPr txBox="1"/>
+          <p:nvPr/>
+        </p:nvSpPr>
+        <p:spPr>
+          <a:xfrm>
+            <a:off x="716844" y="2858311"/>
+            <a:ext cx="4058356" cy="1077218"/>
+          </a:xfrm>
+          <a:prstGeom prst="rect">
+            <a:avLst/>
+          </a:prstGeom>
+          <a:noFill/>
+          <a:ln>
+            <a:solidFill>
+              <a:schemeClr val="accent1"/>
+            </a:solidFill>
+          </a:ln>
+        </p:spPr>
+        <p:txBody>
+          <a:bodyPr wrap="square">
+            <a:spAutoFit/>
+          </a:bodyPr>
+          <a:lstStyle/>
+          <a:p>
+            <a:r>
+              <a:rPr lang="en-US" sz="1600" dirty="0">
+                <a:latin typeface="Courier New" panose="02070309020205020404" pitchFamily="49" charset="0"/>
+                <a:cs typeface="Courier New" panose="02070309020205020404" pitchFamily="49" charset="0"/>
+              </a:rPr>
+              <a:t>str = "CS152 - Python for STEM"</a:t>
+            </a:r>
+          </a:p>
+          <a:p>
+            <a:r>
+              <a:rPr lang="en-US" sz="1600" dirty="0">
+                <a:latin typeface="Courier New" panose="02070309020205020404" pitchFamily="49" charset="0"/>
+                <a:cs typeface="Courier New" panose="02070309020205020404" pitchFamily="49" charset="0"/>
+              </a:rPr>
+              <a:t>str_Cs152 = str[0:5]</a:t>
+            </a:r>
+          </a:p>
+          <a:p>
+            <a:r>
+              <a:rPr lang="en-US" sz="1600" dirty="0">
+                <a:latin typeface="Courier New" panose="02070309020205020404" pitchFamily="49" charset="0"/>
+                <a:cs typeface="Courier New" panose="02070309020205020404" pitchFamily="49" charset="0"/>
+              </a:rPr>
+              <a:t>print(str)</a:t>
+            </a:r>
+          </a:p>
+          <a:p>
+            <a:r>
+              <a:rPr lang="en-US" sz="1600" dirty="0">
+                <a:latin typeface="Courier New" panose="02070309020205020404" pitchFamily="49" charset="0"/>
+                <a:cs typeface="Courier New" panose="02070309020205020404" pitchFamily="49" charset="0"/>
+              </a:rPr>
+              <a:t>print(str_Cs152)</a:t>
+            </a:r>
+          </a:p>
+        </p:txBody>
+      </p:sp>
+      <p:sp>
+        <p:nvSpPr>
+          <p:cNvPr id="8" name="TextBox 7">
+            <a:extLst>
+              <a:ext uri="{FF2B5EF4-FFF2-40B4-BE49-F238E27FC236}">
+                <a16:creationId xmlns:a16="http://schemas.microsoft.com/office/drawing/2014/main" id="{5F11F223-925B-47EE-3816-92E6F40C4460}"/>
+              </a:ext>
+            </a:extLst>
+          </p:cNvPr>
+          <p:cNvSpPr txBox="1"/>
+          <p:nvPr/>
+        </p:nvSpPr>
+        <p:spPr>
+          <a:xfrm>
+            <a:off x="5384799" y="2871227"/>
+            <a:ext cx="1848583" cy="369332"/>
+          </a:xfrm>
+          <a:prstGeom prst="rect">
+            <a:avLst/>
+          </a:prstGeom>
+          <a:solidFill>
+            <a:schemeClr val="accent6">
+              <a:lumMod val="40000"/>
+              <a:lumOff val="60000"/>
+            </a:schemeClr>
+          </a:solidFill>
+        </p:spPr>
+        <p:txBody>
+          <a:bodyPr wrap="none" rtlCol="0">
+            <a:spAutoFit/>
+          </a:bodyPr>
+          <a:lstStyle/>
+          <a:p>
+            <a:r>
+              <a:rPr lang="en-US" sz="1800" dirty="0">
+                <a:latin typeface="Proxima Nova"/>
+              </a:rPr>
+              <a:t>What is printed?</a:t>
+            </a:r>
+          </a:p>
+        </p:txBody>
+      </p:sp>
+      <p:sp>
+        <p:nvSpPr>
+          <p:cNvPr id="9" name="TextBox 8">
+            <a:extLst>
+              <a:ext uri="{FF2B5EF4-FFF2-40B4-BE49-F238E27FC236}">
+                <a16:creationId xmlns:a16="http://schemas.microsoft.com/office/drawing/2014/main" id="{19568FDC-A5D1-04D0-825E-F9347122D6CF}"/>
+              </a:ext>
+            </a:extLst>
+          </p:cNvPr>
+          <p:cNvSpPr txBox="1"/>
+          <p:nvPr/>
+        </p:nvSpPr>
+        <p:spPr>
+          <a:xfrm>
+            <a:off x="5384799" y="3396920"/>
+            <a:ext cx="3483646" cy="646331"/>
+          </a:xfrm>
+          <a:prstGeom prst="rect">
+            <a:avLst/>
+          </a:prstGeom>
+          <a:solidFill>
+            <a:schemeClr val="accent6">
+              <a:lumMod val="40000"/>
+              <a:lumOff val="60000"/>
+            </a:schemeClr>
+          </a:solidFill>
+        </p:spPr>
+        <p:txBody>
+          <a:bodyPr wrap="none" rtlCol="0">
+            <a:spAutoFit/>
+          </a:bodyPr>
+          <a:lstStyle/>
+          <a:p>
+            <a:r>
+              <a:rPr lang="en-US" sz="1800" dirty="0">
+                <a:latin typeface="Proxima Nova"/>
+              </a:rPr>
+              <a:t>What instructions should we use</a:t>
+            </a:r>
+          </a:p>
+          <a:p>
+            <a:r>
+              <a:rPr lang="en-US" sz="1800" dirty="0">
+                <a:latin typeface="Proxima Nova"/>
+              </a:rPr>
+              <a:t>to parse “Python” from str?</a:t>
+            </a:r>
+          </a:p>
+        </p:txBody>
+      </p:sp>
+    </p:spTree>
+    <p:extLst>
+      <p:ext uri="{BB962C8B-B14F-4D97-AF65-F5344CB8AC3E}">
+        <p14:creationId xmlns:p14="http://schemas.microsoft.com/office/powerpoint/2010/main" val="395494992"/>
+      </p:ext>
+    </p:extLst>
+  </p:cSld>
+  <p:clrMapOvr>
+    <a:masterClrMapping/>
+  </p:clrMapOvr>
+  <mc:AlternateContent xmlns:mc="http://schemas.openxmlformats.org/markup-compatibility/2006" xmlns:p14="http://schemas.microsoft.com/office/powerpoint/2010/main">
+    <mc:Choice Requires="p14">
+      <p:transition p14:dur="300">
+        <p:fade/>
+      </p:transition>
+    </mc:Choice>
+    <mc:Fallback xmlns="">
+      <p:transition>
+        <p:fade/>
+      </p:transition>
+    </mc:Fallback>
+  </mc:AlternateContent>
+  <p:timing>
+    <p:tnLst>
+      <p:par>
+        <p:cTn id="1" dur="indefinite" restart="never" nodeType="tmRoot">
+          <p:childTnLst>
+            <p:seq concurrent="1" nextAc="seek">
+              <p:cTn id="2" dur="indefinite" nodeType="mainSeq">
+                <p:childTnLst>
+                  <p:par>
+                    <p:cTn id="3" fill="hold">
+                      <p:stCondLst>
+                        <p:cond delay="indefinite"/>
+                      </p:stCondLst>
+                      <p:childTnLst>
+                        <p:par>
+                          <p:cTn id="4" fill="hold">
+                            <p:stCondLst>
+                              <p:cond delay="0"/>
+                            </p:stCondLst>
+                            <p:childTnLst>
+                              <p:par>
+                                <p:cTn id="5" presetID="1" presetClass="entr" presetSubtype="0" fill="hold" grpId="0" nodeType="clickEffect">
+                                  <p:stCondLst>
+                                    <p:cond delay="0"/>
+                                  </p:stCondLst>
+                                  <p:childTnLst>
+                                    <p:set>
+                                      <p:cBhvr>
+                                        <p:cTn id="6" dur="1" fill="hold">
+                                          <p:stCondLst>
+                                            <p:cond delay="0"/>
+                                          </p:stCondLst>
+                                        </p:cTn>
+                                        <p:tgtEl>
+                                          <p:spTgt spid="7"/>
+                                        </p:tgtEl>
+                                        <p:attrNameLst>
+                                          <p:attrName>style.visibility</p:attrName>
+                                        </p:attrNameLst>
+                                      </p:cBhvr>
+                                      <p:to>
+                                        <p:strVal val="visible"/>
+                                      </p:to>
+                                    </p:set>
+                                  </p:childTnLst>
+                                </p:cTn>
+                              </p:par>
+                            </p:childTnLst>
+                          </p:cTn>
+                        </p:par>
+                      </p:childTnLst>
+                    </p:cTn>
+                  </p:par>
+                  <p:par>
+                    <p:cTn id="7" fill="hold">
+                      <p:stCondLst>
+                        <p:cond delay="indefinite"/>
+                      </p:stCondLst>
+                      <p:childTnLst>
+                        <p:par>
+                          <p:cTn id="8" fill="hold">
+                            <p:stCondLst>
+                              <p:cond delay="0"/>
+                            </p:stCondLst>
+                            <p:childTnLst>
+                              <p:par>
+                                <p:cTn id="9" presetID="1" presetClass="entr" presetSubtype="0" fill="hold" grpId="0" nodeType="clickEffect">
+                                  <p:stCondLst>
+                                    <p:cond delay="0"/>
+                                  </p:stCondLst>
+                                  <p:childTnLst>
+                                    <p:set>
+                                      <p:cBhvr>
+                                        <p:cTn id="10" dur="1" fill="hold">
+                                          <p:stCondLst>
+                                            <p:cond delay="0"/>
+                                          </p:stCondLst>
+                                        </p:cTn>
+                                        <p:tgtEl>
+                                          <p:spTgt spid="8"/>
+                                        </p:tgtEl>
+                                        <p:attrNameLst>
+                                          <p:attrName>style.visibility</p:attrName>
+                                        </p:attrNameLst>
+                                      </p:cBhvr>
+                                      <p:to>
+                                        <p:strVal val="visible"/>
+                                      </p:to>
+                                    </p:set>
+                                  </p:childTnLst>
+                                </p:cTn>
+                              </p:par>
+                            </p:childTnLst>
+                          </p:cTn>
+                        </p:par>
+                      </p:childTnLst>
+                    </p:cTn>
+                  </p:par>
+                  <p:par>
+                    <p:cTn id="11" fill="hold">
+                      <p:stCondLst>
+                        <p:cond delay="indefinite"/>
+                      </p:stCondLst>
+                      <p:childTnLst>
+                        <p:par>
+                          <p:cTn id="12" fill="hold">
+                            <p:stCondLst>
+                              <p:cond delay="0"/>
+                            </p:stCondLst>
+                            <p:childTnLst>
+                              <p:par>
+                                <p:cTn id="13" presetID="1" presetClass="entr" presetSubtype="0" fill="hold" grpId="0" nodeType="clickEffect">
+                                  <p:stCondLst>
+                                    <p:cond delay="0"/>
+                                  </p:stCondLst>
+                                  <p:childTnLst>
+                                    <p:set>
+                                      <p:cBhvr>
+                                        <p:cTn id="14" dur="1" fill="hold">
+                                          <p:stCondLst>
+                                            <p:cond delay="0"/>
+                                          </p:stCondLst>
+                                        </p:cTn>
+                                        <p:tgtEl>
+                                          <p:spTgt spid="9"/>
+                                        </p:tgtEl>
+                                        <p:attrNameLst>
+                                          <p:attrName>style.visibility</p:attrName>
+                                        </p:attrNameLst>
+                                      </p:cBhvr>
+                                      <p:to>
+                                        <p:strVal val="visible"/>
+                                      </p:to>
+                                    </p:set>
+                                  </p:childTnLst>
+                                </p:cTn>
+                              </p:par>
+                            </p:childTnLst>
+                          </p:cTn>
+                        </p:par>
+                      </p:childTnLst>
+                    </p:cTn>
+                  </p:par>
+                </p:childTnLst>
+              </p:cTn>
+              <p:prevCondLst>
+                <p:cond evt="onPrev" delay="0">
+                  <p:tgtEl>
+                    <p:sldTgt/>
+                  </p:tgtEl>
+                </p:cond>
+              </p:prevCondLst>
+              <p:nextCondLst>
+                <p:cond evt="onNext" delay="0">
+                  <p:tgtEl>
+                    <p:sldTgt/>
+                  </p:tgtEl>
+                </p:cond>
+              </p:nextCondLst>
+            </p:seq>
+          </p:childTnLst>
+        </p:cTn>
+      </p:par>
+    </p:tnLst>
+    <p:bldLst>
+      <p:bldP spid="7" grpId="0" animBg="1"/>
+      <p:bldP spid="8" grpId="0" animBg="1"/>
+      <p:bldP spid="9" grpId="0" animBg="1"/>
+    </p:bldLst>
+  </p:timing>
+</p:sld>
+</file>
+
+<file path=ppt/slides/slide5.xml><?xml version="1.0" encoding="utf-8"?>
+<p:sld xmlns:a="http://schemas.openxmlformats.org/drawingml/2006/main" xmlns:r="http://schemas.openxmlformats.org/officeDocument/2006/relationships" xmlns:p="http://schemas.openxmlformats.org/presentationml/2006/main">
+  <p:cSld>
+    <p:spTree>
+      <p:nvGrpSpPr>
+        <p:cNvPr id="1" name=""/>
+        <p:cNvGrpSpPr/>
+        <p:nvPr/>
+      </p:nvGrpSpPr>
+      <p:grpSpPr>
+        <a:xfrm>
+          <a:off x="0" y="0"/>
+          <a:ext cx="0" cy="0"/>
+          <a:chOff x="0" y="0"/>
+          <a:chExt cx="0" cy="0"/>
+        </a:xfrm>
+      </p:grpSpPr>
+      <p:sp>
+        <p:nvSpPr>
+          <p:cNvPr id="2" name="Title 1">
+            <a:extLst>
+              <a:ext uri="{FF2B5EF4-FFF2-40B4-BE49-F238E27FC236}">
+                <a16:creationId xmlns:a16="http://schemas.microsoft.com/office/drawing/2014/main" id="{6302E6FC-80C8-2F4C-A9F0-9B205434775A}"/>
+              </a:ext>
+            </a:extLst>
+          </p:cNvPr>
+          <p:cNvSpPr>
+            <a:spLocks noGrp="1"/>
+          </p:cNvSpPr>
+          <p:nvPr>
+            <p:ph type="title"/>
+          </p:nvPr>
+        </p:nvSpPr>
+        <p:spPr>
+          <a:xfrm>
+            <a:off x="415637" y="228600"/>
+            <a:ext cx="8312726" cy="734688"/>
+          </a:xfrm>
+        </p:spPr>
+        <p:txBody>
+          <a:bodyPr/>
+          <a:lstStyle/>
+          <a:p>
+            <a:r>
+              <a:rPr lang="en-US" dirty="0"/>
+              <a:t>Slicing operations</a:t>
+            </a:r>
+            <a:endParaRPr lang="en-US" sz="2800" dirty="0"/>
+          </a:p>
+        </p:txBody>
+      </p:sp>
+      <p:pic>
+        <p:nvPicPr>
+          <p:cNvPr id="7" name="Picture 6">
+            <a:extLst>
+              <a:ext uri="{FF2B5EF4-FFF2-40B4-BE49-F238E27FC236}">
+                <a16:creationId xmlns:a16="http://schemas.microsoft.com/office/drawing/2014/main" id="{FCAB0652-5C28-DC26-A7A7-1C2EB7BED59A}"/>
+              </a:ext>
+            </a:extLst>
+          </p:cNvPr>
+          <p:cNvPicPr>
+            <a:picLocks noChangeAspect="1"/>
+          </p:cNvPicPr>
+          <p:nvPr/>
+        </p:nvPicPr>
+        <p:blipFill>
+          <a:blip r:embed="rId2"/>
+          <a:stretch>
+            <a:fillRect/>
+          </a:stretch>
+        </p:blipFill>
+        <p:spPr>
+          <a:xfrm>
+            <a:off x="600075" y="1152525"/>
+            <a:ext cx="7943850" cy="2838450"/>
+          </a:xfrm>
+          <a:prstGeom prst="rect">
+            <a:avLst/>
+          </a:prstGeom>
+        </p:spPr>
+      </p:pic>
+    </p:spTree>
+    <p:extLst>
+      <p:ext uri="{BB962C8B-B14F-4D97-AF65-F5344CB8AC3E}">
+        <p14:creationId xmlns:p14="http://schemas.microsoft.com/office/powerpoint/2010/main" val="2583827647"/>
+      </p:ext>
+    </p:extLst>
+  </p:cSld>
+  <p:clrMapOvr>
+    <a:masterClrMapping/>
+  </p:clrMapOvr>
+  <mc:AlternateContent xmlns:mc="http://schemas.openxmlformats.org/markup-compatibility/2006" xmlns:p14="http://schemas.microsoft.com/office/powerpoint/2010/main">
+    <mc:Choice Requires="p14">
+      <p:transition p14:dur="300">
+        <p:fade/>
+      </p:transition>
+    </mc:Choice>
+    <mc:Fallback xmlns="">
+      <p:transition>
+        <p:fade/>
+      </p:transition>
+    </mc:Fallback>
+  </mc:AlternateContent>
+</p:sld>
+</file>
+
+<file path=ppt/slides/slide6.xml><?xml version="1.0" encoding="utf-8"?>
+<p:sld xmlns:a="http://schemas.openxmlformats.org/drawingml/2006/main" xmlns:r="http://schemas.openxmlformats.org/officeDocument/2006/relationships" xmlns:p="http://schemas.openxmlformats.org/presentationml/2006/main">
+  <p:cSld>
+    <p:spTree>
+      <p:nvGrpSpPr>
+        <p:cNvPr id="1" name=""/>
+        <p:cNvGrpSpPr/>
+        <p:nvPr/>
+      </p:nvGrpSpPr>
+      <p:grpSpPr>
+        <a:xfrm>
+          <a:off x="0" y="0"/>
+          <a:ext cx="0" cy="0"/>
+          <a:chOff x="0" y="0"/>
+          <a:chExt cx="0" cy="0"/>
+        </a:xfrm>
+      </p:grpSpPr>
+      <p:sp>
+        <p:nvSpPr>
+          <p:cNvPr id="2" name="Title 1">
+            <a:extLst>
+              <a:ext uri="{FF2B5EF4-FFF2-40B4-BE49-F238E27FC236}">
+                <a16:creationId xmlns:a16="http://schemas.microsoft.com/office/drawing/2014/main" id="{6302E6FC-80C8-2F4C-A9F0-9B205434775A}"/>
+              </a:ext>
+            </a:extLst>
+          </p:cNvPr>
+          <p:cNvSpPr>
+            <a:spLocks noGrp="1"/>
+          </p:cNvSpPr>
+          <p:nvPr>
+            <p:ph type="title"/>
+          </p:nvPr>
+        </p:nvSpPr>
+        <p:spPr>
+          <a:xfrm>
+            <a:off x="415637" y="347735"/>
+            <a:ext cx="8312726" cy="615553"/>
+          </a:xfrm>
+        </p:spPr>
+        <p:txBody>
+          <a:bodyPr/>
+          <a:lstStyle/>
+          <a:p>
+            <a:r>
+              <a:rPr lang="en-US" sz="2800" dirty="0"/>
+              <a:t>Slice stride</a:t>
+            </a:r>
+          </a:p>
+        </p:txBody>
+      </p:sp>
+      <p:sp>
+        <p:nvSpPr>
+          <p:cNvPr id="3" name="Text Placeholder 2">
+            <a:extLst>
+              <a:ext uri="{FF2B5EF4-FFF2-40B4-BE49-F238E27FC236}">
+                <a16:creationId xmlns:a16="http://schemas.microsoft.com/office/drawing/2014/main" id="{93E01694-2C32-BA4D-B6F8-4BE99716E841}"/>
+              </a:ext>
+            </a:extLst>
+          </p:cNvPr>
+          <p:cNvSpPr>
+            <a:spLocks noGrp="1"/>
+          </p:cNvSpPr>
+          <p:nvPr>
+            <p:ph type="body" sz="quarter" idx="10"/>
+          </p:nvPr>
+        </p:nvSpPr>
+        <p:spPr>
+          <a:xfrm>
+            <a:off x="415637" y="1106733"/>
+            <a:ext cx="8312726" cy="1146211"/>
+          </a:xfrm>
+        </p:spPr>
+        <p:txBody>
+          <a:bodyPr/>
+          <a:lstStyle/>
+          <a:p>
+            <a:pPr>
+              <a:buClrTx/>
+            </a:pPr>
+            <a:r>
+              <a:rPr lang="en-US" sz="1800" dirty="0"/>
+              <a:t>Slice notation also provides for a third argument, known as the stride. The stride determines how much to increment the index after reading each element. </a:t>
+            </a:r>
+          </a:p>
+        </p:txBody>
+      </p:sp>
+      <p:pic>
+        <p:nvPicPr>
+          <p:cNvPr id="5" name="Picture 4">
+            <a:extLst>
+              <a:ext uri="{FF2B5EF4-FFF2-40B4-BE49-F238E27FC236}">
+                <a16:creationId xmlns:a16="http://schemas.microsoft.com/office/drawing/2014/main" id="{5B017D38-F454-2193-1F17-F41D865F6D91}"/>
+              </a:ext>
+            </a:extLst>
+          </p:cNvPr>
+          <p:cNvPicPr>
+            <a:picLocks noChangeAspect="1"/>
+          </p:cNvPicPr>
+          <p:nvPr/>
+        </p:nvPicPr>
+        <p:blipFill>
+          <a:blip r:embed="rId2"/>
+          <a:stretch>
+            <a:fillRect/>
+          </a:stretch>
+        </p:blipFill>
+        <p:spPr>
+          <a:xfrm>
+            <a:off x="0" y="2396389"/>
+            <a:ext cx="8965956" cy="1494326"/>
+          </a:xfrm>
+          <a:prstGeom prst="rect">
+            <a:avLst/>
+          </a:prstGeom>
+        </p:spPr>
+      </p:pic>
+    </p:spTree>
+    <p:extLst>
+      <p:ext uri="{BB962C8B-B14F-4D97-AF65-F5344CB8AC3E}">
+        <p14:creationId xmlns:p14="http://schemas.microsoft.com/office/powerpoint/2010/main" val="2447864037"/>
+      </p:ext>
+    </p:extLst>
+  </p:cSld>
+  <p:clrMapOvr>
+    <a:masterClrMapping/>
+  </p:clrMapOvr>
+  <mc:AlternateContent xmlns:mc="http://schemas.openxmlformats.org/markup-compatibility/2006" xmlns:p14="http://schemas.microsoft.com/office/powerpoint/2010/main">
+    <mc:Choice Requires="p14">
+      <p:transition p14:dur="300">
+        <p:fade/>
+      </p:transition>
+    </mc:Choice>
+    <mc:Fallback xmlns="">
+      <p:transition>
+        <p:fade/>
+      </p:transition>
+    </mc:Fallback>
+  </mc:AlternateContent>
+</p:sld>
+</file>
+
+<file path=ppt/slides/slide7.xml><?xml version="1.0" encoding="utf-8"?>
+<p:sld xmlns:a="http://schemas.openxmlformats.org/drawingml/2006/main" xmlns:r="http://schemas.openxmlformats.org/officeDocument/2006/relationships" xmlns:p="http://schemas.openxmlformats.org/presentationml/2006/main">
+  <p:cSld>
+    <p:spTree>
+      <p:nvGrpSpPr>
+        <p:cNvPr id="1" name=""/>
+        <p:cNvGrpSpPr/>
+        <p:nvPr/>
+      </p:nvGrpSpPr>
+      <p:grpSpPr>
+        <a:xfrm>
+          <a:off x="0" y="0"/>
+          <a:ext cx="0" cy="0"/>
+          <a:chOff x="0" y="0"/>
+          <a:chExt cx="0" cy="0"/>
+        </a:xfrm>
+      </p:grpSpPr>
+      <p:sp>
+        <p:nvSpPr>
+          <p:cNvPr id="2" name="Title 1">
+            <a:extLst>
+              <a:ext uri="{FF2B5EF4-FFF2-40B4-BE49-F238E27FC236}">
+                <a16:creationId xmlns:a16="http://schemas.microsoft.com/office/drawing/2014/main" id="{6302E6FC-80C8-2F4C-A9F0-9B205434775A}"/>
+              </a:ext>
+            </a:extLst>
+          </p:cNvPr>
+          <p:cNvSpPr>
+            <a:spLocks noGrp="1"/>
+          </p:cNvSpPr>
+          <p:nvPr>
+            <p:ph type="title"/>
+          </p:nvPr>
+        </p:nvSpPr>
+        <p:spPr>
+          <a:xfrm>
+            <a:off x="415637" y="228600"/>
+            <a:ext cx="8312726" cy="734688"/>
+          </a:xfrm>
+        </p:spPr>
+        <p:txBody>
+          <a:bodyPr/>
+          <a:lstStyle/>
+          <a:p>
+            <a:r>
+              <a:rPr lang="en-US" dirty="0"/>
+              <a:t>Field with</a:t>
+            </a:r>
+            <a:endParaRPr lang="en-US" sz="2800" dirty="0"/>
+          </a:p>
+        </p:txBody>
+      </p:sp>
+      <p:sp>
+        <p:nvSpPr>
+          <p:cNvPr id="7" name="Text Placeholder 2">
+            <a:extLst>
+              <a:ext uri="{FF2B5EF4-FFF2-40B4-BE49-F238E27FC236}">
+                <a16:creationId xmlns:a16="http://schemas.microsoft.com/office/drawing/2014/main" id="{E62DAD61-1EDD-AAE4-CFAB-8C7E3A83E836}"/>
+              </a:ext>
+            </a:extLst>
+          </p:cNvPr>
+          <p:cNvSpPr txBox="1">
+            <a:spLocks/>
+          </p:cNvSpPr>
+          <p:nvPr/>
+        </p:nvSpPr>
+        <p:spPr>
+          <a:xfrm>
+            <a:off x="415636" y="1106733"/>
+            <a:ext cx="8446141" cy="3096745"/>
+          </a:xfrm>
+          <a:prstGeom prst="rect">
+            <a:avLst/>
+          </a:prstGeom>
+        </p:spPr>
+        <p:txBody>
+          <a:bodyPr vert="horz" wrap="square" lIns="91440" tIns="91440" rIns="91440" bIns="91440" rtlCol="0">
+            <a:spAutoFit/>
+          </a:bodyPr>
+          <a:lstStyle>
+            <a:lvl1pPr marL="347254" indent="-347254" algn="l" defTabSz="463005" rtl="0" eaLnBrk="1" latinLnBrk="0" hangingPunct="1">
+              <a:lnSpc>
+                <a:spcPct val="120000"/>
+              </a:lnSpc>
+              <a:spcBef>
+                <a:spcPts val="397"/>
+              </a:spcBef>
+              <a:spcAft>
+                <a:spcPts val="397"/>
+              </a:spcAft>
+              <a:buFont typeface="Arial"/>
+              <a:buChar char="•"/>
+              <a:defRPr sz="1191" b="0" i="0" kern="1200">
+                <a:solidFill>
+                  <a:srgbClr val="092529"/>
+                </a:solidFill>
+                <a:latin typeface="Proxima Nova" charset="0"/>
+                <a:ea typeface="Proxima Nova" charset="0"/>
+                <a:cs typeface="Proxima Nova" charset="0"/>
+              </a:defRPr>
+            </a:lvl1pPr>
+            <a:lvl2pPr marL="752384" indent="-289379" algn="l" defTabSz="463005" rtl="0" eaLnBrk="1" latinLnBrk="0" hangingPunct="1">
+              <a:lnSpc>
+                <a:spcPct val="120000"/>
+              </a:lnSpc>
+              <a:spcBef>
+                <a:spcPts val="0"/>
+              </a:spcBef>
+              <a:spcAft>
+                <a:spcPts val="397"/>
+              </a:spcAft>
+              <a:buFont typeface="Arial"/>
+              <a:buChar char="–"/>
+              <a:defRPr sz="1059" b="0" i="0" kern="1200">
+                <a:solidFill>
+                  <a:srgbClr val="092529"/>
+                </a:solidFill>
+                <a:latin typeface="Proxima Nova" charset="0"/>
+                <a:ea typeface="Proxima Nova" charset="0"/>
+                <a:cs typeface="Proxima Nova" charset="0"/>
+              </a:defRPr>
+            </a:lvl2pPr>
+            <a:lvl3pPr marL="1157515" indent="-231502" algn="l" defTabSz="463005" rtl="0" eaLnBrk="1" latinLnBrk="0" hangingPunct="1">
+              <a:lnSpc>
+                <a:spcPct val="120000"/>
+              </a:lnSpc>
+              <a:spcBef>
+                <a:spcPts val="0"/>
+              </a:spcBef>
+              <a:spcAft>
+                <a:spcPts val="397"/>
+              </a:spcAft>
+              <a:buFont typeface="Arial"/>
+              <a:buChar char="•"/>
+              <a:defRPr sz="1059" b="0" i="0" kern="1200">
+                <a:solidFill>
+                  <a:srgbClr val="092529"/>
+                </a:solidFill>
+                <a:latin typeface="Proxima Nova" charset="0"/>
+                <a:ea typeface="Proxima Nova" charset="0"/>
+                <a:cs typeface="Proxima Nova" charset="0"/>
+              </a:defRPr>
+            </a:lvl3pPr>
+            <a:lvl4pPr marL="1620520" indent="-231502" algn="l" defTabSz="463005" rtl="0" eaLnBrk="1" latinLnBrk="0" hangingPunct="1">
+              <a:lnSpc>
+                <a:spcPct val="120000"/>
+              </a:lnSpc>
+              <a:spcBef>
+                <a:spcPts val="0"/>
+              </a:spcBef>
+              <a:spcAft>
+                <a:spcPts val="397"/>
+              </a:spcAft>
+              <a:buFont typeface="Arial"/>
+              <a:buChar char="–"/>
+              <a:defRPr sz="1059" b="0" i="0" kern="1200">
+                <a:solidFill>
+                  <a:srgbClr val="092529"/>
+                </a:solidFill>
+                <a:latin typeface="Proxima Nova" charset="0"/>
+                <a:ea typeface="Proxima Nova" charset="0"/>
+                <a:cs typeface="Proxima Nova" charset="0"/>
+              </a:defRPr>
+            </a:lvl4pPr>
+            <a:lvl5pPr marL="2083526" indent="-231502" algn="l" defTabSz="463005" rtl="0" eaLnBrk="1" latinLnBrk="0" hangingPunct="1">
+              <a:spcBef>
+                <a:spcPct val="20000"/>
+              </a:spcBef>
+              <a:buFont typeface="Arial"/>
+              <a:buChar char="»"/>
+              <a:defRPr sz="1091" b="0" kern="1200">
+                <a:solidFill>
+                  <a:srgbClr val="092529"/>
+                </a:solidFill>
+                <a:latin typeface="Franklin Gothic Book" charset="0"/>
+                <a:ea typeface="Franklin Gothic Book" charset="0"/>
+                <a:cs typeface="Franklin Gothic Book" charset="0"/>
+              </a:defRPr>
+            </a:lvl5pPr>
+            <a:lvl6pPr marL="2546532" indent="-231502" algn="l" defTabSz="463005" rtl="0" eaLnBrk="1" latinLnBrk="0" hangingPunct="1">
+              <a:spcBef>
+                <a:spcPct val="20000"/>
+              </a:spcBef>
+              <a:buFont typeface="Arial"/>
+              <a:buChar char="•"/>
+              <a:defRPr sz="2000" kern="1200">
+                <a:solidFill>
+                  <a:schemeClr val="tx1"/>
+                </a:solidFill>
+                <a:latin typeface="+mn-lt"/>
+                <a:ea typeface="+mn-ea"/>
+                <a:cs typeface="+mn-cs"/>
+              </a:defRPr>
+            </a:lvl6pPr>
+            <a:lvl7pPr marL="3009539" indent="-231502" algn="l" defTabSz="463005" rtl="0" eaLnBrk="1" latinLnBrk="0" hangingPunct="1">
+              <a:spcBef>
+                <a:spcPct val="20000"/>
+              </a:spcBef>
+              <a:buFont typeface="Arial"/>
+              <a:buChar char="•"/>
+              <a:defRPr sz="2000" kern="1200">
+                <a:solidFill>
+                  <a:schemeClr val="tx1"/>
+                </a:solidFill>
+                <a:latin typeface="+mn-lt"/>
+                <a:ea typeface="+mn-ea"/>
+                <a:cs typeface="+mn-cs"/>
+              </a:defRPr>
+            </a:lvl7pPr>
+            <a:lvl8pPr marL="3472543" indent="-231502" algn="l" defTabSz="463005" rtl="0" eaLnBrk="1" latinLnBrk="0" hangingPunct="1">
+              <a:spcBef>
+                <a:spcPct val="20000"/>
+              </a:spcBef>
+              <a:buFont typeface="Arial"/>
+              <a:buChar char="•"/>
+              <a:defRPr sz="2000" kern="1200">
+                <a:solidFill>
+                  <a:schemeClr val="tx1"/>
+                </a:solidFill>
+                <a:latin typeface="+mn-lt"/>
+                <a:ea typeface="+mn-ea"/>
+                <a:cs typeface="+mn-cs"/>
+              </a:defRPr>
+            </a:lvl8pPr>
+            <a:lvl9pPr marL="3935550" indent="-231502" algn="l" defTabSz="463005" rtl="0" eaLnBrk="1" latinLnBrk="0" hangingPunct="1">
+              <a:spcBef>
+                <a:spcPct val="20000"/>
+              </a:spcBef>
+              <a:buFont typeface="Arial"/>
+              <a:buChar char="•"/>
+              <a:defRPr sz="2000" kern="1200">
+                <a:solidFill>
+                  <a:schemeClr val="tx1"/>
+                </a:solidFill>
+                <a:latin typeface="+mn-lt"/>
+                <a:ea typeface="+mn-ea"/>
+                <a:cs typeface="+mn-cs"/>
+              </a:defRPr>
+            </a:lvl9pPr>
+          </a:lstStyle>
+          <a:p>
+            <a:pPr>
+              <a:buClrTx/>
+            </a:pPr>
+            <a:r>
+              <a:rPr lang="en-US" sz="1800" dirty="0"/>
+              <a:t>Defines the minimum number of characters that must be inserted into the string. </a:t>
+            </a:r>
+          </a:p>
+          <a:p>
+            <a:pPr>
+              <a:buClrTx/>
+            </a:pPr>
+            <a:r>
+              <a:rPr lang="en-US" sz="1800" dirty="0"/>
+              <a:t>If the replacement value is smaller in size than the given field width, then the string's left side is padded with space characters.</a:t>
+            </a:r>
+          </a:p>
+          <a:p>
+            <a:pPr>
+              <a:buClrTx/>
+            </a:pPr>
+            <a:r>
+              <a:rPr lang="en-US" sz="1800" dirty="0"/>
+              <a:t>Specify by including an integer after the colon</a:t>
+            </a:r>
+          </a:p>
+          <a:p>
+            <a:pPr lvl="1">
+              <a:buClrTx/>
+            </a:pPr>
+            <a:r>
+              <a:rPr lang="en-US" sz="1668" dirty="0"/>
+              <a:t>{name:16}</a:t>
+            </a:r>
+          </a:p>
+          <a:p>
+            <a:pPr lvl="1">
+              <a:buClrTx/>
+            </a:pPr>
+            <a:r>
+              <a:rPr lang="en-US" sz="1668" dirty="0"/>
+              <a:t>specify a width of 16 characters</a:t>
+            </a:r>
+          </a:p>
+          <a:p>
+            <a:pPr lvl="1">
+              <a:buClrTx/>
+            </a:pPr>
+            <a:endParaRPr lang="en-US" sz="1668" dirty="0"/>
+          </a:p>
+        </p:txBody>
+      </p:sp>
+    </p:spTree>
+    <p:extLst>
+      <p:ext uri="{BB962C8B-B14F-4D97-AF65-F5344CB8AC3E}">
+        <p14:creationId xmlns:p14="http://schemas.microsoft.com/office/powerpoint/2010/main" val="63851387"/>
+      </p:ext>
+    </p:extLst>
+  </p:cSld>
+  <p:clrMapOvr>
+    <a:masterClrMapping/>
+  </p:clrMapOvr>
+  <mc:AlternateContent xmlns:mc="http://schemas.openxmlformats.org/markup-compatibility/2006" xmlns:p14="http://schemas.microsoft.com/office/powerpoint/2010/main">
+    <mc:Choice Requires="p14">
+      <p:transition p14:dur="300">
+        <p:fade/>
+      </p:transition>
+    </mc:Choice>
+    <mc:Fallback xmlns="">
+      <p:transition>
+        <p:fade/>
+      </p:transition>
+    </mc:Fallback>
+  </mc:AlternateContent>
+</p:sld>
+</file>
+
+<file path=ppt/slides/slide8.xml><?xml version="1.0" encoding="utf-8"?>
+<p:sld xmlns:a="http://schemas.openxmlformats.org/drawingml/2006/main" xmlns:r="http://schemas.openxmlformats.org/officeDocument/2006/relationships" xmlns:p="http://schemas.openxmlformats.org/presentationml/2006/main">
+  <p:cSld>
+    <p:spTree>
+      <p:nvGrpSpPr>
+        <p:cNvPr id="1" name=""/>
+        <p:cNvGrpSpPr/>
+        <p:nvPr/>
+      </p:nvGrpSpPr>
+      <p:grpSpPr>
+        <a:xfrm>
+          <a:off x="0" y="0"/>
+          <a:ext cx="0" cy="0"/>
+          <a:chOff x="0" y="0"/>
+          <a:chExt cx="0" cy="0"/>
+        </a:xfrm>
+      </p:grpSpPr>
+      <p:sp>
+        <p:nvSpPr>
+          <p:cNvPr id="2" name="Title 1">
+            <a:extLst>
+              <a:ext uri="{FF2B5EF4-FFF2-40B4-BE49-F238E27FC236}">
+                <a16:creationId xmlns:a16="http://schemas.microsoft.com/office/drawing/2014/main" id="{6302E6FC-80C8-2F4C-A9F0-9B205434775A}"/>
+              </a:ext>
+            </a:extLst>
+          </p:cNvPr>
+          <p:cNvSpPr>
+            <a:spLocks noGrp="1"/>
+          </p:cNvSpPr>
+          <p:nvPr>
+            <p:ph type="title"/>
+          </p:nvPr>
+        </p:nvSpPr>
+        <p:spPr>
+          <a:xfrm>
+            <a:off x="415637" y="228600"/>
+            <a:ext cx="8312726" cy="734688"/>
+          </a:xfrm>
+        </p:spPr>
+        <p:txBody>
+          <a:bodyPr/>
+          <a:lstStyle/>
+          <a:p>
+            <a:r>
+              <a:rPr lang="en-US" dirty="0"/>
+              <a:t>Align Character</a:t>
+            </a:r>
+            <a:endParaRPr lang="en-US" sz="2800" dirty="0"/>
+          </a:p>
+        </p:txBody>
+      </p:sp>
+      <p:pic>
+        <p:nvPicPr>
+          <p:cNvPr id="8" name="Picture 7">
+            <a:extLst>
+              <a:ext uri="{FF2B5EF4-FFF2-40B4-BE49-F238E27FC236}">
+                <a16:creationId xmlns:a16="http://schemas.microsoft.com/office/drawing/2014/main" id="{D38F8637-16C8-70D1-4CE9-DB1585F92ED6}"/>
+              </a:ext>
+            </a:extLst>
+          </p:cNvPr>
+          <p:cNvPicPr>
+            <a:picLocks noChangeAspect="1"/>
+          </p:cNvPicPr>
+          <p:nvPr/>
+        </p:nvPicPr>
+        <p:blipFill>
+          <a:blip r:embed="rId2"/>
+          <a:stretch>
+            <a:fillRect/>
+          </a:stretch>
+        </p:blipFill>
+        <p:spPr>
+          <a:xfrm>
+            <a:off x="1095375" y="963288"/>
+            <a:ext cx="6752167" cy="3513667"/>
+          </a:xfrm>
+          <a:prstGeom prst="rect">
+            <a:avLst/>
+          </a:prstGeom>
+        </p:spPr>
+      </p:pic>
+    </p:spTree>
+    <p:extLst>
+      <p:ext uri="{BB962C8B-B14F-4D97-AF65-F5344CB8AC3E}">
+        <p14:creationId xmlns:p14="http://schemas.microsoft.com/office/powerpoint/2010/main" val="504985521"/>
+      </p:ext>
+    </p:extLst>
+  </p:cSld>
+  <p:clrMapOvr>
+    <a:masterClrMapping/>
+  </p:clrMapOvr>
+  <mc:AlternateContent xmlns:mc="http://schemas.openxmlformats.org/markup-compatibility/2006" xmlns:p14="http://schemas.microsoft.com/office/powerpoint/2010/main">
+    <mc:Choice Requires="p14">
+      <p:transition p14:dur="300">
+        <p:fade/>
+      </p:transition>
+    </mc:Choice>
+    <mc:Fallback xmlns="">
+      <p:transition>
+        <p:fade/>
+      </p:transition>
+    </mc:Fallback>
+  </mc:AlternateContent>
+</p:sld>
+</file>
+
+<file path=ppt/slides/slide9.xml><?xml version="1.0" encoding="utf-8"?>
+<p:sld xmlns:a="http://schemas.openxmlformats.org/drawingml/2006/main" xmlns:r="http://schemas.openxmlformats.org/officeDocument/2006/relationships" xmlns:p="http://schemas.openxmlformats.org/presentationml/2006/main">
+  <p:cSld>
+    <p:spTree>
+      <p:nvGrpSpPr>
+        <p:cNvPr id="1" name=""/>
+        <p:cNvGrpSpPr/>
+        <p:nvPr/>
+      </p:nvGrpSpPr>
+      <p:grpSpPr>
+        <a:xfrm>
+          <a:off x="0" y="0"/>
+          <a:ext cx="0" cy="0"/>
+          <a:chOff x="0" y="0"/>
+          <a:chExt cx="0" cy="0"/>
+        </a:xfrm>
+      </p:grpSpPr>
+      <p:sp>
+        <p:nvSpPr>
+          <p:cNvPr id="2" name="Title 1">
+            <a:extLst>
+              <a:ext uri="{FF2B5EF4-FFF2-40B4-BE49-F238E27FC236}">
+                <a16:creationId xmlns:a16="http://schemas.microsoft.com/office/drawing/2014/main" id="{6302E6FC-80C8-2F4C-A9F0-9B205434775A}"/>
+              </a:ext>
+            </a:extLst>
+          </p:cNvPr>
+          <p:cNvSpPr>
+            <a:spLocks noGrp="1"/>
+          </p:cNvSpPr>
+          <p:nvPr>
+            <p:ph type="title"/>
+          </p:nvPr>
+        </p:nvSpPr>
+        <p:spPr>
+          <a:xfrm>
+            <a:off x="415637" y="228600"/>
+            <a:ext cx="8312726" cy="734688"/>
+          </a:xfrm>
+        </p:spPr>
+        <p:txBody>
+          <a:bodyPr/>
+          <a:lstStyle/>
+          <a:p>
+            <a:r>
+              <a:rPr lang="en-US" dirty="0"/>
+              <a:t>Fill Character</a:t>
+            </a:r>
+            <a:endParaRPr lang="en-US" sz="2800" dirty="0"/>
+          </a:p>
+        </p:txBody>
+      </p:sp>
+      <p:sp>
+        <p:nvSpPr>
+          <p:cNvPr id="5" name="Text Placeholder 4">
+            <a:extLst>
+              <a:ext uri="{FF2B5EF4-FFF2-40B4-BE49-F238E27FC236}">
+                <a16:creationId xmlns:a16="http://schemas.microsoft.com/office/drawing/2014/main" id="{06BD483F-6EA5-978D-4744-845987B5A3E2}"/>
+              </a:ext>
+            </a:extLst>
+          </p:cNvPr>
+          <p:cNvSpPr>
+            <a:spLocks noGrp="1"/>
+          </p:cNvSpPr>
+          <p:nvPr>
+            <p:ph type="body" sz="quarter" idx="10"/>
+          </p:nvPr>
+        </p:nvSpPr>
+        <p:spPr>
+          <a:xfrm>
+            <a:off x="415637" y="1175746"/>
+            <a:ext cx="3862851" cy="2899543"/>
+          </a:xfrm>
+        </p:spPr>
+        <p:txBody>
+          <a:bodyPr/>
+          <a:lstStyle/>
+          <a:p>
+            <a:r>
+              <a:rPr lang="en-US" sz="1800" dirty="0">
+                <a:sym typeface="Arial"/>
+              </a:rPr>
+              <a:t>is used to pad a replacement field when the string being inserted is smaller than the field width</a:t>
+            </a:r>
+          </a:p>
+          <a:p>
+            <a:r>
+              <a:rPr lang="en-US" sz="1800" dirty="0">
+                <a:sym typeface="Arial"/>
+              </a:rPr>
+              <a:t>default fill character is whitespace</a:t>
+            </a:r>
+          </a:p>
+        </p:txBody>
+      </p:sp>
+      <p:pic>
+        <p:nvPicPr>
+          <p:cNvPr id="8" name="Picture 7">
+            <a:extLst>
+              <a:ext uri="{FF2B5EF4-FFF2-40B4-BE49-F238E27FC236}">
+                <a16:creationId xmlns:a16="http://schemas.microsoft.com/office/drawing/2014/main" id="{E8B8E1A7-2735-24F7-91E5-6801552FF087}"/>
+              </a:ext>
+            </a:extLst>
+          </p:cNvPr>
+          <p:cNvPicPr>
+            <a:picLocks noChangeAspect="1"/>
+          </p:cNvPicPr>
+          <p:nvPr/>
+        </p:nvPicPr>
+        <p:blipFill>
+          <a:blip r:embed="rId2"/>
+          <a:stretch>
+            <a:fillRect/>
+          </a:stretch>
+        </p:blipFill>
+        <p:spPr>
+          <a:xfrm>
+            <a:off x="4459111" y="595943"/>
+            <a:ext cx="4684889" cy="3616405"/>
+          </a:xfrm>
+          <a:prstGeom prst="rect">
+            <a:avLst/>
+          </a:prstGeom>
+        </p:spPr>
+      </p:pic>
+    </p:spTree>
+    <p:extLst>
+      <p:ext uri="{BB962C8B-B14F-4D97-AF65-F5344CB8AC3E}">
+        <p14:creationId xmlns:p14="http://schemas.microsoft.com/office/powerpoint/2010/main" val="858956034"/>
+      </p:ext>
+    </p:extLst>
+  </p:cSld>
+  <p:clrMapOvr>
+    <a:masterClrMapping/>
+  </p:clrMapOvr>
+  <mc:AlternateContent xmlns:mc="http://schemas.openxmlformats.org/markup-compatibility/2006" xmlns:p14="http://schemas.microsoft.com/office/powerpoint/2010/main">
+    <mc:Choice Requires="p14">
+      <p:transition p14:dur="300">
+        <p:fade/>
+      </p:transition>
+    </mc:Choice>
+    <mc:Fallback xmlns="">
+      <p:transition>
+        <p:fade/>
+      </p:transition>
+    </mc:Fallback>
+  </mc:AlternateContent>
 </p:sld>
 </file>
 
@@ -23824,16 +23425,16 @@
 <file path=customXml/itemProps2.xml><?xml version="1.0" encoding="utf-8"?>
 <ds:datastoreItem xmlns:ds="http://schemas.openxmlformats.org/officeDocument/2006/customXml" ds:itemID="{05D3EE4C-68D3-4BA3-94E6-383E2DFDD168}">
   <ds:schemaRefs>
+    <ds:schemaRef ds:uri="92c41bee-f0ee-4aa6-9399-a35fbb883510"/>
+    <ds:schemaRef ds:uri="http://schemas.openxmlformats.org/package/2006/metadata/core-properties"/>
     <ds:schemaRef ds:uri="http://schemas.microsoft.com/office/2006/documentManagement/types"/>
+    <ds:schemaRef ds:uri="http://schemas.microsoft.com/office/2006/metadata/properties"/>
     <ds:schemaRef ds:uri="http://schemas.microsoft.com/office/infopath/2007/PartnerControls"/>
+    <ds:schemaRef ds:uri="http://www.w3.org/XML/1998/namespace"/>
+    <ds:schemaRef ds:uri="http://purl.org/dc/elements/1.1/"/>
+    <ds:schemaRef ds:uri="http://purl.org/dc/terms/"/>
+    <ds:schemaRef ds:uri="e06ed288-fd75-4b50-bbed-f5a5df88c31c"/>
     <ds:schemaRef ds:uri="http://purl.org/dc/dcmitype/"/>
-    <ds:schemaRef ds:uri="http://purl.org/dc/elements/1.1/"/>
-    <ds:schemaRef ds:uri="e06ed288-fd75-4b50-bbed-f5a5df88c31c"/>
-    <ds:schemaRef ds:uri="http://schemas.microsoft.com/office/2006/metadata/properties"/>
-    <ds:schemaRef ds:uri="http://purl.org/dc/terms/"/>
-    <ds:schemaRef ds:uri="http://schemas.openxmlformats.org/package/2006/metadata/core-properties"/>
-    <ds:schemaRef ds:uri="92c41bee-f0ee-4aa6-9399-a35fbb883510"/>
-    <ds:schemaRef ds:uri="http://www.w3.org/XML/1998/namespace"/>
   </ds:schemaRefs>
 </ds:datastoreItem>
 </file>

--- a/05_03StringSlicesCS152.pptx
+++ b/05_03StringSlicesCS152.pptx
@@ -277,64 +277,28 @@
 <pc:chgInfo xmlns:a="http://schemas.openxmlformats.org/drawingml/2006/main" xmlns:r="http://schemas.openxmlformats.org/officeDocument/2006/relationships" xmlns:ac="http://schemas.microsoft.com/office/drawing/2013/main/command" xmlns:pc="http://schemas.microsoft.com/office/powerpoint/2013/main/command">
   <pc:docChgLst>
     <pc:chgData name="Marcia Moraes" userId="c9c67e8a-58e2-4733-9a1c-5d44fec4775b" providerId="ADAL" clId="{EFDCE6B1-AD84-4C29-8E32-498BB60A1686}"/>
-    <pc:docChg chg="custSel addSld modSld">
-      <pc:chgData name="Marcia Moraes" userId="c9c67e8a-58e2-4733-9a1c-5d44fec4775b" providerId="ADAL" clId="{EFDCE6B1-AD84-4C29-8E32-498BB60A1686}" dt="2023-02-12T23:44:43.152" v="105"/>
+  </pc:docChgLst>
+  <pc:docChgLst>
+    <pc:chgData name="Marcia Moraes" userId="c9c67e8a-58e2-4733-9a1c-5d44fec4775b" providerId="ADAL" clId="{E7B8EF6F-2CCA-4EFC-B0A7-F207FE17DEAA}"/>
+    <pc:docChg chg="modSld">
+      <pc:chgData name="Marcia Moraes" userId="c9c67e8a-58e2-4733-9a1c-5d44fec4775b" providerId="ADAL" clId="{E7B8EF6F-2CCA-4EFC-B0A7-F207FE17DEAA}" dt="2024-09-05T21:07:41.603" v="0"/>
       <pc:docMkLst>
         <pc:docMk/>
       </pc:docMkLst>
-      <pc:sldChg chg="delSp modSp delAnim">
-        <pc:chgData name="Marcia Moraes" userId="c9c67e8a-58e2-4733-9a1c-5d44fec4775b" providerId="ADAL" clId="{EFDCE6B1-AD84-4C29-8E32-498BB60A1686}" dt="2023-02-12T23:44:43.152" v="105"/>
+      <pc:sldChg chg="modSp">
+        <pc:chgData name="Marcia Moraes" userId="c9c67e8a-58e2-4733-9a1c-5d44fec4775b" providerId="ADAL" clId="{E7B8EF6F-2CCA-4EFC-B0A7-F207FE17DEAA}" dt="2024-09-05T21:07:41.603" v="0"/>
         <pc:sldMkLst>
           <pc:docMk/>
           <pc:sldMk cId="1172125351" sldId="288"/>
         </pc:sldMkLst>
         <pc:spChg chg="mod">
-          <ac:chgData name="Marcia Moraes" userId="c9c67e8a-58e2-4733-9a1c-5d44fec4775b" providerId="ADAL" clId="{EFDCE6B1-AD84-4C29-8E32-498BB60A1686}" dt="2023-02-12T23:43:38.566" v="15" actId="20577"/>
-          <ac:spMkLst>
-            <pc:docMk/>
-            <pc:sldMk cId="1172125351" sldId="288"/>
-            <ac:spMk id="2" creationId="{6302E6FC-80C8-2F4C-A9F0-9B205434775A}"/>
-          </ac:spMkLst>
-        </pc:spChg>
-        <pc:spChg chg="mod">
-          <ac:chgData name="Marcia Moraes" userId="c9c67e8a-58e2-4733-9a1c-5d44fec4775b" providerId="ADAL" clId="{EFDCE6B1-AD84-4C29-8E32-498BB60A1686}" dt="2023-02-12T23:44:43.152" v="105"/>
+          <ac:chgData name="Marcia Moraes" userId="c9c67e8a-58e2-4733-9a1c-5d44fec4775b" providerId="ADAL" clId="{E7B8EF6F-2CCA-4EFC-B0A7-F207FE17DEAA}" dt="2024-09-05T21:07:41.603" v="0"/>
           <ac:spMkLst>
             <pc:docMk/>
             <pc:sldMk cId="1172125351" sldId="288"/>
             <ac:spMk id="3" creationId="{93E01694-2C32-BA4D-B6F8-4BE99716E841}"/>
           </ac:spMkLst>
         </pc:spChg>
-        <pc:spChg chg="del">
-          <ac:chgData name="Marcia Moraes" userId="c9c67e8a-58e2-4733-9a1c-5d44fec4775b" providerId="ADAL" clId="{EFDCE6B1-AD84-4C29-8E32-498BB60A1686}" dt="2023-02-12T23:44:21.178" v="99" actId="478"/>
-          <ac:spMkLst>
-            <pc:docMk/>
-            <pc:sldMk cId="1172125351" sldId="288"/>
-            <ac:spMk id="7" creationId="{569BB329-A367-11F4-C3C7-96CEB776D7D7}"/>
-          </ac:spMkLst>
-        </pc:spChg>
-        <pc:spChg chg="del mod">
-          <ac:chgData name="Marcia Moraes" userId="c9c67e8a-58e2-4733-9a1c-5d44fec4775b" providerId="ADAL" clId="{EFDCE6B1-AD84-4C29-8E32-498BB60A1686}" dt="2023-02-12T23:44:22.414" v="101" actId="478"/>
-          <ac:spMkLst>
-            <pc:docMk/>
-            <pc:sldMk cId="1172125351" sldId="288"/>
-            <ac:spMk id="8" creationId="{5F11F223-925B-47EE-3816-92E6F40C4460}"/>
-          </ac:spMkLst>
-        </pc:spChg>
-        <pc:spChg chg="del">
-          <ac:chgData name="Marcia Moraes" userId="c9c67e8a-58e2-4733-9a1c-5d44fec4775b" providerId="ADAL" clId="{EFDCE6B1-AD84-4C29-8E32-498BB60A1686}" dt="2023-02-12T23:44:23.407" v="102" actId="478"/>
-          <ac:spMkLst>
-            <pc:docMk/>
-            <pc:sldMk cId="1172125351" sldId="288"/>
-            <ac:spMk id="9" creationId="{19568FDC-A5D1-04D0-825E-F9347122D6CF}"/>
-          </ac:spMkLst>
-        </pc:spChg>
-      </pc:sldChg>
-      <pc:sldChg chg="add">
-        <pc:chgData name="Marcia Moraes" userId="c9c67e8a-58e2-4733-9a1c-5d44fec4775b" providerId="ADAL" clId="{EFDCE6B1-AD84-4C29-8E32-498BB60A1686}" dt="2023-02-12T23:43:32.223" v="0"/>
-        <pc:sldMkLst>
-          <pc:docMk/>
-          <pc:sldMk cId="395494992" sldId="300"/>
-        </pc:sldMkLst>
       </pc:sldChg>
     </pc:docChg>
   </pc:docChgLst>
@@ -20922,9 +20886,13 @@
             <a:endParaRPr lang="en-US" sz="1800" dirty="0"/>
           </a:p>
           <a:p>
+            <a:pPr marL="285750" indent="-285750">
+              <a:buFont typeface="Arial" panose="020B0604020202020204" pitchFamily="34" charset="0"/>
+              <a:buChar char="•"/>
+            </a:pPr>
             <a:r>
-              <a:rPr lang="en-US" sz="1800"/>
-              <a:t>Have this written in a paper, you will turn in at the end of the class.</a:t>
+              <a:rPr lang="en-US" sz="1800" dirty="0"/>
+              <a:t>Write your answer in our today’s attendance assignment.</a:t>
             </a:r>
           </a:p>
           <a:p>
@@ -23389,18 +23357,18 @@
 </file>
 
 <file path=customXml/item2.xml><?xml version="1.0" encoding="utf-8"?>
-<p:properties xmlns:p="http://schemas.microsoft.com/office/2006/metadata/properties" xmlns:xsi="http://www.w3.org/2001/XMLSchema-instance" xmlns:pc="http://schemas.microsoft.com/office/infopath/2007/PartnerControls">
-  <documentManagement/>
-</p:properties>
-</file>
-
-<file path=customXml/item3.xml><?xml version="1.0" encoding="utf-8"?>
 <?mso-contentType ?>
 <FormTemplates xmlns="http://schemas.microsoft.com/sharepoint/v3/contenttype/forms">
   <Display>DocumentLibraryForm</Display>
   <Edit>DocumentLibraryForm</Edit>
   <New>DocumentLibraryForm</New>
 </FormTemplates>
+</file>
+
+<file path=customXml/item3.xml><?xml version="1.0" encoding="utf-8"?>
+<p:properties xmlns:p="http://schemas.microsoft.com/office/2006/metadata/properties" xmlns:xsi="http://www.w3.org/2001/XMLSchema-instance" xmlns:pc="http://schemas.microsoft.com/office/infopath/2007/PartnerControls">
+  <documentManagement/>
+</p:properties>
 </file>
 
 <file path=customXml/itemProps1.xml><?xml version="1.0" encoding="utf-8"?>
@@ -23423,26 +23391,26 @@
 </file>
 
 <file path=customXml/itemProps2.xml><?xml version="1.0" encoding="utf-8"?>
-<ds:datastoreItem xmlns:ds="http://schemas.openxmlformats.org/officeDocument/2006/customXml" ds:itemID="{05D3EE4C-68D3-4BA3-94E6-383E2DFDD168}">
+<ds:datastoreItem xmlns:ds="http://schemas.openxmlformats.org/officeDocument/2006/customXml" ds:itemID="{ECBA097B-6123-4B8A-8BF9-8745C25437D5}">
   <ds:schemaRefs>
-    <ds:schemaRef ds:uri="92c41bee-f0ee-4aa6-9399-a35fbb883510"/>
-    <ds:schemaRef ds:uri="http://schemas.openxmlformats.org/package/2006/metadata/core-properties"/>
-    <ds:schemaRef ds:uri="http://schemas.microsoft.com/office/2006/documentManagement/types"/>
-    <ds:schemaRef ds:uri="http://schemas.microsoft.com/office/2006/metadata/properties"/>
-    <ds:schemaRef ds:uri="http://schemas.microsoft.com/office/infopath/2007/PartnerControls"/>
-    <ds:schemaRef ds:uri="http://www.w3.org/XML/1998/namespace"/>
-    <ds:schemaRef ds:uri="http://purl.org/dc/elements/1.1/"/>
-    <ds:schemaRef ds:uri="http://purl.org/dc/terms/"/>
-    <ds:schemaRef ds:uri="e06ed288-fd75-4b50-bbed-f5a5df88c31c"/>
-    <ds:schemaRef ds:uri="http://purl.org/dc/dcmitype/"/>
+    <ds:schemaRef ds:uri="http://schemas.microsoft.com/sharepoint/v3/contenttype/forms"/>
   </ds:schemaRefs>
 </ds:datastoreItem>
 </file>
 
 <file path=customXml/itemProps3.xml><?xml version="1.0" encoding="utf-8"?>
-<ds:datastoreItem xmlns:ds="http://schemas.openxmlformats.org/officeDocument/2006/customXml" ds:itemID="{ECBA097B-6123-4B8A-8BF9-8745C25437D5}">
+<ds:datastoreItem xmlns:ds="http://schemas.openxmlformats.org/officeDocument/2006/customXml" ds:itemID="{05D3EE4C-68D3-4BA3-94E6-383E2DFDD168}">
   <ds:schemaRefs>
-    <ds:schemaRef ds:uri="http://schemas.microsoft.com/sharepoint/v3/contenttype/forms"/>
+    <ds:schemaRef ds:uri="http://schemas.microsoft.com/office/2006/documentManagement/types"/>
+    <ds:schemaRef ds:uri="http://purl.org/dc/elements/1.1/"/>
+    <ds:schemaRef ds:uri="http://schemas.microsoft.com/office/2006/metadata/properties"/>
+    <ds:schemaRef ds:uri="http://schemas.openxmlformats.org/package/2006/metadata/core-properties"/>
+    <ds:schemaRef ds:uri="e06ed288-fd75-4b50-bbed-f5a5df88c31c"/>
+    <ds:schemaRef ds:uri="http://www.w3.org/XML/1998/namespace"/>
+    <ds:schemaRef ds:uri="http://purl.org/dc/dcmitype/"/>
+    <ds:schemaRef ds:uri="http://schemas.microsoft.com/office/infopath/2007/PartnerControls"/>
+    <ds:schemaRef ds:uri="92c41bee-f0ee-4aa6-9399-a35fbb883510"/>
+    <ds:schemaRef ds:uri="http://purl.org/dc/terms/"/>
   </ds:schemaRefs>
 </ds:datastoreItem>
 </file>